--- a/MidTerm/Midterm_presentation_SEMRS.pptx
+++ b/MidTerm/Midterm_presentation_SEMRS.pptx
@@ -2,7 +2,7 @@
 <file path=ppt/presentation.xml><?xml version="1.0" encoding="utf-8"?>
 <p:presentation xmlns:a="http://schemas.openxmlformats.org/drawingml/2006/main" xmlns:r="http://schemas.openxmlformats.org/officeDocument/2006/relationships" xmlns:p="http://schemas.openxmlformats.org/presentationml/2006/main" saveSubsetFonts="1">
   <p:sldMasterIdLst>
-    <p:sldMasterId id="2147483648" r:id="rId1"/>
+    <p:sldMasterId id="2147483672" r:id="rId1"/>
   </p:sldMasterIdLst>
   <p:notesMasterIdLst>
     <p:notesMasterId r:id="rId11"/>
@@ -200,7 +200,7 @@
           <a:p>
             <a:fld id="{F8A13CF6-5412-437F-BBE9-70CB654C0E12}" type="datetimeFigureOut">
               <a:rPr lang="en-US" smtClean="0"/>
-              <a:t>3/25/2012</a:t>
+              <a:t>3/28/2012</a:t>
             </a:fld>
             <a:endParaRPr lang="en-US"/>
           </a:p>
@@ -558,7 +558,39 @@
             </a:pPr>
             <a:r>
               <a:rPr lang="en-US" dirty="0" smtClean="0"/>
-              <a:t>This project is for a healthcare facility in Africa that treats patients’ for HIV/AIDS. All</a:t>
+              <a:t>This project is for </a:t>
+            </a:r>
+            <a:r>
+              <a:rPr lang="en-US" dirty="0" smtClean="0"/>
+              <a:t>Mitchells</a:t>
+            </a:r>
+            <a:r>
+              <a:rPr lang="en-US" baseline="0" dirty="0" smtClean="0"/>
+              <a:t> Plain Community H</a:t>
+            </a:r>
+            <a:r>
+              <a:rPr lang="en-US" dirty="0" smtClean="0"/>
+              <a:t>ealthcare</a:t>
+            </a:r>
+            <a:r>
+              <a:rPr lang="en-US" baseline="0" dirty="0" smtClean="0"/>
+              <a:t> </a:t>
+            </a:r>
+            <a:r>
+              <a:rPr lang="en-US" dirty="0" smtClean="0"/>
+              <a:t>Center in </a:t>
+            </a:r>
+            <a:r>
+              <a:rPr lang="en-US" dirty="0" smtClean="0"/>
+              <a:t>Africa that treats </a:t>
+            </a:r>
+            <a:r>
+              <a:rPr lang="en-US" dirty="0" smtClean="0"/>
+              <a:t>patients </a:t>
+            </a:r>
+            <a:r>
+              <a:rPr lang="en-US" dirty="0" smtClean="0"/>
+              <a:t>for HIV/AIDS. All</a:t>
             </a:r>
             <a:r>
               <a:rPr lang="en-US" baseline="0" dirty="0" smtClean="0"/>
@@ -582,17 +614,39 @@
           <a:p>
             <a:r>
               <a:rPr lang="en-US" dirty="0" smtClean="0"/>
-              <a:t> Solve the problem of</a:t>
+              <a:t>Solve </a:t>
+            </a:r>
+            <a:r>
+              <a:rPr lang="en-US" dirty="0" smtClean="0"/>
+              <a:t>the problem of</a:t>
             </a:r>
             <a:r>
               <a:rPr lang="en-US" baseline="0" dirty="0" smtClean="0"/>
-              <a:t> displacement and damage to patients’ files</a:t>
-            </a:r>
-          </a:p>
-          <a:p>
+              <a:t> displacement and damage to patients’ </a:t>
+            </a:r>
             <a:r>
               <a:rPr lang="en-US" baseline="0" dirty="0" smtClean="0"/>
-              <a:t>-eliminate identity theft</a:t>
+              <a:t>files</a:t>
+            </a:r>
+          </a:p>
+          <a:p>
+            <a:r>
+              <a:rPr lang="en-US" baseline="0" dirty="0" smtClean="0"/>
+              <a:t> - Eliminate </a:t>
+            </a:r>
+            <a:r>
+              <a:rPr lang="en-US" baseline="0" dirty="0" smtClean="0"/>
+              <a:t>identity </a:t>
+            </a:r>
+            <a:r>
+              <a:rPr lang="en-US" baseline="0" dirty="0" smtClean="0"/>
+              <a:t>theft</a:t>
+            </a:r>
+          </a:p>
+          <a:p>
+            <a:r>
+              <a:rPr lang="en-US" baseline="0" dirty="0" smtClean="0"/>
+              <a:t> - Ensure patient stays on the right regiment</a:t>
             </a:r>
             <a:endParaRPr lang="en-US" dirty="0" smtClean="0"/>
           </a:p>
@@ -705,135 +759,6 @@
           <a:bodyPr/>
           <a:lstStyle/>
           <a:p>
-            <a:r>
-              <a:rPr lang="en-US" dirty="0" smtClean="0"/>
-              <a:t>Background info on </a:t>
-            </a:r>
-          </a:p>
-          <a:p>
-            <a:r>
-              <a:rPr lang="en-US" dirty="0" err="1" smtClean="0"/>
-              <a:t>VistA</a:t>
-            </a:r>
-            <a:r>
-              <a:rPr lang="en-US" dirty="0" smtClean="0"/>
-              <a:t>- Veterans health info systems and technology</a:t>
-            </a:r>
-            <a:r>
-              <a:rPr lang="en-US" baseline="0" dirty="0" smtClean="0"/>
-              <a:t> Architecture </a:t>
-            </a:r>
-          </a:p>
-          <a:p>
-            <a:r>
-              <a:rPr lang="en-US" baseline="0" dirty="0" smtClean="0"/>
-              <a:t>Used throughout the US </a:t>
-            </a:r>
-            <a:r>
-              <a:rPr lang="en-US" baseline="0" dirty="0" err="1" smtClean="0"/>
-              <a:t>Dept</a:t>
-            </a:r>
-            <a:r>
-              <a:rPr lang="en-US" baseline="0" dirty="0" smtClean="0"/>
-              <a:t> of Veteran Affairs </a:t>
-            </a:r>
-          </a:p>
-          <a:p>
-            <a:r>
-              <a:rPr lang="en-US" baseline="0" dirty="0" smtClean="0"/>
-              <a:t>80 different clinical </a:t>
-            </a:r>
-            <a:r>
-              <a:rPr lang="en-US" baseline="0" dirty="0" err="1" smtClean="0"/>
-              <a:t>fxns</a:t>
-            </a:r>
-            <a:r>
-              <a:rPr lang="en-US" baseline="0" dirty="0" smtClean="0"/>
-              <a:t>, including: Mental Health, Blind Rehab, Ambulatory care, Radiology, Pharmaceutical, </a:t>
-            </a:r>
-            <a:r>
-              <a:rPr lang="en-US" baseline="0" dirty="0" err="1" smtClean="0"/>
-              <a:t>etc</a:t>
-            </a:r>
-            <a:r>
-              <a:rPr lang="en-US" baseline="0" dirty="0" smtClean="0"/>
-              <a:t>, </a:t>
-            </a:r>
-            <a:r>
-              <a:rPr lang="en-US" baseline="0" dirty="0" err="1" smtClean="0"/>
-              <a:t>etc</a:t>
-            </a:r>
-            <a:r>
-              <a:rPr lang="en-US" baseline="0" dirty="0" smtClean="0"/>
-              <a:t> </a:t>
-            </a:r>
-            <a:r>
-              <a:rPr lang="en-US" baseline="0" dirty="0" err="1" smtClean="0"/>
-              <a:t>etc</a:t>
-            </a:r>
-            <a:endParaRPr lang="en-US" baseline="0" dirty="0" smtClean="0"/>
-          </a:p>
-          <a:p>
-            <a:r>
-              <a:rPr lang="en-US" baseline="0" dirty="0" smtClean="0"/>
-              <a:t>Software modules for clinical care and financial </a:t>
-            </a:r>
-            <a:r>
-              <a:rPr lang="en-US" baseline="0" dirty="0" err="1" smtClean="0"/>
-              <a:t>fxns</a:t>
-            </a:r>
-            <a:endParaRPr lang="en-US" baseline="0" dirty="0" smtClean="0"/>
-          </a:p>
-          <a:p>
-            <a:r>
-              <a:rPr lang="en-US" baseline="0" dirty="0" smtClean="0"/>
-              <a:t>Currently the largest medical system in the US, provides care to 8 million veterans</a:t>
-            </a:r>
-          </a:p>
-          <a:p>
-            <a:r>
-              <a:rPr lang="en-US" baseline="0" dirty="0" smtClean="0"/>
-              <a:t>Already had automated data processing previously, but added a GUI in 1997. </a:t>
-            </a:r>
-          </a:p>
-          <a:p>
-            <a:r>
-              <a:rPr lang="en-US" baseline="0" dirty="0" smtClean="0"/>
-              <a:t>One of the first client-server architectures, that allowed health care providers to review and update a patient’s electronic medical record</a:t>
-            </a:r>
-            <a:endParaRPr lang="en-US" dirty="0" smtClean="0"/>
-          </a:p>
-          <a:p>
-            <a:r>
-              <a:rPr lang="en-US" dirty="0" smtClean="0"/>
-              <a:t>THIRRA-  </a:t>
-            </a:r>
-          </a:p>
-          <a:p>
-            <a:r>
-              <a:rPr lang="en-US" baseline="0" dirty="0" smtClean="0"/>
-              <a:t>ZEPRS- </a:t>
-            </a:r>
-            <a:endParaRPr lang="en-US" dirty="0" smtClean="0"/>
-          </a:p>
-          <a:p>
-            <a:endParaRPr lang="en-US" dirty="0" smtClean="0"/>
-          </a:p>
-          <a:p>
-            <a:r>
-              <a:rPr lang="en-US" dirty="0" err="1" smtClean="0"/>
-              <a:t>OpenEMR</a:t>
-            </a:r>
-            <a:r>
-              <a:rPr lang="en-US" dirty="0" smtClean="0"/>
-              <a:t> V 1.0 released in June 2001</a:t>
-            </a:r>
-          </a:p>
-          <a:p>
-            <a:r>
-              <a:rPr lang="en-US" dirty="0" smtClean="0"/>
-              <a:t>-3700 downloads p/month</a:t>
-            </a:r>
             <a:endParaRPr lang="en-US" dirty="0"/>
           </a:p>
         </p:txBody>
@@ -855,7 +780,7 @@
           <a:p>
             <a:fld id="{6538AC3F-63CE-4DD6-92CD-9B13526C2825}" type="slidenum">
               <a:rPr lang="en-US" smtClean="0"/>
-              <a:t>4</a:t>
+              <a:t>3</a:t>
             </a:fld>
             <a:endParaRPr lang="en-US"/>
           </a:p>
@@ -864,7 +789,7 @@
     </p:spTree>
     <p:extLst>
       <p:ext uri="{BB962C8B-B14F-4D97-AF65-F5344CB8AC3E}">
-        <p14:creationId xmlns:p14="http://schemas.microsoft.com/office/powerpoint/2010/main" val="3006771749"/>
+        <p14:creationId xmlns:p14="http://schemas.microsoft.com/office/powerpoint/2010/main" val="4279931477"/>
       </p:ext>
     </p:extLst>
   </p:cSld>
@@ -918,6 +843,135 @@
           <a:bodyPr/>
           <a:lstStyle/>
           <a:p>
+            <a:r>
+              <a:rPr lang="en-US" dirty="0" smtClean="0"/>
+              <a:t>Background info on </a:t>
+            </a:r>
+          </a:p>
+          <a:p>
+            <a:r>
+              <a:rPr lang="en-US" dirty="0" err="1" smtClean="0"/>
+              <a:t>VistA</a:t>
+            </a:r>
+            <a:r>
+              <a:rPr lang="en-US" dirty="0" smtClean="0"/>
+              <a:t>- Veterans health info systems and technology</a:t>
+            </a:r>
+            <a:r>
+              <a:rPr lang="en-US" baseline="0" dirty="0" smtClean="0"/>
+              <a:t> Architecture </a:t>
+            </a:r>
+          </a:p>
+          <a:p>
+            <a:r>
+              <a:rPr lang="en-US" baseline="0" dirty="0" smtClean="0"/>
+              <a:t>Used throughout the US </a:t>
+            </a:r>
+            <a:r>
+              <a:rPr lang="en-US" baseline="0" dirty="0" err="1" smtClean="0"/>
+              <a:t>Dept</a:t>
+            </a:r>
+            <a:r>
+              <a:rPr lang="en-US" baseline="0" dirty="0" smtClean="0"/>
+              <a:t> of Veteran Affairs </a:t>
+            </a:r>
+          </a:p>
+          <a:p>
+            <a:r>
+              <a:rPr lang="en-US" baseline="0" dirty="0" smtClean="0"/>
+              <a:t>80 different clinical </a:t>
+            </a:r>
+            <a:r>
+              <a:rPr lang="en-US" baseline="0" dirty="0" err="1" smtClean="0"/>
+              <a:t>fxns</a:t>
+            </a:r>
+            <a:r>
+              <a:rPr lang="en-US" baseline="0" dirty="0" smtClean="0"/>
+              <a:t>, including: Mental Health, Blind Rehab, Ambulatory care, Radiology, Pharmaceutical, </a:t>
+            </a:r>
+            <a:r>
+              <a:rPr lang="en-US" baseline="0" dirty="0" err="1" smtClean="0"/>
+              <a:t>etc</a:t>
+            </a:r>
+            <a:r>
+              <a:rPr lang="en-US" baseline="0" dirty="0" smtClean="0"/>
+              <a:t>, </a:t>
+            </a:r>
+            <a:r>
+              <a:rPr lang="en-US" baseline="0" dirty="0" err="1" smtClean="0"/>
+              <a:t>etc</a:t>
+            </a:r>
+            <a:r>
+              <a:rPr lang="en-US" baseline="0" dirty="0" smtClean="0"/>
+              <a:t> </a:t>
+            </a:r>
+            <a:r>
+              <a:rPr lang="en-US" baseline="0" dirty="0" err="1" smtClean="0"/>
+              <a:t>etc</a:t>
+            </a:r>
+            <a:endParaRPr lang="en-US" baseline="0" dirty="0" smtClean="0"/>
+          </a:p>
+          <a:p>
+            <a:r>
+              <a:rPr lang="en-US" baseline="0" dirty="0" smtClean="0"/>
+              <a:t>Software modules for clinical care and financial </a:t>
+            </a:r>
+            <a:r>
+              <a:rPr lang="en-US" baseline="0" dirty="0" err="1" smtClean="0"/>
+              <a:t>fxns</a:t>
+            </a:r>
+            <a:endParaRPr lang="en-US" baseline="0" dirty="0" smtClean="0"/>
+          </a:p>
+          <a:p>
+            <a:r>
+              <a:rPr lang="en-US" baseline="0" dirty="0" smtClean="0"/>
+              <a:t>Currently the largest medical system in the US, provides care to 8 million veterans</a:t>
+            </a:r>
+          </a:p>
+          <a:p>
+            <a:r>
+              <a:rPr lang="en-US" baseline="0" dirty="0" smtClean="0"/>
+              <a:t>Already had automated data processing previously, but added a GUI in 1997. </a:t>
+            </a:r>
+          </a:p>
+          <a:p>
+            <a:r>
+              <a:rPr lang="en-US" baseline="0" dirty="0" smtClean="0"/>
+              <a:t>One of the first client-server architectures, that allowed health care providers to review and update a patient’s electronic medical record</a:t>
+            </a:r>
+            <a:endParaRPr lang="en-US" dirty="0" smtClean="0"/>
+          </a:p>
+          <a:p>
+            <a:r>
+              <a:rPr lang="en-US" dirty="0" smtClean="0"/>
+              <a:t>THIRRA-  </a:t>
+            </a:r>
+          </a:p>
+          <a:p>
+            <a:r>
+              <a:rPr lang="en-US" baseline="0" dirty="0" smtClean="0"/>
+              <a:t>ZEPRS- </a:t>
+            </a:r>
+            <a:endParaRPr lang="en-US" dirty="0" smtClean="0"/>
+          </a:p>
+          <a:p>
+            <a:endParaRPr lang="en-US" dirty="0" smtClean="0"/>
+          </a:p>
+          <a:p>
+            <a:r>
+              <a:rPr lang="en-US" dirty="0" err="1" smtClean="0"/>
+              <a:t>OpenEMR</a:t>
+            </a:r>
+            <a:r>
+              <a:rPr lang="en-US" dirty="0" smtClean="0"/>
+              <a:t> V 1.0 released in June 2001</a:t>
+            </a:r>
+          </a:p>
+          <a:p>
+            <a:r>
+              <a:rPr lang="en-US" dirty="0" smtClean="0"/>
+              <a:t>-3700 downloads p/month</a:t>
+            </a:r>
             <a:endParaRPr lang="en-US" dirty="0"/>
           </a:p>
         </p:txBody>
@@ -939,7 +993,7 @@
           <a:p>
             <a:fld id="{6538AC3F-63CE-4DD6-92CD-9B13526C2825}" type="slidenum">
               <a:rPr lang="en-US" smtClean="0"/>
-              <a:t>5</a:t>
+              <a:t>4</a:t>
             </a:fld>
             <a:endParaRPr lang="en-US"/>
           </a:p>
@@ -948,7 +1002,7 @@
     </p:spTree>
     <p:extLst>
       <p:ext uri="{BB962C8B-B14F-4D97-AF65-F5344CB8AC3E}">
-        <p14:creationId xmlns:p14="http://schemas.microsoft.com/office/powerpoint/2010/main" val="2423766743"/>
+        <p14:creationId xmlns:p14="http://schemas.microsoft.com/office/powerpoint/2010/main" val="3006771749"/>
       </p:ext>
     </p:extLst>
   </p:cSld>
@@ -1002,6 +1056,90 @@
           <a:bodyPr/>
           <a:lstStyle/>
           <a:p>
+            <a:endParaRPr lang="en-US" dirty="0"/>
+          </a:p>
+        </p:txBody>
+      </p:sp>
+      <p:sp>
+        <p:nvSpPr>
+          <p:cNvPr id="4" name="Slide Number Placeholder 3"/>
+          <p:cNvSpPr>
+            <a:spLocks noGrp="1"/>
+          </p:cNvSpPr>
+          <p:nvPr>
+            <p:ph type="sldNum" sz="quarter" idx="10"/>
+          </p:nvPr>
+        </p:nvSpPr>
+        <p:spPr/>
+        <p:txBody>
+          <a:bodyPr/>
+          <a:lstStyle/>
+          <a:p>
+            <a:fld id="{6538AC3F-63CE-4DD6-92CD-9B13526C2825}" type="slidenum">
+              <a:rPr lang="en-US" smtClean="0"/>
+              <a:t>5</a:t>
+            </a:fld>
+            <a:endParaRPr lang="en-US"/>
+          </a:p>
+        </p:txBody>
+      </p:sp>
+    </p:spTree>
+    <p:extLst>
+      <p:ext uri="{BB962C8B-B14F-4D97-AF65-F5344CB8AC3E}">
+        <p14:creationId xmlns:p14="http://schemas.microsoft.com/office/powerpoint/2010/main" val="2423766743"/>
+      </p:ext>
+    </p:extLst>
+  </p:cSld>
+  <p:clrMapOvr>
+    <a:masterClrMapping/>
+  </p:clrMapOvr>
+</p:notes>
+</file>
+
+<file path=ppt/notesSlides/notesSlide5.xml><?xml version="1.0" encoding="utf-8"?>
+<p:notes xmlns:a="http://schemas.openxmlformats.org/drawingml/2006/main" xmlns:r="http://schemas.openxmlformats.org/officeDocument/2006/relationships" xmlns:p="http://schemas.openxmlformats.org/presentationml/2006/main">
+  <p:cSld>
+    <p:spTree>
+      <p:nvGrpSpPr>
+        <p:cNvPr id="1" name=""/>
+        <p:cNvGrpSpPr/>
+        <p:nvPr/>
+      </p:nvGrpSpPr>
+      <p:grpSpPr>
+        <a:xfrm>
+          <a:off x="0" y="0"/>
+          <a:ext cx="0" cy="0"/>
+          <a:chOff x="0" y="0"/>
+          <a:chExt cx="0" cy="0"/>
+        </a:xfrm>
+      </p:grpSpPr>
+      <p:sp>
+        <p:nvSpPr>
+          <p:cNvPr id="2" name="Slide Image Placeholder 1"/>
+          <p:cNvSpPr>
+            <a:spLocks noGrp="1" noRot="1" noChangeAspect="1"/>
+          </p:cNvSpPr>
+          <p:nvPr>
+            <p:ph type="sldImg"/>
+          </p:nvPr>
+        </p:nvSpPr>
+        <p:spPr/>
+      </p:sp>
+      <p:sp>
+        <p:nvSpPr>
+          <p:cNvPr id="3" name="Notes Placeholder 2"/>
+          <p:cNvSpPr>
+            <a:spLocks noGrp="1"/>
+          </p:cNvSpPr>
+          <p:nvPr>
+            <p:ph type="body" idx="1"/>
+          </p:nvPr>
+        </p:nvSpPr>
+        <p:spPr/>
+        <p:txBody>
+          <a:bodyPr/>
+          <a:lstStyle/>
+          <a:p>
             <a:r>
               <a:rPr lang="en-US" dirty="0" smtClean="0"/>
               <a:t>These are the 3 ‘big’ things the “state of the art” software</a:t>
@@ -1050,7 +1188,7 @@
 </p:notes>
 </file>
 
-<file path=ppt/notesSlides/notesSlide5.xml><?xml version="1.0" encoding="utf-8"?>
+<file path=ppt/notesSlides/notesSlide6.xml><?xml version="1.0" encoding="utf-8"?>
 <p:notes xmlns:a="http://schemas.openxmlformats.org/drawingml/2006/main" xmlns:r="http://schemas.openxmlformats.org/officeDocument/2006/relationships" xmlns:p="http://schemas.openxmlformats.org/presentationml/2006/main">
   <p:cSld>
     <p:spTree>
@@ -1171,13 +1309,19 @@
         </p:nvSpPr>
         <p:spPr>
           <a:xfrm>
-            <a:off x="685800" y="2130425"/>
-            <a:ext cx="7772400" cy="1470025"/>
+            <a:off x="914400" y="2516624"/>
+            <a:ext cx="7315200" cy="2595025"/>
           </a:xfrm>
         </p:spPr>
         <p:txBody>
-          <a:bodyPr/>
-          <a:lstStyle/>
+          <a:bodyPr>
+            <a:normAutofit/>
+          </a:bodyPr>
+          <a:lstStyle>
+            <a:lvl1pPr>
+              <a:defRPr sz="4800"/>
+            </a:lvl1pPr>
+          </a:lstStyle>
           <a:p>
             <a:r>
               <a:rPr lang="en-US" smtClean="0"/>
@@ -1199,20 +1343,20 @@
         </p:nvSpPr>
         <p:spPr>
           <a:xfrm>
-            <a:off x="1371600" y="3886200"/>
-            <a:ext cx="6400800" cy="1752600"/>
+            <a:off x="914400" y="5166530"/>
+            <a:ext cx="7315200" cy="1144632"/>
           </a:xfrm>
         </p:spPr>
         <p:txBody>
-          <a:bodyPr/>
+          <a:bodyPr>
+            <a:normAutofit/>
+          </a:bodyPr>
           <a:lstStyle>
-            <a:lvl1pPr marL="0" indent="0" algn="ctr">
-              <a:buNone/>
-              <a:defRPr>
+            <a:lvl1pPr marL="0" indent="0" algn="l">
+              <a:buNone/>
+              <a:defRPr sz="2200">
                 <a:solidFill>
-                  <a:schemeClr val="tx1">
-                    <a:tint val="75000"/>
-                  </a:schemeClr>
+                  <a:schemeClr val="tx1"/>
                 </a:solidFill>
               </a:defRPr>
             </a:lvl1pPr>
@@ -1302,13 +1446,13 @@
               <a:rPr lang="en-US" smtClean="0"/>
               <a:t>Click to edit Master subtitle style</a:t>
             </a:r>
-            <a:endParaRPr lang="en-US"/>
-          </a:p>
-        </p:txBody>
-      </p:sp>
-      <p:sp>
-        <p:nvSpPr>
-          <p:cNvPr id="4" name="Date Placeholder 3"/>
+            <a:endParaRPr lang="en-US" dirty="0"/>
+          </a:p>
+        </p:txBody>
+      </p:sp>
+      <p:sp>
+        <p:nvSpPr>
+          <p:cNvPr id="7" name="Date Placeholder 6"/>
           <p:cNvSpPr>
             <a:spLocks noGrp="1"/>
           </p:cNvSpPr>
@@ -1323,7 +1467,7 @@
           <a:p>
             <a:fld id="{DF54349C-A996-4252-BAF6-D47DEF27549E}" type="datetimeFigureOut">
               <a:rPr lang="en-US" smtClean="0"/>
-              <a:t>3/25/2012</a:t>
+              <a:t>3/28/2012</a:t>
             </a:fld>
             <a:endParaRPr lang="en-US"/>
           </a:p>
@@ -1331,31 +1475,12 @@
       </p:sp>
       <p:sp>
         <p:nvSpPr>
-          <p:cNvPr id="5" name="Footer Placeholder 4"/>
-          <p:cNvSpPr>
-            <a:spLocks noGrp="1"/>
-          </p:cNvSpPr>
-          <p:nvPr>
-            <p:ph type="ftr" sz="quarter" idx="11"/>
-          </p:nvPr>
-        </p:nvSpPr>
-        <p:spPr/>
-        <p:txBody>
-          <a:bodyPr/>
-          <a:lstStyle/>
-          <a:p>
-            <a:endParaRPr lang="en-US"/>
-          </a:p>
-        </p:txBody>
-      </p:sp>
-      <p:sp>
-        <p:nvSpPr>
-          <p:cNvPr id="6" name="Slide Number Placeholder 5"/>
-          <p:cNvSpPr>
-            <a:spLocks noGrp="1"/>
-          </p:cNvSpPr>
-          <p:nvPr>
-            <p:ph type="sldNum" sz="quarter" idx="12"/>
+          <p:cNvPr id="8" name="Slide Number Placeholder 7"/>
+          <p:cNvSpPr>
+            <a:spLocks noGrp="1"/>
+          </p:cNvSpPr>
+          <p:nvPr>
+            <p:ph type="sldNum" sz="quarter" idx="11"/>
           </p:nvPr>
         </p:nvSpPr>
         <p:spPr/>
@@ -1371,12 +1496,26 @@
           </a:p>
         </p:txBody>
       </p:sp>
+      <p:sp>
+        <p:nvSpPr>
+          <p:cNvPr id="9" name="Footer Placeholder 8"/>
+          <p:cNvSpPr>
+            <a:spLocks noGrp="1"/>
+          </p:cNvSpPr>
+          <p:nvPr>
+            <p:ph type="ftr" sz="quarter" idx="12"/>
+          </p:nvPr>
+        </p:nvSpPr>
+        <p:spPr/>
+        <p:txBody>
+          <a:bodyPr/>
+          <a:lstStyle/>
+          <a:p>
+            <a:endParaRPr lang="en-US"/>
+          </a:p>
+        </p:txBody>
+      </p:sp>
     </p:spTree>
-    <p:extLst>
-      <p:ext uri="{BB962C8B-B14F-4D97-AF65-F5344CB8AC3E}">
-        <p14:creationId xmlns:p14="http://schemas.microsoft.com/office/powerpoint/2010/main" val="3548025149"/>
-      </p:ext>
-    </p:extLst>
   </p:cSld>
   <p:clrMapOvr>
     <a:masterClrMapping/>
@@ -1493,7 +1632,7 @@
           <a:p>
             <a:fld id="{DF54349C-A996-4252-BAF6-D47DEF27549E}" type="datetimeFigureOut">
               <a:rPr lang="en-US" smtClean="0"/>
-              <a:t>3/25/2012</a:t>
+              <a:t>3/28/2012</a:t>
             </a:fld>
             <a:endParaRPr lang="en-US"/>
           </a:p>
@@ -1542,11 +1681,6 @@
         </p:txBody>
       </p:sp>
     </p:spTree>
-    <p:extLst>
-      <p:ext uri="{BB962C8B-B14F-4D97-AF65-F5344CB8AC3E}">
-        <p14:creationId xmlns:p14="http://schemas.microsoft.com/office/powerpoint/2010/main" val="980318126"/>
-      </p:ext>
-    </p:extLst>
   </p:cSld>
   <p:clrMapOvr>
     <a:masterClrMapping/>
@@ -1583,8 +1717,8 @@
         </p:nvSpPr>
         <p:spPr>
           <a:xfrm>
-            <a:off x="6629400" y="274638"/>
-            <a:ext cx="2057400" cy="5851525"/>
+            <a:off x="6248400" y="1826709"/>
+            <a:ext cx="1492499" cy="4484454"/>
           </a:xfrm>
         </p:spPr>
         <p:txBody>
@@ -1611,8 +1745,8 @@
         </p:nvSpPr>
         <p:spPr>
           <a:xfrm>
-            <a:off x="457200" y="274638"/>
-            <a:ext cx="6019800" cy="5851525"/>
+            <a:off x="854524" y="1826709"/>
+            <a:ext cx="5241476" cy="4484454"/>
           </a:xfrm>
         </p:spPr>
         <p:txBody>
@@ -1673,7 +1807,7 @@
           <a:p>
             <a:fld id="{DF54349C-A996-4252-BAF6-D47DEF27549E}" type="datetimeFigureOut">
               <a:rPr lang="en-US" smtClean="0"/>
-              <a:t>3/25/2012</a:t>
+              <a:t>3/28/2012</a:t>
             </a:fld>
             <a:endParaRPr lang="en-US"/>
           </a:p>
@@ -1722,11 +1856,6 @@
         </p:txBody>
       </p:sp>
     </p:spTree>
-    <p:extLst>
-      <p:ext uri="{BB962C8B-B14F-4D97-AF65-F5344CB8AC3E}">
-        <p14:creationId xmlns:p14="http://schemas.microsoft.com/office/powerpoint/2010/main" val="3106867749"/>
-      </p:ext>
-    </p:extLst>
   </p:cSld>
   <p:clrMapOvr>
     <a:masterClrMapping/>
@@ -1822,7 +1951,7 @@
               <a:rPr lang="en-US" smtClean="0"/>
               <a:t>Fifth level</a:t>
             </a:r>
-            <a:endParaRPr lang="en-US"/>
+            <a:endParaRPr lang="en-US" dirty="0"/>
           </a:p>
         </p:txBody>
       </p:sp>
@@ -1843,7 +1972,7 @@
           <a:p>
             <a:fld id="{DF54349C-A996-4252-BAF6-D47DEF27549E}" type="datetimeFigureOut">
               <a:rPr lang="en-US" smtClean="0"/>
-              <a:t>3/25/2012</a:t>
+              <a:t>3/28/2012</a:t>
             </a:fld>
             <a:endParaRPr lang="en-US"/>
           </a:p>
@@ -1892,11 +2021,6 @@
         </p:txBody>
       </p:sp>
     </p:spTree>
-    <p:extLst>
-      <p:ext uri="{BB962C8B-B14F-4D97-AF65-F5344CB8AC3E}">
-        <p14:creationId xmlns:p14="http://schemas.microsoft.com/office/powerpoint/2010/main" val="3035668783"/>
-      </p:ext>
-    </p:extLst>
   </p:cSld>
   <p:clrMapOvr>
     <a:masterClrMapping/>
@@ -1933,15 +2057,15 @@
         </p:nvSpPr>
         <p:spPr>
           <a:xfrm>
-            <a:off x="722313" y="4406900"/>
-            <a:ext cx="7772400" cy="1362075"/>
+            <a:off x="914400" y="5017572"/>
+            <a:ext cx="7315200" cy="1293592"/>
           </a:xfrm>
         </p:spPr>
         <p:txBody>
           <a:bodyPr anchor="t"/>
           <a:lstStyle>
             <a:lvl1pPr algn="l">
-              <a:defRPr sz="4000" b="1" cap="all"/>
+              <a:defRPr sz="4000" b="0" cap="none"/>
             </a:lvl1pPr>
           </a:lstStyle>
           <a:p>
@@ -1965,8 +2089,8 @@
         </p:nvSpPr>
         <p:spPr>
           <a:xfrm>
-            <a:off x="722313" y="2906713"/>
-            <a:ext cx="7772400" cy="1500187"/>
+            <a:off x="914400" y="3865097"/>
+            <a:ext cx="7315200" cy="1098439"/>
           </a:xfrm>
         </p:spPr>
         <p:txBody>
@@ -1976,9 +2100,7 @@
               <a:buNone/>
               <a:defRPr sz="2000">
                 <a:solidFill>
-                  <a:schemeClr val="tx1">
-                    <a:tint val="75000"/>
-                  </a:schemeClr>
+                  <a:schemeClr val="tx1"/>
                 </a:solidFill>
               </a:defRPr>
             </a:lvl1pPr>
@@ -2089,7 +2211,7 @@
           <a:p>
             <a:fld id="{DF54349C-A996-4252-BAF6-D47DEF27549E}" type="datetimeFigureOut">
               <a:rPr lang="en-US" smtClean="0"/>
-              <a:t>3/25/2012</a:t>
+              <a:t>3/28/2012</a:t>
             </a:fld>
             <a:endParaRPr lang="en-US"/>
           </a:p>
@@ -2138,11 +2260,6 @@
         </p:txBody>
       </p:sp>
     </p:spTree>
-    <p:extLst>
-      <p:ext uri="{BB962C8B-B14F-4D97-AF65-F5344CB8AC3E}">
-        <p14:creationId xmlns:p14="http://schemas.microsoft.com/office/powerpoint/2010/main" val="1608871167"/>
-      </p:ext>
-    </p:extLst>
   </p:cSld>
   <p:clrMapOvr>
     <a:masterClrMapping/>
@@ -2169,12 +2286,12 @@
       </p:grpSpPr>
       <p:sp>
         <p:nvSpPr>
-          <p:cNvPr id="2" name="Title 1"/>
-          <p:cNvSpPr>
-            <a:spLocks noGrp="1"/>
-          </p:cNvSpPr>
-          <p:nvPr>
-            <p:ph type="title"/>
+          <p:cNvPr id="5" name="Date Placeholder 4"/>
+          <p:cNvSpPr>
+            <a:spLocks noGrp="1"/>
+          </p:cNvSpPr>
+          <p:nvPr>
+            <p:ph type="dt" sz="half" idx="10"/>
           </p:nvPr>
         </p:nvSpPr>
         <p:spPr/>
@@ -2182,202 +2299,9 @@
           <a:bodyPr/>
           <a:lstStyle/>
           <a:p>
-            <a:r>
-              <a:rPr lang="en-US" smtClean="0"/>
-              <a:t>Click to edit Master title style</a:t>
-            </a:r>
-            <a:endParaRPr lang="en-US"/>
-          </a:p>
-        </p:txBody>
-      </p:sp>
-      <p:sp>
-        <p:nvSpPr>
-          <p:cNvPr id="3" name="Content Placeholder 2"/>
-          <p:cNvSpPr>
-            <a:spLocks noGrp="1"/>
-          </p:cNvSpPr>
-          <p:nvPr>
-            <p:ph sz="half" idx="1"/>
-          </p:nvPr>
-        </p:nvSpPr>
-        <p:spPr>
-          <a:xfrm>
-            <a:off x="457200" y="1600200"/>
-            <a:ext cx="4038600" cy="4525963"/>
-          </a:xfrm>
-        </p:spPr>
-        <p:txBody>
-          <a:bodyPr/>
-          <a:lstStyle>
-            <a:lvl1pPr>
-              <a:defRPr sz="2800"/>
-            </a:lvl1pPr>
-            <a:lvl2pPr>
-              <a:defRPr sz="2400"/>
-            </a:lvl2pPr>
-            <a:lvl3pPr>
-              <a:defRPr sz="2000"/>
-            </a:lvl3pPr>
-            <a:lvl4pPr>
-              <a:defRPr sz="1800"/>
-            </a:lvl4pPr>
-            <a:lvl5pPr>
-              <a:defRPr sz="1800"/>
-            </a:lvl5pPr>
-            <a:lvl6pPr>
-              <a:defRPr sz="1800"/>
-            </a:lvl6pPr>
-            <a:lvl7pPr>
-              <a:defRPr sz="1800"/>
-            </a:lvl7pPr>
-            <a:lvl8pPr>
-              <a:defRPr sz="1800"/>
-            </a:lvl8pPr>
-            <a:lvl9pPr>
-              <a:defRPr sz="1800"/>
-            </a:lvl9pPr>
-          </a:lstStyle>
-          <a:p>
-            <a:pPr lvl="0"/>
-            <a:r>
-              <a:rPr lang="en-US" smtClean="0"/>
-              <a:t>Click to edit Master text styles</a:t>
-            </a:r>
-          </a:p>
-          <a:p>
-            <a:pPr lvl="1"/>
-            <a:r>
-              <a:rPr lang="en-US" smtClean="0"/>
-              <a:t>Second level</a:t>
-            </a:r>
-          </a:p>
-          <a:p>
-            <a:pPr lvl="2"/>
-            <a:r>
-              <a:rPr lang="en-US" smtClean="0"/>
-              <a:t>Third level</a:t>
-            </a:r>
-          </a:p>
-          <a:p>
-            <a:pPr lvl="3"/>
-            <a:r>
-              <a:rPr lang="en-US" smtClean="0"/>
-              <a:t>Fourth level</a:t>
-            </a:r>
-          </a:p>
-          <a:p>
-            <a:pPr lvl="4"/>
-            <a:r>
-              <a:rPr lang="en-US" smtClean="0"/>
-              <a:t>Fifth level</a:t>
-            </a:r>
-            <a:endParaRPr lang="en-US"/>
-          </a:p>
-        </p:txBody>
-      </p:sp>
-      <p:sp>
-        <p:nvSpPr>
-          <p:cNvPr id="4" name="Content Placeholder 3"/>
-          <p:cNvSpPr>
-            <a:spLocks noGrp="1"/>
-          </p:cNvSpPr>
-          <p:nvPr>
-            <p:ph sz="half" idx="2"/>
-          </p:nvPr>
-        </p:nvSpPr>
-        <p:spPr>
-          <a:xfrm>
-            <a:off x="4648200" y="1600200"/>
-            <a:ext cx="4038600" cy="4525963"/>
-          </a:xfrm>
-        </p:spPr>
-        <p:txBody>
-          <a:bodyPr/>
-          <a:lstStyle>
-            <a:lvl1pPr>
-              <a:defRPr sz="2800"/>
-            </a:lvl1pPr>
-            <a:lvl2pPr>
-              <a:defRPr sz="2400"/>
-            </a:lvl2pPr>
-            <a:lvl3pPr>
-              <a:defRPr sz="2000"/>
-            </a:lvl3pPr>
-            <a:lvl4pPr>
-              <a:defRPr sz="1800"/>
-            </a:lvl4pPr>
-            <a:lvl5pPr>
-              <a:defRPr sz="1800"/>
-            </a:lvl5pPr>
-            <a:lvl6pPr>
-              <a:defRPr sz="1800"/>
-            </a:lvl6pPr>
-            <a:lvl7pPr>
-              <a:defRPr sz="1800"/>
-            </a:lvl7pPr>
-            <a:lvl8pPr>
-              <a:defRPr sz="1800"/>
-            </a:lvl8pPr>
-            <a:lvl9pPr>
-              <a:defRPr sz="1800"/>
-            </a:lvl9pPr>
-          </a:lstStyle>
-          <a:p>
-            <a:pPr lvl="0"/>
-            <a:r>
-              <a:rPr lang="en-US" smtClean="0"/>
-              <a:t>Click to edit Master text styles</a:t>
-            </a:r>
-          </a:p>
-          <a:p>
-            <a:pPr lvl="1"/>
-            <a:r>
-              <a:rPr lang="en-US" smtClean="0"/>
-              <a:t>Second level</a:t>
-            </a:r>
-          </a:p>
-          <a:p>
-            <a:pPr lvl="2"/>
-            <a:r>
-              <a:rPr lang="en-US" smtClean="0"/>
-              <a:t>Third level</a:t>
-            </a:r>
-          </a:p>
-          <a:p>
-            <a:pPr lvl="3"/>
-            <a:r>
-              <a:rPr lang="en-US" smtClean="0"/>
-              <a:t>Fourth level</a:t>
-            </a:r>
-          </a:p>
-          <a:p>
-            <a:pPr lvl="4"/>
-            <a:r>
-              <a:rPr lang="en-US" smtClean="0"/>
-              <a:t>Fifth level</a:t>
-            </a:r>
-            <a:endParaRPr lang="en-US"/>
-          </a:p>
-        </p:txBody>
-      </p:sp>
-      <p:sp>
-        <p:nvSpPr>
-          <p:cNvPr id="5" name="Date Placeholder 4"/>
-          <p:cNvSpPr>
-            <a:spLocks noGrp="1"/>
-          </p:cNvSpPr>
-          <p:nvPr>
-            <p:ph type="dt" sz="half" idx="10"/>
-          </p:nvPr>
-        </p:nvSpPr>
-        <p:spPr/>
-        <p:txBody>
-          <a:bodyPr/>
-          <a:lstStyle/>
-          <a:p>
             <a:fld id="{DF54349C-A996-4252-BAF6-D47DEF27549E}" type="datetimeFigureOut">
               <a:rPr lang="en-US" smtClean="0"/>
-              <a:t>3/25/2012</a:t>
+              <a:t>3/28/2012</a:t>
             </a:fld>
             <a:endParaRPr lang="en-US"/>
           </a:p>
@@ -2425,12 +2349,149 @@
           </a:p>
         </p:txBody>
       </p:sp>
+      <p:sp>
+        <p:nvSpPr>
+          <p:cNvPr id="9" name="Title 8"/>
+          <p:cNvSpPr>
+            <a:spLocks noGrp="1"/>
+          </p:cNvSpPr>
+          <p:nvPr>
+            <p:ph type="title"/>
+          </p:nvPr>
+        </p:nvSpPr>
+        <p:spPr>
+          <a:xfrm>
+            <a:off x="914400" y="1544715"/>
+            <a:ext cx="7315200" cy="1154097"/>
+          </a:xfrm>
+        </p:spPr>
+        <p:txBody>
+          <a:bodyPr/>
+          <a:lstStyle/>
+          <a:p>
+            <a:r>
+              <a:rPr lang="en-US" smtClean="0"/>
+              <a:t>Click to edit Master title style</a:t>
+            </a:r>
+            <a:endParaRPr lang="en-US"/>
+          </a:p>
+        </p:txBody>
+      </p:sp>
+      <p:sp>
+        <p:nvSpPr>
+          <p:cNvPr id="8" name="Content Placeholder 7"/>
+          <p:cNvSpPr>
+            <a:spLocks noGrp="1"/>
+          </p:cNvSpPr>
+          <p:nvPr>
+            <p:ph sz="quarter" idx="13"/>
+          </p:nvPr>
+        </p:nvSpPr>
+        <p:spPr>
+          <a:xfrm>
+            <a:off x="914400" y="2743200"/>
+            <a:ext cx="3566160" cy="3593592"/>
+          </a:xfrm>
+        </p:spPr>
+        <p:txBody>
+          <a:bodyPr/>
+          <a:lstStyle/>
+          <a:p>
+            <a:pPr lvl="0"/>
+            <a:r>
+              <a:rPr lang="en-US" smtClean="0"/>
+              <a:t>Click to edit Master text styles</a:t>
+            </a:r>
+          </a:p>
+          <a:p>
+            <a:pPr lvl="1"/>
+            <a:r>
+              <a:rPr lang="en-US" smtClean="0"/>
+              <a:t>Second level</a:t>
+            </a:r>
+          </a:p>
+          <a:p>
+            <a:pPr lvl="2"/>
+            <a:r>
+              <a:rPr lang="en-US" smtClean="0"/>
+              <a:t>Third level</a:t>
+            </a:r>
+          </a:p>
+          <a:p>
+            <a:pPr lvl="3"/>
+            <a:r>
+              <a:rPr lang="en-US" smtClean="0"/>
+              <a:t>Fourth level</a:t>
+            </a:r>
+          </a:p>
+          <a:p>
+            <a:pPr lvl="4"/>
+            <a:r>
+              <a:rPr lang="en-US" smtClean="0"/>
+              <a:t>Fifth level</a:t>
+            </a:r>
+            <a:endParaRPr lang="en-US"/>
+          </a:p>
+        </p:txBody>
+      </p:sp>
+      <p:sp>
+        <p:nvSpPr>
+          <p:cNvPr id="11" name="Content Placeholder 10"/>
+          <p:cNvSpPr>
+            <a:spLocks noGrp="1"/>
+          </p:cNvSpPr>
+          <p:nvPr>
+            <p:ph sz="quarter" idx="14"/>
+          </p:nvPr>
+        </p:nvSpPr>
+        <p:spPr>
+          <a:xfrm>
+            <a:off x="4681728" y="2743200"/>
+            <a:ext cx="3566160" cy="3595687"/>
+          </a:xfrm>
+        </p:spPr>
+        <p:txBody>
+          <a:bodyPr/>
+          <a:lstStyle/>
+          <a:p>
+            <a:pPr lvl="0"/>
+            <a:r>
+              <a:rPr lang="en-US" smtClean="0"/>
+              <a:t>Click to edit Master text styles</a:t>
+            </a:r>
+          </a:p>
+          <a:p>
+            <a:pPr lvl="1"/>
+            <a:r>
+              <a:rPr lang="en-US" smtClean="0"/>
+              <a:t>Second level</a:t>
+            </a:r>
+          </a:p>
+          <a:p>
+            <a:pPr lvl="2"/>
+            <a:r>
+              <a:rPr lang="en-US" smtClean="0"/>
+              <a:t>Third level</a:t>
+            </a:r>
+          </a:p>
+          <a:p>
+            <a:pPr lvl="3"/>
+            <a:r>
+              <a:rPr lang="en-US" smtClean="0"/>
+              <a:t>Fourth level</a:t>
+            </a:r>
+          </a:p>
+          <a:p>
+            <a:pPr lvl="4"/>
+            <a:r>
+              <a:rPr lang="en-US" smtClean="0"/>
+              <a:t>Fifth level</a:t>
+            </a:r>
+            <a:endParaRPr lang="en-US"/>
+          </a:p>
+        </p:txBody>
+      </p:sp>
     </p:spTree>
-    <p:extLst>
-      <p:ext uri="{BB962C8B-B14F-4D97-AF65-F5344CB8AC3E}">
-        <p14:creationId xmlns:p14="http://schemas.microsoft.com/office/powerpoint/2010/main" val="3642724941"/>
-      </p:ext>
-    </p:extLst>
   </p:cSld>
   <p:clrMapOvr>
     <a:masterClrMapping/>
@@ -2457,33 +2518,6 @@
       </p:grpSpPr>
       <p:sp>
         <p:nvSpPr>
-          <p:cNvPr id="2" name="Title 1"/>
-          <p:cNvSpPr>
-            <a:spLocks noGrp="1"/>
-          </p:cNvSpPr>
-          <p:nvPr>
-            <p:ph type="title"/>
-          </p:nvPr>
-        </p:nvSpPr>
-        <p:spPr/>
-        <p:txBody>
-          <a:bodyPr/>
-          <a:lstStyle>
-            <a:lvl1pPr>
-              <a:defRPr/>
-            </a:lvl1pPr>
-          </a:lstStyle>
-          <a:p>
-            <a:r>
-              <a:rPr lang="en-US" smtClean="0"/>
-              <a:t>Click to edit Master title style</a:t>
-            </a:r>
-            <a:endParaRPr lang="en-US"/>
-          </a:p>
-        </p:txBody>
-      </p:sp>
-      <p:sp>
-        <p:nvSpPr>
           <p:cNvPr id="3" name="Text Placeholder 2"/>
           <p:cNvSpPr>
             <a:spLocks noGrp="1"/>
@@ -2494,16 +2528,22 @@
         </p:nvSpPr>
         <p:spPr>
           <a:xfrm>
-            <a:off x="457200" y="1535113"/>
-            <a:ext cx="4040188" cy="639762"/>
+            <a:off x="1116348" y="2743200"/>
+            <a:ext cx="3364992" cy="621792"/>
           </a:xfrm>
         </p:spPr>
         <p:txBody>
-          <a:bodyPr anchor="b"/>
+          <a:bodyPr anchor="b">
+            <a:noAutofit/>
+          </a:bodyPr>
           <a:lstStyle>
             <a:lvl1pPr marL="0" indent="0">
               <a:buNone/>
-              <a:defRPr sz="2400" b="1"/>
+              <a:defRPr sz="2000" b="1">
+                <a:solidFill>
+                  <a:schemeClr val="tx2"/>
+                </a:solidFill>
+              </a:defRPr>
             </a:lvl1pPr>
             <a:lvl2pPr marL="457200" indent="0">
               <a:buNone/>
@@ -2549,111 +2589,32 @@
       </p:sp>
       <p:sp>
         <p:nvSpPr>
-          <p:cNvPr id="4" name="Content Placeholder 3"/>
-          <p:cNvSpPr>
-            <a:spLocks noGrp="1"/>
-          </p:cNvSpPr>
-          <p:nvPr>
-            <p:ph sz="half" idx="2"/>
+          <p:cNvPr id="5" name="Text Placeholder 4"/>
+          <p:cNvSpPr>
+            <a:spLocks noGrp="1"/>
+          </p:cNvSpPr>
+          <p:nvPr>
+            <p:ph type="body" sz="quarter" idx="3"/>
           </p:nvPr>
         </p:nvSpPr>
         <p:spPr>
           <a:xfrm>
-            <a:off x="457200" y="2174875"/>
-            <a:ext cx="4040188" cy="3951288"/>
+            <a:off x="4885144" y="2743200"/>
+            <a:ext cx="3362062" cy="621792"/>
           </a:xfrm>
         </p:spPr>
         <p:txBody>
-          <a:bodyPr/>
-          <a:lstStyle>
-            <a:lvl1pPr>
-              <a:defRPr sz="2400"/>
-            </a:lvl1pPr>
-            <a:lvl2pPr>
-              <a:defRPr sz="2000"/>
-            </a:lvl2pPr>
-            <a:lvl3pPr>
-              <a:defRPr sz="1800"/>
-            </a:lvl3pPr>
-            <a:lvl4pPr>
-              <a:defRPr sz="1600"/>
-            </a:lvl4pPr>
-            <a:lvl5pPr>
-              <a:defRPr sz="1600"/>
-            </a:lvl5pPr>
-            <a:lvl6pPr>
-              <a:defRPr sz="1600"/>
-            </a:lvl6pPr>
-            <a:lvl7pPr>
-              <a:defRPr sz="1600"/>
-            </a:lvl7pPr>
-            <a:lvl8pPr>
-              <a:defRPr sz="1600"/>
-            </a:lvl8pPr>
-            <a:lvl9pPr>
-              <a:defRPr sz="1600"/>
-            </a:lvl9pPr>
-          </a:lstStyle>
-          <a:p>
-            <a:pPr lvl="0"/>
-            <a:r>
-              <a:rPr lang="en-US" smtClean="0"/>
-              <a:t>Click to edit Master text styles</a:t>
-            </a:r>
-          </a:p>
-          <a:p>
-            <a:pPr lvl="1"/>
-            <a:r>
-              <a:rPr lang="en-US" smtClean="0"/>
-              <a:t>Second level</a:t>
-            </a:r>
-          </a:p>
-          <a:p>
-            <a:pPr lvl="2"/>
-            <a:r>
-              <a:rPr lang="en-US" smtClean="0"/>
-              <a:t>Third level</a:t>
-            </a:r>
-          </a:p>
-          <a:p>
-            <a:pPr lvl="3"/>
-            <a:r>
-              <a:rPr lang="en-US" smtClean="0"/>
-              <a:t>Fourth level</a:t>
-            </a:r>
-          </a:p>
-          <a:p>
-            <a:pPr lvl="4"/>
-            <a:r>
-              <a:rPr lang="en-US" smtClean="0"/>
-              <a:t>Fifth level</a:t>
-            </a:r>
-            <a:endParaRPr lang="en-US"/>
-          </a:p>
-        </p:txBody>
-      </p:sp>
-      <p:sp>
-        <p:nvSpPr>
-          <p:cNvPr id="5" name="Text Placeholder 4"/>
-          <p:cNvSpPr>
-            <a:spLocks noGrp="1"/>
-          </p:cNvSpPr>
-          <p:nvPr>
-            <p:ph type="body" sz="quarter" idx="3"/>
-          </p:nvPr>
-        </p:nvSpPr>
-        <p:spPr>
-          <a:xfrm>
-            <a:off x="4645025" y="1535113"/>
-            <a:ext cx="4041775" cy="639762"/>
-          </a:xfrm>
-        </p:spPr>
-        <p:txBody>
-          <a:bodyPr anchor="b"/>
+          <a:bodyPr anchor="b">
+            <a:noAutofit/>
+          </a:bodyPr>
           <a:lstStyle>
             <a:lvl1pPr marL="0" indent="0">
               <a:buNone/>
-              <a:defRPr sz="2400" b="1"/>
+              <a:defRPr sz="2000" b="1">
+                <a:solidFill>
+                  <a:schemeClr val="tx2"/>
+                </a:solidFill>
+              </a:defRPr>
             </a:lvl1pPr>
             <a:lvl2pPr marL="457200" indent="0">
               <a:buNone/>
@@ -2699,107 +2660,22 @@
       </p:sp>
       <p:sp>
         <p:nvSpPr>
-          <p:cNvPr id="6" name="Content Placeholder 5"/>
-          <p:cNvSpPr>
-            <a:spLocks noGrp="1"/>
-          </p:cNvSpPr>
-          <p:nvPr>
-            <p:ph sz="quarter" idx="4"/>
-          </p:nvPr>
-        </p:nvSpPr>
-        <p:spPr>
-          <a:xfrm>
-            <a:off x="4645025" y="2174875"/>
-            <a:ext cx="4041775" cy="3951288"/>
-          </a:xfrm>
-        </p:spPr>
+          <p:cNvPr id="7" name="Date Placeholder 6"/>
+          <p:cNvSpPr>
+            <a:spLocks noGrp="1"/>
+          </p:cNvSpPr>
+          <p:nvPr>
+            <p:ph type="dt" sz="half" idx="10"/>
+          </p:nvPr>
+        </p:nvSpPr>
+        <p:spPr/>
         <p:txBody>
           <a:bodyPr/>
-          <a:lstStyle>
-            <a:lvl1pPr>
-              <a:defRPr sz="2400"/>
-            </a:lvl1pPr>
-            <a:lvl2pPr>
-              <a:defRPr sz="2000"/>
-            </a:lvl2pPr>
-            <a:lvl3pPr>
-              <a:defRPr sz="1800"/>
-            </a:lvl3pPr>
-            <a:lvl4pPr>
-              <a:defRPr sz="1600"/>
-            </a:lvl4pPr>
-            <a:lvl5pPr>
-              <a:defRPr sz="1600"/>
-            </a:lvl5pPr>
-            <a:lvl6pPr>
-              <a:defRPr sz="1600"/>
-            </a:lvl6pPr>
-            <a:lvl7pPr>
-              <a:defRPr sz="1600"/>
-            </a:lvl7pPr>
-            <a:lvl8pPr>
-              <a:defRPr sz="1600"/>
-            </a:lvl8pPr>
-            <a:lvl9pPr>
-              <a:defRPr sz="1600"/>
-            </a:lvl9pPr>
-          </a:lstStyle>
-          <a:p>
-            <a:pPr lvl="0"/>
-            <a:r>
-              <a:rPr lang="en-US" smtClean="0"/>
-              <a:t>Click to edit Master text styles</a:t>
-            </a:r>
-          </a:p>
-          <a:p>
-            <a:pPr lvl="1"/>
-            <a:r>
-              <a:rPr lang="en-US" smtClean="0"/>
-              <a:t>Second level</a:t>
-            </a:r>
-          </a:p>
-          <a:p>
-            <a:pPr lvl="2"/>
-            <a:r>
-              <a:rPr lang="en-US" smtClean="0"/>
-              <a:t>Third level</a:t>
-            </a:r>
-          </a:p>
-          <a:p>
-            <a:pPr lvl="3"/>
-            <a:r>
-              <a:rPr lang="en-US" smtClean="0"/>
-              <a:t>Fourth level</a:t>
-            </a:r>
-          </a:p>
-          <a:p>
-            <a:pPr lvl="4"/>
-            <a:r>
-              <a:rPr lang="en-US" smtClean="0"/>
-              <a:t>Fifth level</a:t>
-            </a:r>
-            <a:endParaRPr lang="en-US"/>
-          </a:p>
-        </p:txBody>
-      </p:sp>
-      <p:sp>
-        <p:nvSpPr>
-          <p:cNvPr id="7" name="Date Placeholder 6"/>
-          <p:cNvSpPr>
-            <a:spLocks noGrp="1"/>
-          </p:cNvSpPr>
-          <p:nvPr>
-            <p:ph type="dt" sz="half" idx="10"/>
-          </p:nvPr>
-        </p:nvSpPr>
-        <p:spPr/>
-        <p:txBody>
-          <a:bodyPr/>
           <a:lstStyle/>
           <a:p>
             <a:fld id="{DF54349C-A996-4252-BAF6-D47DEF27549E}" type="datetimeFigureOut">
               <a:rPr lang="en-US" smtClean="0"/>
-              <a:t>3/25/2012</a:t>
+              <a:t>3/28/2012</a:t>
             </a:fld>
             <a:endParaRPr lang="en-US"/>
           </a:p>
@@ -2847,12 +2723,149 @@
           </a:p>
         </p:txBody>
       </p:sp>
+      <p:sp>
+        <p:nvSpPr>
+          <p:cNvPr id="10" name="Title 9"/>
+          <p:cNvSpPr>
+            <a:spLocks noGrp="1"/>
+          </p:cNvSpPr>
+          <p:nvPr>
+            <p:ph type="title"/>
+          </p:nvPr>
+        </p:nvSpPr>
+        <p:spPr>
+          <a:xfrm>
+            <a:off x="914400" y="1544715"/>
+            <a:ext cx="7315200" cy="1154097"/>
+          </a:xfrm>
+        </p:spPr>
+        <p:txBody>
+          <a:bodyPr/>
+          <a:lstStyle/>
+          <a:p>
+            <a:r>
+              <a:rPr lang="en-US" smtClean="0"/>
+              <a:t>Click to edit Master title style</a:t>
+            </a:r>
+            <a:endParaRPr lang="en-US" dirty="0"/>
+          </a:p>
+        </p:txBody>
+      </p:sp>
+      <p:sp>
+        <p:nvSpPr>
+          <p:cNvPr id="11" name="Content Placeholder 10"/>
+          <p:cNvSpPr>
+            <a:spLocks noGrp="1"/>
+          </p:cNvSpPr>
+          <p:nvPr>
+            <p:ph sz="quarter" idx="13"/>
+          </p:nvPr>
+        </p:nvSpPr>
+        <p:spPr>
+          <a:xfrm>
+            <a:off x="914400" y="3383280"/>
+            <a:ext cx="3566160" cy="2953512"/>
+          </a:xfrm>
+        </p:spPr>
+        <p:txBody>
+          <a:bodyPr/>
+          <a:lstStyle/>
+          <a:p>
+            <a:pPr lvl="0"/>
+            <a:r>
+              <a:rPr lang="en-US" smtClean="0"/>
+              <a:t>Click to edit Master text styles</a:t>
+            </a:r>
+          </a:p>
+          <a:p>
+            <a:pPr lvl="1"/>
+            <a:r>
+              <a:rPr lang="en-US" smtClean="0"/>
+              <a:t>Second level</a:t>
+            </a:r>
+          </a:p>
+          <a:p>
+            <a:pPr lvl="2"/>
+            <a:r>
+              <a:rPr lang="en-US" smtClean="0"/>
+              <a:t>Third level</a:t>
+            </a:r>
+          </a:p>
+          <a:p>
+            <a:pPr lvl="3"/>
+            <a:r>
+              <a:rPr lang="en-US" smtClean="0"/>
+              <a:t>Fourth level</a:t>
+            </a:r>
+          </a:p>
+          <a:p>
+            <a:pPr lvl="4"/>
+            <a:r>
+              <a:rPr lang="en-US" smtClean="0"/>
+              <a:t>Fifth level</a:t>
+            </a:r>
+            <a:endParaRPr lang="en-US" dirty="0"/>
+          </a:p>
+        </p:txBody>
+      </p:sp>
+      <p:sp>
+        <p:nvSpPr>
+          <p:cNvPr id="13" name="Content Placeholder 12"/>
+          <p:cNvSpPr>
+            <a:spLocks noGrp="1"/>
+          </p:cNvSpPr>
+          <p:nvPr>
+            <p:ph sz="quarter" idx="14"/>
+          </p:nvPr>
+        </p:nvSpPr>
+        <p:spPr>
+          <a:xfrm>
+            <a:off x="4681727" y="3383280"/>
+            <a:ext cx="3566160" cy="2953512"/>
+          </a:xfrm>
+        </p:spPr>
+        <p:txBody>
+          <a:bodyPr/>
+          <a:lstStyle/>
+          <a:p>
+            <a:pPr lvl="0"/>
+            <a:r>
+              <a:rPr lang="en-US" smtClean="0"/>
+              <a:t>Click to edit Master text styles</a:t>
+            </a:r>
+          </a:p>
+          <a:p>
+            <a:pPr lvl="1"/>
+            <a:r>
+              <a:rPr lang="en-US" smtClean="0"/>
+              <a:t>Second level</a:t>
+            </a:r>
+          </a:p>
+          <a:p>
+            <a:pPr lvl="2"/>
+            <a:r>
+              <a:rPr lang="en-US" smtClean="0"/>
+              <a:t>Third level</a:t>
+            </a:r>
+          </a:p>
+          <a:p>
+            <a:pPr lvl="3"/>
+            <a:r>
+              <a:rPr lang="en-US" smtClean="0"/>
+              <a:t>Fourth level</a:t>
+            </a:r>
+          </a:p>
+          <a:p>
+            <a:pPr lvl="4"/>
+            <a:r>
+              <a:rPr lang="en-US" smtClean="0"/>
+              <a:t>Fifth level</a:t>
+            </a:r>
+            <a:endParaRPr lang="en-US" dirty="0"/>
+          </a:p>
+        </p:txBody>
+      </p:sp>
     </p:spTree>
-    <p:extLst>
-      <p:ext uri="{BB962C8B-B14F-4D97-AF65-F5344CB8AC3E}">
-        <p14:creationId xmlns:p14="http://schemas.microsoft.com/office/powerpoint/2010/main" val="1654249700"/>
-      </p:ext>
-    </p:extLst>
   </p:cSld>
   <p:clrMapOvr>
     <a:masterClrMapping/>
@@ -2917,7 +2930,7 @@
           <a:p>
             <a:fld id="{DF54349C-A996-4252-BAF6-D47DEF27549E}" type="datetimeFigureOut">
               <a:rPr lang="en-US" smtClean="0"/>
-              <a:t>3/25/2012</a:t>
+              <a:t>3/28/2012</a:t>
             </a:fld>
             <a:endParaRPr lang="en-US"/>
           </a:p>
@@ -2966,11 +2979,6 @@
         </p:txBody>
       </p:sp>
     </p:spTree>
-    <p:extLst>
-      <p:ext uri="{BB962C8B-B14F-4D97-AF65-F5344CB8AC3E}">
-        <p14:creationId xmlns:p14="http://schemas.microsoft.com/office/powerpoint/2010/main" val="3138548359"/>
-      </p:ext>
-    </p:extLst>
   </p:cSld>
   <p:clrMapOvr>
     <a:masterClrMapping/>
@@ -3012,7 +3020,7 @@
           <a:p>
             <a:fld id="{DF54349C-A996-4252-BAF6-D47DEF27549E}" type="datetimeFigureOut">
               <a:rPr lang="en-US" smtClean="0"/>
-              <a:t>3/25/2012</a:t>
+              <a:t>3/28/2012</a:t>
             </a:fld>
             <a:endParaRPr lang="en-US"/>
           </a:p>
@@ -3061,11 +3069,6 @@
         </p:txBody>
       </p:sp>
     </p:spTree>
-    <p:extLst>
-      <p:ext uri="{BB962C8B-B14F-4D97-AF65-F5344CB8AC3E}">
-        <p14:creationId xmlns:p14="http://schemas.microsoft.com/office/powerpoint/2010/main" val="612510630"/>
-      </p:ext>
-    </p:extLst>
   </p:cSld>
   <p:clrMapOvr>
     <a:masterClrMapping/>
@@ -3102,15 +3105,17 @@
         </p:nvSpPr>
         <p:spPr>
           <a:xfrm>
-            <a:off x="457200" y="273050"/>
-            <a:ext cx="3008313" cy="1162050"/>
+            <a:off x="914400" y="1825362"/>
+            <a:ext cx="2950936" cy="2173015"/>
           </a:xfrm>
         </p:spPr>
         <p:txBody>
-          <a:bodyPr anchor="b"/>
+          <a:bodyPr anchor="b">
+            <a:normAutofit/>
+          </a:bodyPr>
           <a:lstStyle>
             <a:lvl1pPr algn="l">
-              <a:defRPr sz="2000" b="1"/>
+              <a:defRPr sz="2800" b="0"/>
             </a:lvl1pPr>
           </a:lstStyle>
           <a:p>
@@ -3118,7 +3123,7 @@
               <a:rPr lang="en-US" smtClean="0"/>
               <a:t>Click to edit Master title style</a:t>
             </a:r>
-            <a:endParaRPr lang="en-US"/>
+            <a:endParaRPr lang="en-US" dirty="0"/>
           </a:p>
         </p:txBody>
       </p:sp>
@@ -3134,27 +3139,27 @@
         </p:nvSpPr>
         <p:spPr>
           <a:xfrm>
-            <a:off x="3575050" y="273050"/>
-            <a:ext cx="5111750" cy="5853113"/>
+            <a:off x="4021752" y="1826709"/>
+            <a:ext cx="4207848" cy="4476614"/>
           </a:xfrm>
         </p:spPr>
         <p:txBody>
-          <a:bodyPr/>
+          <a:bodyPr anchor="ctr"/>
           <a:lstStyle>
             <a:lvl1pPr>
-              <a:defRPr sz="3200"/>
+              <a:defRPr sz="2000"/>
             </a:lvl1pPr>
             <a:lvl2pPr>
-              <a:defRPr sz="2800"/>
+              <a:defRPr sz="1800"/>
             </a:lvl2pPr>
             <a:lvl3pPr>
-              <a:defRPr sz="2400"/>
+              <a:defRPr sz="1600"/>
             </a:lvl3pPr>
             <a:lvl4pPr>
-              <a:defRPr sz="2000"/>
+              <a:defRPr sz="1400"/>
             </a:lvl4pPr>
             <a:lvl5pPr>
-              <a:defRPr sz="2000"/>
+              <a:defRPr sz="1400"/>
             </a:lvl5pPr>
             <a:lvl6pPr>
               <a:defRPr sz="2000"/>
@@ -3203,7 +3208,7 @@
               <a:rPr lang="en-US" smtClean="0"/>
               <a:t>Fifth level</a:t>
             </a:r>
-            <a:endParaRPr lang="en-US"/>
+            <a:endParaRPr lang="en-US" dirty="0"/>
           </a:p>
         </p:txBody>
       </p:sp>
@@ -3219,8 +3224,8 @@
         </p:nvSpPr>
         <p:spPr>
           <a:xfrm>
-            <a:off x="457200" y="1435100"/>
-            <a:ext cx="3008313" cy="4691063"/>
+            <a:off x="914400" y="4061095"/>
+            <a:ext cx="2950936" cy="2245387"/>
           </a:xfrm>
         </p:spPr>
         <p:txBody>
@@ -3289,7 +3294,7 @@
           <a:p>
             <a:fld id="{DF54349C-A996-4252-BAF6-D47DEF27549E}" type="datetimeFigureOut">
               <a:rPr lang="en-US" smtClean="0"/>
-              <a:t>3/25/2012</a:t>
+              <a:t>3/28/2012</a:t>
             </a:fld>
             <a:endParaRPr lang="en-US"/>
           </a:p>
@@ -3338,11 +3343,6 @@
         </p:txBody>
       </p:sp>
     </p:spTree>
-    <p:extLst>
-      <p:ext uri="{BB962C8B-B14F-4D97-AF65-F5344CB8AC3E}">
-        <p14:creationId xmlns:p14="http://schemas.microsoft.com/office/powerpoint/2010/main" val="2170055125"/>
-      </p:ext>
-    </p:extLst>
   </p:cSld>
   <p:clrMapOvr>
     <a:masterClrMapping/>
@@ -3379,15 +3379,17 @@
         </p:nvSpPr>
         <p:spPr>
           <a:xfrm>
-            <a:off x="1792288" y="4800600"/>
-            <a:ext cx="5486400" cy="566738"/>
+            <a:off x="914400" y="1828800"/>
+            <a:ext cx="2953512" cy="2176272"/>
           </a:xfrm>
         </p:spPr>
         <p:txBody>
-          <a:bodyPr anchor="b"/>
+          <a:bodyPr anchor="b">
+            <a:normAutofit/>
+          </a:bodyPr>
           <a:lstStyle>
             <a:lvl1pPr algn="l">
-              <a:defRPr sz="2000" b="1"/>
+              <a:defRPr sz="2800" b="0"/>
             </a:lvl1pPr>
           </a:lstStyle>
           <a:p>
@@ -3395,7 +3397,7 @@
               <a:rPr lang="en-US" smtClean="0"/>
               <a:t>Click to edit Master title style</a:t>
             </a:r>
-            <a:endParaRPr lang="en-US"/>
+            <a:endParaRPr lang="en-US" dirty="0"/>
           </a:p>
         </p:txBody>
       </p:sp>
@@ -3411,9 +3413,27 @@
         </p:nvSpPr>
         <p:spPr>
           <a:xfrm>
-            <a:off x="1792288" y="612775"/>
-            <a:ext cx="5486400" cy="4114800"/>
+            <a:off x="4191000" y="2286000"/>
+            <a:ext cx="4038600" cy="3352800"/>
           </a:xfrm>
+          <a:solidFill>
+            <a:schemeClr val="accent2"/>
+          </a:solidFill>
+          <a:ln w="12700">
+            <a:noFill/>
+          </a:ln>
+          <a:effectLst>
+            <a:reflection blurRad="12700" stA="30000" endPos="30000" dist="31750" dir="5400000" sy="-100000" algn="bl" rotWithShape="0"/>
+          </a:effectLst>
+          <a:scene3d>
+            <a:camera prst="perspectiveRight" fov="2700000">
+              <a:rot lat="240000" lon="900000" rev="0"/>
+            </a:camera>
+            <a:lightRig rig="threePt" dir="t">
+              <a:rot lat="0" lon="0" rev="2700000"/>
+            </a:lightRig>
+          </a:scene3d>
+          <a:sp3d/>
         </p:spPr>
         <p:txBody>
           <a:bodyPr/>
@@ -3456,7 +3476,11 @@
             </a:lvl9pPr>
           </a:lstStyle>
           <a:p>
-            <a:endParaRPr lang="en-US"/>
+            <a:r>
+              <a:rPr lang="en-US" smtClean="0"/>
+              <a:t>Click icon to add picture</a:t>
+            </a:r>
+            <a:endParaRPr lang="en-US" dirty="0"/>
           </a:p>
         </p:txBody>
       </p:sp>
@@ -3472,8 +3496,8 @@
         </p:nvSpPr>
         <p:spPr>
           <a:xfrm>
-            <a:off x="1792288" y="5367338"/>
-            <a:ext cx="5486400" cy="804862"/>
+            <a:off x="914400" y="4059936"/>
+            <a:ext cx="2953512" cy="2249424"/>
           </a:xfrm>
         </p:spPr>
         <p:txBody>
@@ -3542,7 +3566,7 @@
           <a:p>
             <a:fld id="{DF54349C-A996-4252-BAF6-D47DEF27549E}" type="datetimeFigureOut">
               <a:rPr lang="en-US" smtClean="0"/>
-              <a:t>3/25/2012</a:t>
+              <a:t>3/28/2012</a:t>
             </a:fld>
             <a:endParaRPr lang="en-US"/>
           </a:p>
@@ -3591,11 +3615,6 @@
         </p:txBody>
       </p:sp>
     </p:spTree>
-    <p:extLst>
-      <p:ext uri="{BB962C8B-B14F-4D97-AF65-F5344CB8AC3E}">
-        <p14:creationId xmlns:p14="http://schemas.microsoft.com/office/powerpoint/2010/main" val="1836274401"/>
-      </p:ext>
-    </p:extLst>
   </p:cSld>
   <p:clrMapOvr>
     <a:masterClrMapping/>
@@ -3607,8 +3626,8 @@
 <p:sldMaster xmlns:a="http://schemas.openxmlformats.org/drawingml/2006/main" xmlns:r="http://schemas.openxmlformats.org/officeDocument/2006/relationships" xmlns:p="http://schemas.openxmlformats.org/presentationml/2006/main">
   <p:cSld>
     <p:bg>
-      <p:bgRef idx="1001">
-        <a:schemeClr val="bg1"/>
+      <p:bgRef idx="1002">
+        <a:schemeClr val="bg2"/>
       </p:bgRef>
     </p:bg>
     <p:spTree>
@@ -3627,25 +3646,117 @@
       </p:grpSpPr>
       <p:sp>
         <p:nvSpPr>
-          <p:cNvPr id="2" name="Title Placeholder 1"/>
-          <p:cNvSpPr>
-            <a:spLocks noGrp="1"/>
-          </p:cNvSpPr>
-          <p:nvPr>
-            <p:ph type="title"/>
-          </p:nvPr>
+          <p:cNvPr id="10" name="Rectangle 9"/>
+          <p:cNvSpPr/>
+          <p:nvPr/>
         </p:nvSpPr>
         <p:spPr>
           <a:xfrm>
-            <a:off x="457200" y="274638"/>
-            <a:ext cx="8229600" cy="1143000"/>
+            <a:off x="8435268" y="573807"/>
+            <a:ext cx="86236" cy="572316"/>
+          </a:xfrm>
+          <a:prstGeom prst="rect">
+            <a:avLst/>
+          </a:prstGeom>
+          <a:solidFill>
+            <a:schemeClr val="tx2"/>
+          </a:solidFill>
+          <a:ln>
+            <a:noFill/>
+          </a:ln>
+        </p:spPr>
+        <p:style>
+          <a:lnRef idx="2">
+            <a:schemeClr val="accent1">
+              <a:shade val="50000"/>
+            </a:schemeClr>
+          </a:lnRef>
+          <a:fillRef idx="1">
+            <a:schemeClr val="accent1"/>
+          </a:fillRef>
+          <a:effectRef idx="0">
+            <a:schemeClr val="accent1"/>
+          </a:effectRef>
+          <a:fontRef idx="minor">
+            <a:schemeClr val="lt1"/>
+          </a:fontRef>
+        </p:style>
+        <p:txBody>
+          <a:bodyPr rtlCol="0" anchor="ctr"/>
+          <a:lstStyle/>
+          <a:p>
+            <a:pPr algn="ctr"/>
+            <a:endParaRPr lang="en-US"/>
+          </a:p>
+        </p:txBody>
+      </p:sp>
+      <p:sp>
+        <p:nvSpPr>
+          <p:cNvPr id="11" name="Rectangle 10"/>
+          <p:cNvSpPr/>
+          <p:nvPr/>
+        </p:nvSpPr>
+        <p:spPr>
+          <a:xfrm>
+            <a:off x="8569419" y="573807"/>
+            <a:ext cx="576072" cy="572316"/>
+          </a:xfrm>
+          <a:prstGeom prst="rect">
+            <a:avLst/>
+          </a:prstGeom>
+          <a:solidFill>
+            <a:schemeClr val="tx2"/>
+          </a:solidFill>
+          <a:ln>
+            <a:noFill/>
+          </a:ln>
+        </p:spPr>
+        <p:style>
+          <a:lnRef idx="2">
+            <a:schemeClr val="accent1">
+              <a:shade val="50000"/>
+            </a:schemeClr>
+          </a:lnRef>
+          <a:fillRef idx="1">
+            <a:schemeClr val="accent1"/>
+          </a:fillRef>
+          <a:effectRef idx="0">
+            <a:schemeClr val="accent1"/>
+          </a:effectRef>
+          <a:fontRef idx="minor">
+            <a:schemeClr val="lt1"/>
+          </a:fontRef>
+        </p:style>
+        <p:txBody>
+          <a:bodyPr rtlCol="0" anchor="ctr"/>
+          <a:lstStyle/>
+          <a:p>
+            <a:pPr algn="ctr"/>
+            <a:endParaRPr lang="en-US"/>
+          </a:p>
+        </p:txBody>
+      </p:sp>
+      <p:sp>
+        <p:nvSpPr>
+          <p:cNvPr id="2" name="Title Placeholder 1"/>
+          <p:cNvSpPr>
+            <a:spLocks noGrp="1"/>
+          </p:cNvSpPr>
+          <p:nvPr>
+            <p:ph type="title"/>
+          </p:nvPr>
+        </p:nvSpPr>
+        <p:spPr>
+          <a:xfrm>
+            <a:off x="914400" y="1544715"/>
+            <a:ext cx="7315200" cy="1154097"/>
           </a:xfrm>
           <a:prstGeom prst="rect">
             <a:avLst/>
           </a:prstGeom>
         </p:spPr>
         <p:txBody>
-          <a:bodyPr vert="horz" lIns="91440" tIns="45720" rIns="91440" bIns="45720" rtlCol="0" anchor="ctr">
+          <a:bodyPr vert="horz" lIns="91440" tIns="45720" rIns="91440" bIns="45720" rtlCol="0" anchor="b">
             <a:normAutofit/>
           </a:bodyPr>
           <a:lstStyle/>
@@ -3654,7 +3765,7 @@
               <a:rPr lang="en-US" smtClean="0"/>
               <a:t>Click to edit Master title style</a:t>
             </a:r>
-            <a:endParaRPr lang="en-US"/>
+            <a:endParaRPr lang="en-US" dirty="0"/>
           </a:p>
         </p:txBody>
       </p:sp>
@@ -3670,8 +3781,8 @@
         </p:nvSpPr>
         <p:spPr>
           <a:xfrm>
-            <a:off x="457200" y="1600200"/>
-            <a:ext cx="8229600" cy="4525963"/>
+            <a:off x="914400" y="2769833"/>
+            <a:ext cx="7315200" cy="3539527"/>
           </a:xfrm>
           <a:prstGeom prst="rect">
             <a:avLst/>
@@ -3716,7 +3827,7 @@
               <a:rPr lang="en-US" smtClean="0"/>
               <a:t>Fifth level</a:t>
             </a:r>
-            <a:endParaRPr lang="en-US"/>
+            <a:endParaRPr lang="en-US" dirty="0" smtClean="0"/>
           </a:p>
         </p:txBody>
       </p:sp>
@@ -3732,8 +3843,8 @@
         </p:nvSpPr>
         <p:spPr>
           <a:xfrm>
-            <a:off x="457200" y="6356350"/>
-            <a:ext cx="2133600" cy="365125"/>
+            <a:off x="6007690" y="548797"/>
+            <a:ext cx="1189132" cy="297918"/>
           </a:xfrm>
           <a:prstGeom prst="rect">
             <a:avLst/>
@@ -3746,7 +3857,7 @@
               <a:defRPr sz="1200">
                 <a:solidFill>
                   <a:schemeClr val="tx1">
-                    <a:tint val="75000"/>
+                    <a:alpha val="50000"/>
                   </a:schemeClr>
                 </a:solidFill>
               </a:defRPr>
@@ -3755,7 +3866,7 @@
           <a:p>
             <a:fld id="{DF54349C-A996-4252-BAF6-D47DEF27549E}" type="datetimeFigureOut">
               <a:rPr lang="en-US" smtClean="0"/>
-              <a:t>3/25/2012</a:t>
+              <a:t>3/28/2012</a:t>
             </a:fld>
             <a:endParaRPr lang="en-US"/>
           </a:p>
@@ -3763,18 +3874,18 @@
       </p:sp>
       <p:sp>
         <p:nvSpPr>
-          <p:cNvPr id="5" name="Footer Placeholder 4"/>
-          <p:cNvSpPr>
-            <a:spLocks noGrp="1"/>
-          </p:cNvSpPr>
-          <p:nvPr>
-            <p:ph type="ftr" sz="quarter" idx="3"/>
+          <p:cNvPr id="6" name="Slide Number Placeholder 5"/>
+          <p:cNvSpPr>
+            <a:spLocks noGrp="1"/>
+          </p:cNvSpPr>
+          <p:nvPr>
+            <p:ph type="sldNum" sz="quarter" idx="4"/>
           </p:nvPr>
         </p:nvSpPr>
         <p:spPr>
           <a:xfrm>
-            <a:off x="3124200" y="6356350"/>
-            <a:ext cx="2895600" cy="365125"/>
+            <a:off x="7314415" y="548797"/>
+            <a:ext cx="941203" cy="301752"/>
           </a:xfrm>
           <a:prstGeom prst="rect">
             <a:avLst/>
@@ -3783,108 +3894,158 @@
         <p:txBody>
           <a:bodyPr vert="horz" lIns="91440" tIns="45720" rIns="91440" bIns="45720" rtlCol="0" anchor="ctr"/>
           <a:lstStyle>
-            <a:lvl1pPr algn="ctr">
+            <a:lvl1pPr algn="r">
               <a:defRPr sz="1200">
                 <a:solidFill>
-                  <a:schemeClr val="tx1">
-                    <a:tint val="75000"/>
-                  </a:schemeClr>
+                  <a:schemeClr val="tx1"/>
                 </a:solidFill>
               </a:defRPr>
             </a:lvl1pPr>
           </a:lstStyle>
           <a:p>
+            <a:fld id="{85816456-AF90-4826-9770-6E0598D9C364}" type="slidenum">
+              <a:rPr lang="en-US" smtClean="0"/>
+              <a:t>‹#›</a:t>
+            </a:fld>
             <a:endParaRPr lang="en-US"/>
           </a:p>
         </p:txBody>
       </p:sp>
       <p:sp>
         <p:nvSpPr>
-          <p:cNvPr id="6" name="Slide Number Placeholder 5"/>
-          <p:cNvSpPr>
-            <a:spLocks noGrp="1"/>
-          </p:cNvSpPr>
-          <p:nvPr>
-            <p:ph type="sldNum" sz="quarter" idx="4"/>
+          <p:cNvPr id="5" name="Footer Placeholder 4"/>
+          <p:cNvSpPr>
+            <a:spLocks noGrp="1"/>
+          </p:cNvSpPr>
+          <p:nvPr>
+            <p:ph type="ftr" sz="quarter" idx="3"/>
           </p:nvPr>
         </p:nvSpPr>
         <p:spPr>
           <a:xfrm>
-            <a:off x="6553200" y="6356350"/>
-            <a:ext cx="2133600" cy="365125"/>
+            <a:off x="6008688" y="855956"/>
+            <a:ext cx="2246489" cy="301227"/>
           </a:xfrm>
           <a:prstGeom prst="rect">
             <a:avLst/>
           </a:prstGeom>
         </p:spPr>
         <p:txBody>
-          <a:bodyPr vert="horz" lIns="91440" tIns="45720" rIns="91440" bIns="45720" rtlCol="0" anchor="ctr"/>
+          <a:bodyPr vert="horz" lIns="91440" tIns="0" rIns="91440" bIns="45720" rtlCol="0" anchor="t"/>
           <a:lstStyle>
-            <a:lvl1pPr algn="r">
-              <a:defRPr sz="1200">
+            <a:lvl1pPr algn="l">
+              <a:defRPr sz="1000">
                 <a:solidFill>
-                  <a:schemeClr val="tx1">
-                    <a:tint val="75000"/>
-                  </a:schemeClr>
+                  <a:schemeClr val="tx1"/>
                 </a:solidFill>
               </a:defRPr>
             </a:lvl1pPr>
           </a:lstStyle>
           <a:p>
-            <a:fld id="{85816456-AF90-4826-9770-6E0598D9C364}" type="slidenum">
-              <a:rPr lang="en-US" smtClean="0"/>
-              <a:t>‹#›</a:t>
-            </a:fld>
             <a:endParaRPr lang="en-US"/>
           </a:p>
         </p:txBody>
       </p:sp>
     </p:spTree>
-    <p:extLst>
-      <p:ext uri="{BB962C8B-B14F-4D97-AF65-F5344CB8AC3E}">
-        <p14:creationId xmlns:p14="http://schemas.microsoft.com/office/powerpoint/2010/main" val="1993637341"/>
-      </p:ext>
-    </p:extLst>
   </p:cSld>
-  <p:clrMap bg1="lt1" tx1="dk1" bg2="lt2" tx2="dk2" accent1="accent1" accent2="accent2" accent3="accent3" accent4="accent4" accent5="accent5" accent6="accent6" hlink="hlink" folHlink="folHlink"/>
+  <p:clrMap bg1="dk1" tx1="lt1" bg2="dk2" tx2="lt2" accent1="accent1" accent2="accent2" accent3="accent3" accent4="accent4" accent5="accent5" accent6="accent6" hlink="hlink" folHlink="folHlink"/>
   <p:sldLayoutIdLst>
-    <p:sldLayoutId id="2147483649" r:id="rId1"/>
-    <p:sldLayoutId id="2147483650" r:id="rId2"/>
-    <p:sldLayoutId id="2147483651" r:id="rId3"/>
-    <p:sldLayoutId id="2147483652" r:id="rId4"/>
-    <p:sldLayoutId id="2147483653" r:id="rId5"/>
-    <p:sldLayoutId id="2147483654" r:id="rId6"/>
-    <p:sldLayoutId id="2147483655" r:id="rId7"/>
-    <p:sldLayoutId id="2147483656" r:id="rId8"/>
-    <p:sldLayoutId id="2147483657" r:id="rId9"/>
-    <p:sldLayoutId id="2147483658" r:id="rId10"/>
-    <p:sldLayoutId id="2147483659" r:id="rId11"/>
+    <p:sldLayoutId id="2147483673" r:id="rId1"/>
+    <p:sldLayoutId id="2147483674" r:id="rId2"/>
+    <p:sldLayoutId id="2147483675" r:id="rId3"/>
+    <p:sldLayoutId id="2147483676" r:id="rId4"/>
+    <p:sldLayoutId id="2147483677" r:id="rId5"/>
+    <p:sldLayoutId id="2147483678" r:id="rId6"/>
+    <p:sldLayoutId id="2147483679" r:id="rId7"/>
+    <p:sldLayoutId id="2147483680" r:id="rId8"/>
+    <p:sldLayoutId id="2147483681" r:id="rId9"/>
+    <p:sldLayoutId id="2147483682" r:id="rId10"/>
+    <p:sldLayoutId id="2147483683" r:id="rId11"/>
   </p:sldLayoutIdLst>
   <p:txStyles>
     <p:titleStyle>
-      <a:lvl1pPr algn="ctr" defTabSz="914400" rtl="0" eaLnBrk="1" latinLnBrk="0" hangingPunct="1">
+      <a:lvl1pPr algn="l" defTabSz="914400" rtl="0" eaLnBrk="1" latinLnBrk="0" hangingPunct="1">
         <a:spcBef>
           <a:spcPct val="0"/>
         </a:spcBef>
         <a:buNone/>
-        <a:defRPr sz="4400" kern="1200">
+        <a:defRPr sz="4000" kern="1200">
           <a:solidFill>
-            <a:schemeClr val="tx1"/>
+            <a:schemeClr val="tx2"/>
           </a:solidFill>
           <a:latin typeface="+mj-lt"/>
           <a:ea typeface="+mj-ea"/>
           <a:cs typeface="+mj-cs"/>
         </a:defRPr>
       </a:lvl1pPr>
+      <a:lvl2pPr eaLnBrk="1" hangingPunct="1">
+        <a:defRPr>
+          <a:solidFill>
+            <a:schemeClr val="tx2"/>
+          </a:solidFill>
+        </a:defRPr>
+      </a:lvl2pPr>
+      <a:lvl3pPr eaLnBrk="1" hangingPunct="1">
+        <a:defRPr>
+          <a:solidFill>
+            <a:schemeClr val="tx2"/>
+          </a:solidFill>
+        </a:defRPr>
+      </a:lvl3pPr>
+      <a:lvl4pPr eaLnBrk="1" hangingPunct="1">
+        <a:defRPr>
+          <a:solidFill>
+            <a:schemeClr val="tx2"/>
+          </a:solidFill>
+        </a:defRPr>
+      </a:lvl4pPr>
+      <a:lvl5pPr eaLnBrk="1" hangingPunct="1">
+        <a:defRPr>
+          <a:solidFill>
+            <a:schemeClr val="tx2"/>
+          </a:solidFill>
+        </a:defRPr>
+      </a:lvl5pPr>
+      <a:lvl6pPr eaLnBrk="1" hangingPunct="1">
+        <a:defRPr>
+          <a:solidFill>
+            <a:schemeClr val="tx2"/>
+          </a:solidFill>
+        </a:defRPr>
+      </a:lvl6pPr>
+      <a:lvl7pPr eaLnBrk="1" hangingPunct="1">
+        <a:defRPr>
+          <a:solidFill>
+            <a:schemeClr val="tx2"/>
+          </a:solidFill>
+        </a:defRPr>
+      </a:lvl7pPr>
+      <a:lvl8pPr eaLnBrk="1" hangingPunct="1">
+        <a:defRPr>
+          <a:solidFill>
+            <a:schemeClr val="tx2"/>
+          </a:solidFill>
+        </a:defRPr>
+      </a:lvl8pPr>
+      <a:lvl9pPr eaLnBrk="1" hangingPunct="1">
+        <a:defRPr>
+          <a:solidFill>
+            <a:schemeClr val="tx2"/>
+          </a:solidFill>
+        </a:defRPr>
+      </a:lvl9pPr>
     </p:titleStyle>
     <p:bodyStyle>
-      <a:lvl1pPr marL="342900" indent="-342900" algn="l" defTabSz="914400" rtl="0" eaLnBrk="1" latinLnBrk="0" hangingPunct="1">
+      <a:lvl1pPr marL="228600" indent="-182880" algn="l" defTabSz="914400" rtl="0" eaLnBrk="1" latinLnBrk="0" hangingPunct="1">
         <a:spcBef>
           <a:spcPct val="20000"/>
         </a:spcBef>
-        <a:buFont typeface="Arial" pitchFamily="34" charset="0"/>
-        <a:buChar char="•"/>
-        <a:defRPr sz="3200" kern="1200">
+        <a:buClr>
+          <a:schemeClr val="tx2"/>
+        </a:buClr>
+        <a:buFont typeface="Wingdings" charset="2"/>
+        <a:buChar char="§"/>
+        <a:defRPr sz="2000" kern="1200">
           <a:solidFill>
             <a:schemeClr val="tx1"/>
           </a:solidFill>
@@ -3893,13 +4054,16 @@
           <a:cs typeface="+mn-cs"/>
         </a:defRPr>
       </a:lvl1pPr>
-      <a:lvl2pPr marL="742950" indent="-285750" algn="l" defTabSz="914400" rtl="0" eaLnBrk="1" latinLnBrk="0" hangingPunct="1">
+      <a:lvl2pPr marL="502920" indent="-182880" algn="l" defTabSz="914400" rtl="0" eaLnBrk="1" latinLnBrk="0" hangingPunct="1">
         <a:spcBef>
           <a:spcPct val="20000"/>
         </a:spcBef>
-        <a:buFont typeface="Arial" pitchFamily="34" charset="0"/>
-        <a:buChar char="–"/>
-        <a:defRPr sz="2800" kern="1200">
+        <a:buClr>
+          <a:schemeClr val="tx2"/>
+        </a:buClr>
+        <a:buFont typeface="Wingdings" charset="2"/>
+        <a:buChar char="§"/>
+        <a:defRPr sz="1800" kern="1200">
           <a:solidFill>
             <a:schemeClr val="tx1"/>
           </a:solidFill>
@@ -3908,13 +4072,16 @@
           <a:cs typeface="+mn-cs"/>
         </a:defRPr>
       </a:lvl2pPr>
-      <a:lvl3pPr marL="1143000" indent="-228600" algn="l" defTabSz="914400" rtl="0" eaLnBrk="1" latinLnBrk="0" hangingPunct="1">
+      <a:lvl3pPr marL="685800" indent="-182880" algn="l" defTabSz="914400" rtl="0" eaLnBrk="1" latinLnBrk="0" hangingPunct="1">
         <a:spcBef>
           <a:spcPct val="20000"/>
         </a:spcBef>
-        <a:buFont typeface="Arial" pitchFamily="34" charset="0"/>
-        <a:buChar char="•"/>
-        <a:defRPr sz="2400" kern="1200">
+        <a:buClr>
+          <a:schemeClr val="tx2"/>
+        </a:buClr>
+        <a:buFont typeface="Wingdings" charset="2"/>
+        <a:buChar char="§"/>
+        <a:defRPr sz="1600" kern="1200">
           <a:solidFill>
             <a:schemeClr val="tx1"/>
           </a:solidFill>
@@ -3923,13 +4090,16 @@
           <a:cs typeface="+mn-cs"/>
         </a:defRPr>
       </a:lvl3pPr>
-      <a:lvl4pPr marL="1600200" indent="-228600" algn="l" defTabSz="914400" rtl="0" eaLnBrk="1" latinLnBrk="0" hangingPunct="1">
+      <a:lvl4pPr marL="914400" indent="-182880" algn="l" defTabSz="914400" rtl="0" eaLnBrk="1" latinLnBrk="0" hangingPunct="1">
         <a:spcBef>
           <a:spcPct val="20000"/>
         </a:spcBef>
-        <a:buFont typeface="Arial" pitchFamily="34" charset="0"/>
-        <a:buChar char="–"/>
-        <a:defRPr sz="2000" kern="1200">
+        <a:buClr>
+          <a:schemeClr val="tx2"/>
+        </a:buClr>
+        <a:buFont typeface="Wingdings" charset="2"/>
+        <a:buChar char="§"/>
+        <a:defRPr sz="1400" kern="1200">
           <a:solidFill>
             <a:schemeClr val="tx1"/>
           </a:solidFill>
@@ -3938,13 +4108,16 @@
           <a:cs typeface="+mn-cs"/>
         </a:defRPr>
       </a:lvl4pPr>
-      <a:lvl5pPr marL="2057400" indent="-228600" algn="l" defTabSz="914400" rtl="0" eaLnBrk="1" latinLnBrk="0" hangingPunct="1">
+      <a:lvl5pPr marL="1143000" indent="-182880" algn="l" defTabSz="914400" rtl="0" eaLnBrk="1" latinLnBrk="0" hangingPunct="1">
         <a:spcBef>
           <a:spcPct val="20000"/>
         </a:spcBef>
-        <a:buFont typeface="Arial" pitchFamily="34" charset="0"/>
-        <a:buChar char="»"/>
-        <a:defRPr sz="2000" kern="1200">
+        <a:buClr>
+          <a:schemeClr val="tx2"/>
+        </a:buClr>
+        <a:buFont typeface="Wingdings" charset="2"/>
+        <a:buChar char="§"/>
+        <a:defRPr sz="1400" kern="1200">
           <a:solidFill>
             <a:schemeClr val="tx1"/>
           </a:solidFill>
@@ -3953,13 +4126,16 @@
           <a:cs typeface="+mn-cs"/>
         </a:defRPr>
       </a:lvl5pPr>
-      <a:lvl6pPr marL="2514600" indent="-228600" algn="l" defTabSz="914400" rtl="0" eaLnBrk="1" latinLnBrk="0" hangingPunct="1">
+      <a:lvl6pPr marL="1371600" indent="-182880" algn="l" defTabSz="914400" rtl="0" eaLnBrk="1" latinLnBrk="0" hangingPunct="1">
         <a:spcBef>
           <a:spcPct val="20000"/>
         </a:spcBef>
-        <a:buFont typeface="Arial" pitchFamily="34" charset="0"/>
-        <a:buChar char="•"/>
-        <a:defRPr sz="2000" kern="1200">
+        <a:buClr>
+          <a:schemeClr val="tx2"/>
+        </a:buClr>
+        <a:buFont typeface="Wingdings" pitchFamily="2" charset="2"/>
+        <a:buChar char="§"/>
+        <a:defRPr sz="1400" kern="1200">
           <a:solidFill>
             <a:schemeClr val="tx1"/>
           </a:solidFill>
@@ -3968,13 +4144,16 @@
           <a:cs typeface="+mn-cs"/>
         </a:defRPr>
       </a:lvl6pPr>
-      <a:lvl7pPr marL="2971800" indent="-228600" algn="l" defTabSz="914400" rtl="0" eaLnBrk="1" latinLnBrk="0" hangingPunct="1">
+      <a:lvl7pPr marL="1600200" indent="-182880" algn="l" defTabSz="914400" rtl="0" eaLnBrk="1" latinLnBrk="0" hangingPunct="1">
         <a:spcBef>
           <a:spcPct val="20000"/>
         </a:spcBef>
-        <a:buFont typeface="Arial" pitchFamily="34" charset="0"/>
-        <a:buChar char="•"/>
-        <a:defRPr sz="2000" kern="1200">
+        <a:buClr>
+          <a:schemeClr val="tx2"/>
+        </a:buClr>
+        <a:buFont typeface="Wingdings" pitchFamily="2" charset="2"/>
+        <a:buChar char="§"/>
+        <a:defRPr sz="1400" kern="1200">
           <a:solidFill>
             <a:schemeClr val="tx1"/>
           </a:solidFill>
@@ -3983,13 +4162,16 @@
           <a:cs typeface="+mn-cs"/>
         </a:defRPr>
       </a:lvl7pPr>
-      <a:lvl8pPr marL="3429000" indent="-228600" algn="l" defTabSz="914400" rtl="0" eaLnBrk="1" latinLnBrk="0" hangingPunct="1">
+      <a:lvl8pPr marL="1828800" indent="-182880" algn="l" defTabSz="914400" rtl="0" eaLnBrk="1" latinLnBrk="0" hangingPunct="1">
         <a:spcBef>
           <a:spcPct val="20000"/>
         </a:spcBef>
-        <a:buFont typeface="Arial" pitchFamily="34" charset="0"/>
-        <a:buChar char="•"/>
-        <a:defRPr sz="2000" kern="1200">
+        <a:buClr>
+          <a:schemeClr val="tx2"/>
+        </a:buClr>
+        <a:buFont typeface="Wingdings" pitchFamily="2" charset="2"/>
+        <a:buChar char="§"/>
+        <a:defRPr sz="1400" kern="1200">
           <a:solidFill>
             <a:schemeClr val="tx1"/>
           </a:solidFill>
@@ -3998,13 +4180,16 @@
           <a:cs typeface="+mn-cs"/>
         </a:defRPr>
       </a:lvl8pPr>
-      <a:lvl9pPr marL="3886200" indent="-228600" algn="l" defTabSz="914400" rtl="0" eaLnBrk="1" latinLnBrk="0" hangingPunct="1">
+      <a:lvl9pPr marL="2057400" indent="-182880" algn="l" defTabSz="914400" rtl="0" eaLnBrk="1" latinLnBrk="0" hangingPunct="1">
         <a:spcBef>
           <a:spcPct val="20000"/>
         </a:spcBef>
-        <a:buFont typeface="Arial" pitchFamily="34" charset="0"/>
-        <a:buChar char="•"/>
-        <a:defRPr sz="2000" kern="1200">
+        <a:buClr>
+          <a:schemeClr val="tx2"/>
+        </a:buClr>
+        <a:buFont typeface="Wingdings" pitchFamily="2" charset="2"/>
+        <a:buChar char="§"/>
+        <a:defRPr sz="1400" kern="1200">
           <a:solidFill>
             <a:schemeClr val="tx1"/>
           </a:solidFill>
@@ -4199,7 +4384,11 @@
           <a:p>
             <a:r>
               <a:rPr lang="en-US" dirty="0" smtClean="0"/>
-              <a:t>CS475 Senior Project </a:t>
+              <a:t>CS475 - </a:t>
+            </a:r>
+            <a:r>
+              <a:rPr lang="en-US" dirty="0" smtClean="0"/>
+              <a:t>Senior Project </a:t>
             </a:r>
           </a:p>
           <a:p>
@@ -4229,6 +4418,13 @@
   <p:clrMapOvr>
     <a:masterClrMapping/>
   </p:clrMapOvr>
+  <p:timing>
+    <p:tnLst>
+      <p:par>
+        <p:cTn id="1" dur="indefinite" restart="never" nodeType="tmRoot"/>
+      </p:par>
+    </p:tnLst>
+  </p:timing>
 </p:sld>
 </file>
 
@@ -4259,7 +4455,12 @@
             <p:ph type="title"/>
           </p:nvPr>
         </p:nvSpPr>
-        <p:spPr/>
+        <p:spPr>
+          <a:xfrm>
+            <a:off x="27708" y="533400"/>
+            <a:ext cx="8430491" cy="634552"/>
+          </a:xfrm>
+        </p:spPr>
         <p:txBody>
           <a:bodyPr>
             <a:noAutofit/>
@@ -4284,28 +4485,70 @@
             <p:ph idx="1"/>
           </p:nvPr>
         </p:nvSpPr>
-        <p:spPr/>
-        <p:txBody>
-          <a:bodyPr/>
-          <a:lstStyle/>
-          <a:p>
-            <a:r>
-              <a:rPr lang="en-US" dirty="0" smtClean="0"/>
-              <a:t>Motivation- Why we chose this project </a:t>
-            </a:r>
-          </a:p>
-          <a:p>
-            <a:r>
-              <a:rPr lang="en-US" dirty="0" smtClean="0"/>
-              <a:t>Problem- What we are solving </a:t>
-            </a:r>
-          </a:p>
-          <a:p>
-            <a:r>
-              <a:rPr lang="en-US" dirty="0" smtClean="0"/>
-              <a:t>Solution- How we are fixing it </a:t>
-            </a:r>
-            <a:endParaRPr lang="en-US" dirty="0"/>
+        <p:spPr>
+          <a:xfrm>
+            <a:off x="914400" y="1600201"/>
+            <a:ext cx="7467600" cy="4709160"/>
+          </a:xfrm>
+        </p:spPr>
+        <p:txBody>
+          <a:bodyPr>
+            <a:normAutofit/>
+          </a:bodyPr>
+          <a:lstStyle/>
+          <a:p>
+            <a:pPr>
+              <a:lnSpc>
+                <a:spcPct val="200000"/>
+              </a:lnSpc>
+            </a:pPr>
+            <a:r>
+              <a:rPr lang="en-US" sz="3200" dirty="0" smtClean="0"/>
+              <a:t>Motivation- Why we chose this </a:t>
+            </a:r>
+            <a:r>
+              <a:rPr lang="en-US" sz="3200" dirty="0" smtClean="0"/>
+              <a:t>project? </a:t>
+            </a:r>
+          </a:p>
+          <a:p>
+            <a:pPr>
+              <a:lnSpc>
+                <a:spcPct val="200000"/>
+              </a:lnSpc>
+            </a:pPr>
+            <a:r>
+              <a:rPr lang="en-US" sz="3200" dirty="0" smtClean="0"/>
+              <a:t>Problem- </a:t>
+            </a:r>
+            <a:r>
+              <a:rPr lang="en-US" sz="3200" dirty="0" smtClean="0"/>
+              <a:t>What we are </a:t>
+            </a:r>
+            <a:r>
+              <a:rPr lang="en-US" sz="3200" dirty="0" smtClean="0"/>
+              <a:t>solving?</a:t>
+            </a:r>
+          </a:p>
+          <a:p>
+            <a:pPr>
+              <a:lnSpc>
+                <a:spcPct val="200000"/>
+              </a:lnSpc>
+            </a:pPr>
+            <a:r>
+              <a:rPr lang="en-US" sz="3200" dirty="0" smtClean="0"/>
+              <a:t>Solution- </a:t>
+            </a:r>
+            <a:r>
+              <a:rPr lang="en-US" sz="3200" dirty="0" smtClean="0"/>
+              <a:t>How we are fixing </a:t>
+            </a:r>
+            <a:r>
+              <a:rPr lang="en-US" sz="3200" dirty="0" smtClean="0"/>
+              <a:t>it?</a:t>
+            </a:r>
+            <a:endParaRPr lang="en-US" sz="3200" dirty="0"/>
           </a:p>
         </p:txBody>
       </p:sp>
@@ -4319,6 +4562,13 @@
   <p:clrMapOvr>
     <a:masterClrMapping/>
   </p:clrMapOvr>
+  <p:timing>
+    <p:tnLst>
+      <p:par>
+        <p:cTn id="1" dur="indefinite" restart="never" nodeType="tmRoot"/>
+      </p:par>
+    </p:tnLst>
+  </p:timing>
 </p:sld>
 </file>
 
@@ -4349,9 +4599,16 @@
             <p:ph type="title"/>
           </p:nvPr>
         </p:nvSpPr>
-        <p:spPr/>
-        <p:txBody>
-          <a:bodyPr/>
+        <p:spPr>
+          <a:xfrm>
+            <a:off x="0" y="381000"/>
+            <a:ext cx="8458200" cy="773097"/>
+          </a:xfrm>
+        </p:spPr>
+        <p:txBody>
+          <a:bodyPr>
+            <a:normAutofit/>
+          </a:bodyPr>
           <a:lstStyle/>
           <a:p>
             <a:r>
@@ -4372,37 +4629,131 @@
             <p:ph idx="1"/>
           </p:nvPr>
         </p:nvSpPr>
-        <p:spPr/>
-        <p:txBody>
-          <a:bodyPr/>
-          <a:lstStyle/>
-          <a:p>
-            <a:r>
-              <a:rPr lang="en-US" dirty="0" smtClean="0"/>
-              <a:t>Healthcare world no longer using paper records </a:t>
-            </a:r>
-          </a:p>
-          <a:p>
-            <a:r>
-              <a:rPr lang="en-US" dirty="0" smtClean="0"/>
-              <a:t>Medical data is now computerized </a:t>
-            </a:r>
-          </a:p>
-          <a:p>
-            <a:r>
-              <a:rPr lang="en-US" dirty="0" smtClean="0"/>
-              <a:t>How private are these records? </a:t>
-            </a:r>
-          </a:p>
-          <a:p>
-            <a:r>
-              <a:rPr lang="en-US" dirty="0" smtClean="0"/>
-              <a:t>Who has access to these records? </a:t>
-            </a:r>
-            <a:endParaRPr lang="en-US" dirty="0"/>
-          </a:p>
-        </p:txBody>
-      </p:sp>
+        <p:spPr>
+          <a:xfrm>
+            <a:off x="876300" y="1676400"/>
+            <a:ext cx="7315200" cy="4444305"/>
+          </a:xfrm>
+        </p:spPr>
+        <p:txBody>
+          <a:bodyPr>
+            <a:normAutofit/>
+          </a:bodyPr>
+          <a:lstStyle/>
+          <a:p>
+            <a:pPr>
+              <a:lnSpc>
+                <a:spcPct val="150000"/>
+              </a:lnSpc>
+            </a:pPr>
+            <a:r>
+              <a:rPr lang="en-US" sz="2800" dirty="0" smtClean="0"/>
+              <a:t>Healthcare world </a:t>
+            </a:r>
+            <a:r>
+              <a:rPr lang="en-US" sz="2800" dirty="0" smtClean="0"/>
+              <a:t>moving away from paper records.</a:t>
+            </a:r>
+            <a:endParaRPr lang="en-US" sz="2800" dirty="0" smtClean="0"/>
+          </a:p>
+          <a:p>
+            <a:pPr>
+              <a:lnSpc>
+                <a:spcPct val="150000"/>
+              </a:lnSpc>
+            </a:pPr>
+            <a:r>
+              <a:rPr lang="en-US" sz="2800" dirty="0" smtClean="0"/>
+              <a:t>Medical data is now </a:t>
+            </a:r>
+            <a:r>
+              <a:rPr lang="en-US" sz="2800" dirty="0" smtClean="0"/>
+              <a:t>computerized.</a:t>
+            </a:r>
+            <a:endParaRPr lang="en-US" sz="2800" dirty="0" smtClean="0"/>
+          </a:p>
+          <a:p>
+            <a:pPr>
+              <a:lnSpc>
+                <a:spcPct val="150000"/>
+              </a:lnSpc>
+            </a:pPr>
+            <a:r>
+              <a:rPr lang="en-US" sz="2800" dirty="0" smtClean="0"/>
+              <a:t>How private </a:t>
+            </a:r>
+            <a:r>
+              <a:rPr lang="en-US" sz="2800" dirty="0" smtClean="0"/>
+              <a:t>are these </a:t>
+            </a:r>
+            <a:r>
+              <a:rPr lang="en-US" sz="2800" dirty="0" smtClean="0"/>
+              <a:t>records? </a:t>
+            </a:r>
+          </a:p>
+          <a:p>
+            <a:pPr>
+              <a:lnSpc>
+                <a:spcPct val="150000"/>
+              </a:lnSpc>
+            </a:pPr>
+            <a:r>
+              <a:rPr lang="en-US" sz="2800" dirty="0" smtClean="0"/>
+              <a:t>Who has </a:t>
+            </a:r>
+            <a:r>
+              <a:rPr lang="en-US" sz="2800" dirty="0" smtClean="0"/>
+              <a:t>access to </a:t>
+            </a:r>
+            <a:r>
+              <a:rPr lang="en-US" sz="2800" dirty="0" smtClean="0"/>
+              <a:t>these records? </a:t>
+            </a:r>
+            <a:endParaRPr lang="en-US" sz="2800" dirty="0"/>
+          </a:p>
+        </p:txBody>
+      </p:sp>
+      <p:pic>
+        <p:nvPicPr>
+          <p:cNvPr id="2050" name="Picture 2" descr="C:\Users\Ryan\AppData\Local\Microsoft\Windows\Temporary Internet Files\Content.IE5\HLIERN46\MP900422184[1].jpg"/>
+          <p:cNvPicPr>
+            <a:picLocks noChangeAspect="1" noChangeArrowheads="1"/>
+          </p:cNvPicPr>
+          <p:nvPr/>
+        </p:nvPicPr>
+        <p:blipFill>
+          <a:blip r:embed="rId3" cstate="print">
+            <a:extLst>
+              <a:ext uri="{28A0092B-C50C-407E-A947-70E740481C1C}">
+                <a14:useLocalDpi xmlns:a14="http://schemas.microsoft.com/office/drawing/2010/main" val="0"/>
+              </a:ext>
+            </a:extLst>
+          </a:blip>
+          <a:srcRect/>
+          <a:stretch>
+            <a:fillRect/>
+          </a:stretch>
+        </p:blipFill>
+        <p:spPr bwMode="auto">
+          <a:xfrm>
+            <a:off x="3276600" y="5283041"/>
+            <a:ext cx="2057400" cy="1371064"/>
+          </a:xfrm>
+          <a:prstGeom prst="rect">
+            <a:avLst/>
+          </a:prstGeom>
+          <a:noFill/>
+          <a:extLst>
+            <a:ext uri="{909E8E84-426E-40DD-AFC4-6F175D3DCCD1}">
+              <a14:hiddenFill xmlns:a14="http://schemas.microsoft.com/office/drawing/2010/main">
+                <a:solidFill>
+                  <a:srgbClr val="FFFFFF"/>
+                </a:solidFill>
+              </a14:hiddenFill>
+            </a:ext>
+          </a:extLst>
+        </p:spPr>
+      </p:pic>
     </p:spTree>
     <p:extLst>
       <p:ext uri="{BB962C8B-B14F-4D97-AF65-F5344CB8AC3E}">
@@ -4413,6 +4764,13 @@
   <p:clrMapOvr>
     <a:masterClrMapping/>
   </p:clrMapOvr>
+  <p:timing>
+    <p:tnLst>
+      <p:par>
+        <p:cTn id="1" dur="indefinite" restart="never" nodeType="tmRoot"/>
+      </p:par>
+    </p:tnLst>
+  </p:timing>
 </p:sld>
 </file>
 
@@ -4443,9 +4801,16 @@
             <p:ph type="title"/>
           </p:nvPr>
         </p:nvSpPr>
-        <p:spPr/>
-        <p:txBody>
-          <a:bodyPr/>
+        <p:spPr>
+          <a:xfrm>
+            <a:off x="0" y="457200"/>
+            <a:ext cx="8458200" cy="717612"/>
+          </a:xfrm>
+        </p:spPr>
+        <p:txBody>
+          <a:bodyPr>
+            <a:normAutofit/>
+          </a:bodyPr>
           <a:lstStyle/>
           <a:p>
             <a:r>
@@ -4466,45 +4831,97 @@
             <p:ph idx="1"/>
           </p:nvPr>
         </p:nvSpPr>
-        <p:spPr/>
-        <p:txBody>
-          <a:bodyPr/>
-          <a:lstStyle/>
-          <a:p>
-            <a:r>
-              <a:rPr lang="en-US" dirty="0" smtClean="0"/>
+        <p:spPr>
+          <a:xfrm>
+            <a:off x="914400" y="1600201"/>
+            <a:ext cx="7315200" cy="4709160"/>
+          </a:xfrm>
+        </p:spPr>
+        <p:txBody>
+          <a:bodyPr>
+            <a:normAutofit/>
+          </a:bodyPr>
+          <a:lstStyle/>
+          <a:p>
+            <a:pPr>
+              <a:lnSpc>
+                <a:spcPct val="150000"/>
+              </a:lnSpc>
+            </a:pPr>
+            <a:r>
+              <a:rPr lang="en-US" sz="2800" dirty="0" smtClean="0"/>
               <a:t>Earliest dates back to 1995; </a:t>
             </a:r>
             <a:r>
-              <a:rPr lang="en-US" dirty="0" err="1" smtClean="0"/>
+              <a:rPr lang="en-US" sz="2800" dirty="0" err="1" smtClean="0"/>
               <a:t>VistA</a:t>
             </a:r>
-            <a:endParaRPr lang="en-US" dirty="0" smtClean="0"/>
-          </a:p>
-          <a:p>
-            <a:r>
-              <a:rPr lang="en-US" dirty="0" smtClean="0"/>
-              <a:t>Few web enabled EMR systems; THIRRA and ZEPRS</a:t>
-            </a:r>
-          </a:p>
-          <a:p>
-            <a:r>
-              <a:rPr lang="en-US" dirty="0" err="1" smtClean="0"/>
+            <a:endParaRPr lang="en-US" sz="2800" dirty="0" smtClean="0"/>
+          </a:p>
+          <a:p>
+            <a:pPr>
+              <a:lnSpc>
+                <a:spcPct val="150000"/>
+              </a:lnSpc>
+            </a:pPr>
+            <a:r>
+              <a:rPr lang="en-US" sz="2800" dirty="0" smtClean="0"/>
+              <a:t>Few </a:t>
+            </a:r>
+            <a:r>
+              <a:rPr lang="en-US" sz="2800" dirty="0" smtClean="0"/>
+              <a:t>web enabled EMR </a:t>
+            </a:r>
+            <a:r>
+              <a:rPr lang="en-US" sz="2800" dirty="0" smtClean="0"/>
+              <a:t>systems:</a:t>
+            </a:r>
+          </a:p>
+          <a:p>
+            <a:pPr lvl="1">
+              <a:lnSpc>
+                <a:spcPct val="150000"/>
+              </a:lnSpc>
+            </a:pPr>
+            <a:r>
+              <a:rPr lang="en-US" sz="2800" dirty="0" smtClean="0"/>
+              <a:t>THIRRA</a:t>
+            </a:r>
+          </a:p>
+          <a:p>
+            <a:pPr lvl="1">
+              <a:lnSpc>
+                <a:spcPct val="150000"/>
+              </a:lnSpc>
+            </a:pPr>
+            <a:r>
+              <a:rPr lang="en-US" sz="2800" dirty="0" smtClean="0"/>
+              <a:t>ZEPRS</a:t>
+            </a:r>
+          </a:p>
+          <a:p>
+            <a:pPr>
+              <a:lnSpc>
+                <a:spcPct val="150000"/>
+              </a:lnSpc>
+            </a:pPr>
+            <a:r>
+              <a:rPr lang="en-US" sz="2800" dirty="0" err="1" smtClean="0"/>
               <a:t>OpenEMR</a:t>
             </a:r>
             <a:r>
-              <a:rPr lang="en-US" dirty="0" smtClean="0"/>
-              <a:t>- one of the most widely used</a:t>
-            </a:r>
-          </a:p>
-          <a:p>
-            <a:pPr marL="0" indent="0">
-              <a:buNone/>
-            </a:pPr>
-            <a:r>
-              <a:rPr lang="en-US" dirty="0"/>
-              <a:t>	</a:t>
-            </a:r>
+              <a:rPr lang="en-US" sz="2800" dirty="0" smtClean="0"/>
+              <a:t>- </a:t>
+            </a:r>
+            <a:r>
+              <a:rPr lang="en-US" sz="2800" dirty="0" smtClean="0"/>
+              <a:t>one of the most widely </a:t>
+            </a:r>
+            <a:r>
+              <a:rPr lang="en-US" sz="2800" dirty="0" smtClean="0"/>
+              <a:t>used</a:t>
+            </a:r>
+            <a:endParaRPr lang="en-US" sz="2800" dirty="0" smtClean="0"/>
           </a:p>
         </p:txBody>
       </p:sp>
@@ -4518,6 +4935,13 @@
   <p:clrMapOvr>
     <a:masterClrMapping/>
   </p:clrMapOvr>
+  <p:timing>
+    <p:tnLst>
+      <p:par>
+        <p:cTn id="1" dur="indefinite" restart="never" nodeType="tmRoot"/>
+      </p:par>
+    </p:tnLst>
+  </p:timing>
 </p:sld>
 </file>
 
@@ -4548,14 +4972,25 @@
             <p:ph type="title"/>
           </p:nvPr>
         </p:nvSpPr>
-        <p:spPr/>
-        <p:txBody>
-          <a:bodyPr/>
+        <p:spPr>
+          <a:xfrm>
+            <a:off x="0" y="381000"/>
+            <a:ext cx="8458200" cy="793812"/>
+          </a:xfrm>
+        </p:spPr>
+        <p:txBody>
+          <a:bodyPr>
+            <a:normAutofit/>
+          </a:bodyPr>
           <a:lstStyle/>
           <a:p>
             <a:r>
               <a:rPr lang="en-US" dirty="0" smtClean="0"/>
-              <a:t>How SEMRS is Different</a:t>
+              <a:t>How SEMRS is </a:t>
+            </a:r>
+            <a:r>
+              <a:rPr lang="en-US" dirty="0" smtClean="0"/>
+              <a:t>Different?</a:t>
             </a:r>
             <a:endParaRPr lang="en-US" dirty="0"/>
           </a:p>
@@ -4571,30 +5006,51 @@
             <p:ph idx="1"/>
           </p:nvPr>
         </p:nvSpPr>
-        <p:spPr/>
-        <p:txBody>
-          <a:bodyPr/>
-          <a:lstStyle/>
-          <a:p>
-            <a:r>
-              <a:rPr lang="en-US" dirty="0" smtClean="0"/>
+        <p:spPr>
+          <a:xfrm>
+            <a:off x="914400" y="1676400"/>
+            <a:ext cx="7315200" cy="4632961"/>
+          </a:xfrm>
+        </p:spPr>
+        <p:txBody>
+          <a:bodyPr>
+            <a:normAutofit/>
+          </a:bodyPr>
+          <a:lstStyle/>
+          <a:p>
+            <a:pPr>
+              <a:lnSpc>
+                <a:spcPct val="200000"/>
+              </a:lnSpc>
+            </a:pPr>
+            <a:r>
+              <a:rPr lang="en-US" sz="2800" dirty="0" smtClean="0"/>
               <a:t>Simply a backup, not meant to replace paper files </a:t>
             </a:r>
           </a:p>
           <a:p>
-            <a:r>
-              <a:rPr lang="en-US" dirty="0" smtClean="0"/>
-              <a:t>Much simpler then </a:t>
-            </a:r>
-            <a:r>
-              <a:rPr lang="en-US" dirty="0" err="1" smtClean="0"/>
+            <a:pPr>
+              <a:lnSpc>
+                <a:spcPct val="200000"/>
+              </a:lnSpc>
+            </a:pPr>
+            <a:r>
+              <a:rPr lang="en-US" sz="2800" dirty="0" smtClean="0"/>
+              <a:t>Much simpler </a:t>
+            </a:r>
+            <a:r>
+              <a:rPr lang="en-US" sz="2800" dirty="0" smtClean="0"/>
+              <a:t>than </a:t>
+            </a:r>
+            <a:r>
+              <a:rPr lang="en-US" sz="2800" dirty="0" err="1" smtClean="0"/>
               <a:t>OpenEMR</a:t>
             </a:r>
             <a:r>
-              <a:rPr lang="en-US" dirty="0" smtClean="0"/>
+              <a:rPr lang="en-US" sz="2800" dirty="0" smtClean="0"/>
               <a:t>, took out many unneeded features </a:t>
             </a:r>
-            <a:endParaRPr lang="en-US" dirty="0"/>
+            <a:endParaRPr lang="en-US" sz="2800" dirty="0"/>
           </a:p>
         </p:txBody>
       </p:sp>
@@ -4608,6 +5064,13 @@
   <p:clrMapOvr>
     <a:masterClrMapping/>
   </p:clrMapOvr>
+  <p:timing>
+    <p:tnLst>
+      <p:par>
+        <p:cTn id="1" dur="indefinite" restart="never" nodeType="tmRoot"/>
+      </p:par>
+    </p:tnLst>
+  </p:timing>
 </p:sld>
 </file>
 
@@ -4638,7 +5101,12 @@
             <p:ph type="title"/>
           </p:nvPr>
         </p:nvSpPr>
-        <p:spPr/>
+        <p:spPr>
+          <a:xfrm>
+            <a:off x="0" y="457200"/>
+            <a:ext cx="8458200" cy="696897"/>
+          </a:xfrm>
+        </p:spPr>
         <p:txBody>
           <a:bodyPr>
             <a:normAutofit fontScale="90000"/>
@@ -4667,39 +5135,78 @@
             <p:ph idx="1"/>
           </p:nvPr>
         </p:nvSpPr>
-        <p:spPr/>
-        <p:txBody>
-          <a:bodyPr/>
-          <a:lstStyle/>
-          <a:p>
-            <a:pPr marL="0" indent="0">
-              <a:buNone/>
+        <p:spPr>
+          <a:xfrm>
+            <a:off x="914400" y="2514601"/>
+            <a:ext cx="7315200" cy="3794760"/>
+          </a:xfrm>
+        </p:spPr>
+        <p:txBody>
+          <a:bodyPr>
+            <a:normAutofit/>
+          </a:bodyPr>
+          <a:lstStyle/>
+          <a:p>
+            <a:pPr marL="342900" indent="-342900">
+              <a:lnSpc>
+                <a:spcPct val="200000"/>
+              </a:lnSpc>
             </a:pPr>
             <a:r>
-              <a:rPr lang="en-US" dirty="0" smtClean="0"/>
-              <a:t>- Patient records encrypted</a:t>
-            </a:r>
-          </a:p>
-          <a:p>
-            <a:pPr marL="0" indent="0">
-              <a:buNone/>
+              <a:rPr lang="en-US" sz="3200" dirty="0" smtClean="0"/>
+              <a:t>Patient </a:t>
+            </a:r>
+            <a:r>
+              <a:rPr lang="en-US" sz="3200" dirty="0" smtClean="0"/>
+              <a:t>records </a:t>
+            </a:r>
+            <a:r>
+              <a:rPr lang="en-US" sz="3200" dirty="0" smtClean="0"/>
+              <a:t>encrypted.</a:t>
+            </a:r>
+          </a:p>
+          <a:p>
+            <a:pPr marL="342900" indent="-342900">
+              <a:lnSpc>
+                <a:spcPct val="200000"/>
+              </a:lnSpc>
             </a:pPr>
             <a:r>
-              <a:rPr lang="en-US" dirty="0" smtClean="0"/>
-              <a:t>- User access controls </a:t>
-            </a:r>
-          </a:p>
-          <a:p>
-            <a:pPr marL="0" indent="0">
-              <a:buNone/>
+              <a:rPr lang="en-US" sz="3200" dirty="0" smtClean="0"/>
+              <a:t>User </a:t>
+            </a:r>
+            <a:r>
+              <a:rPr lang="en-US" sz="3200" dirty="0" smtClean="0"/>
+              <a:t>access </a:t>
+            </a:r>
+            <a:r>
+              <a:rPr lang="en-US" sz="3200" dirty="0" smtClean="0"/>
+              <a:t>controls.</a:t>
+            </a:r>
+          </a:p>
+          <a:p>
+            <a:pPr marL="342900" indent="-342900">
+              <a:lnSpc>
+                <a:spcPct val="200000"/>
+              </a:lnSpc>
             </a:pPr>
             <a:r>
-              <a:rPr lang="en-US" dirty="0" smtClean="0"/>
-              <a:t>- Remote access from a web browser </a:t>
-            </a:r>
-          </a:p>
-          <a:p>
-            <a:endParaRPr lang="en-US" dirty="0"/>
+              <a:rPr lang="en-US" sz="3200" dirty="0"/>
+              <a:t>R</a:t>
+            </a:r>
+            <a:r>
+              <a:rPr lang="en-US" sz="3200" dirty="0" smtClean="0"/>
+              <a:t>emote </a:t>
+            </a:r>
+            <a:r>
+              <a:rPr lang="en-US" sz="3200" dirty="0" smtClean="0"/>
+              <a:t>access from a web </a:t>
+            </a:r>
+            <a:r>
+              <a:rPr lang="en-US" sz="3200" dirty="0" smtClean="0"/>
+              <a:t>browser.</a:t>
+            </a:r>
+            <a:endParaRPr lang="en-US" sz="3200" dirty="0" smtClean="0"/>
           </a:p>
         </p:txBody>
       </p:sp>
@@ -4713,6 +5220,13 @@
   <p:clrMapOvr>
     <a:masterClrMapping/>
   </p:clrMapOvr>
+  <p:timing>
+    <p:tnLst>
+      <p:par>
+        <p:cTn id="1" dur="indefinite" restart="never" nodeType="tmRoot"/>
+      </p:par>
+    </p:tnLst>
+  </p:timing>
 </p:sld>
 </file>
 
@@ -4743,9 +5257,16 @@
             <p:ph type="title"/>
           </p:nvPr>
         </p:nvSpPr>
-        <p:spPr/>
-        <p:txBody>
-          <a:bodyPr/>
+        <p:spPr>
+          <a:xfrm>
+            <a:off x="0" y="457200"/>
+            <a:ext cx="8458200" cy="717612"/>
+          </a:xfrm>
+        </p:spPr>
+        <p:txBody>
+          <a:bodyPr>
+            <a:normAutofit/>
+          </a:bodyPr>
           <a:lstStyle/>
           <a:p>
             <a:r>
@@ -4766,34 +5287,70 @@
             <p:ph idx="1"/>
           </p:nvPr>
         </p:nvSpPr>
-        <p:spPr/>
-        <p:txBody>
-          <a:bodyPr/>
-          <a:lstStyle/>
-          <a:p>
-            <a:r>
-              <a:rPr lang="en-US" dirty="0" smtClean="0"/>
-              <a:t>Successfully Login as Admin</a:t>
-            </a:r>
-          </a:p>
-          <a:p>
-            <a:r>
-              <a:rPr lang="en-US" dirty="0" smtClean="0"/>
+        <p:spPr>
+          <a:xfrm>
+            <a:off x="914400" y="2667001"/>
+            <a:ext cx="7315200" cy="3642360"/>
+          </a:xfrm>
+        </p:spPr>
+        <p:txBody>
+          <a:bodyPr>
+            <a:normAutofit/>
+          </a:bodyPr>
+          <a:lstStyle/>
+          <a:p>
+            <a:pPr>
+              <a:lnSpc>
+                <a:spcPct val="200000"/>
+              </a:lnSpc>
+            </a:pPr>
+            <a:r>
+              <a:rPr lang="en-US" sz="2800" dirty="0" smtClean="0"/>
+              <a:t>Successfully Login as </a:t>
+            </a:r>
+            <a:r>
+              <a:rPr lang="en-US" sz="2800" dirty="0" smtClean="0"/>
+              <a:t>Admin or Physician</a:t>
+            </a:r>
+            <a:endParaRPr lang="en-US" sz="2800" dirty="0" smtClean="0"/>
+          </a:p>
+          <a:p>
+            <a:pPr>
+              <a:lnSpc>
+                <a:spcPct val="200000"/>
+              </a:lnSpc>
+            </a:pPr>
+            <a:r>
+              <a:rPr lang="en-US" sz="2800" dirty="0" smtClean="0"/>
               <a:t>Logout and return to login screen </a:t>
             </a:r>
           </a:p>
           <a:p>
-            <a:r>
-              <a:rPr lang="en-US" dirty="0" smtClean="0"/>
+            <a:pPr>
+              <a:lnSpc>
+                <a:spcPct val="200000"/>
+              </a:lnSpc>
+            </a:pPr>
+            <a:r>
+              <a:rPr lang="en-US" sz="2800" dirty="0" smtClean="0"/>
               <a:t>Add/Remove users </a:t>
             </a:r>
           </a:p>
           <a:p>
-            <a:r>
-              <a:rPr lang="en-US" dirty="0" smtClean="0"/>
-              <a:t>Add Patients  </a:t>
-            </a:r>
-            <a:endParaRPr lang="en-US" dirty="0"/>
+            <a:pPr>
+              <a:lnSpc>
+                <a:spcPct val="200000"/>
+              </a:lnSpc>
+            </a:pPr>
+            <a:r>
+              <a:rPr lang="en-US" sz="2800" dirty="0" smtClean="0"/>
+              <a:t>Add </a:t>
+            </a:r>
+            <a:r>
+              <a:rPr lang="en-US" sz="2800" dirty="0" smtClean="0"/>
+              <a:t>Patients</a:t>
+            </a:r>
+            <a:endParaRPr lang="en-US" sz="2800" dirty="0"/>
           </a:p>
         </p:txBody>
       </p:sp>
@@ -4807,6 +5364,13 @@
   <p:clrMapOvr>
     <a:masterClrMapping/>
   </p:clrMapOvr>
+  <p:timing>
+    <p:tnLst>
+      <p:par>
+        <p:cTn id="1" dur="indefinite" restart="never" nodeType="tmRoot"/>
+      </p:par>
+    </p:tnLst>
+  </p:timing>
 </p:sld>
 </file>
 
@@ -4837,9 +5401,16 @@
             <p:ph type="title"/>
           </p:nvPr>
         </p:nvSpPr>
-        <p:spPr/>
-        <p:txBody>
-          <a:bodyPr/>
+        <p:spPr>
+          <a:xfrm>
+            <a:off x="0" y="381000"/>
+            <a:ext cx="8458200" cy="793812"/>
+          </a:xfrm>
+        </p:spPr>
+        <p:txBody>
+          <a:bodyPr>
+            <a:normAutofit/>
+          </a:bodyPr>
           <a:lstStyle/>
           <a:p>
             <a:r>
@@ -4860,27 +5431,84 @@
             <p:ph idx="1"/>
           </p:nvPr>
         </p:nvSpPr>
-        <p:spPr/>
-        <p:txBody>
-          <a:bodyPr/>
-          <a:lstStyle/>
-          <a:p>
-            <a:r>
-              <a:rPr lang="en-US" dirty="0" smtClean="0"/>
-              <a:t>Successful Login for all User Account types</a:t>
-            </a:r>
-          </a:p>
-          <a:p>
-            <a:r>
-              <a:rPr lang="en-US" dirty="0" smtClean="0"/>
-              <a:t>Encrypting information in database </a:t>
-            </a:r>
-          </a:p>
-          <a:p>
-            <a:endParaRPr lang="en-US" dirty="0"/>
-          </a:p>
-        </p:txBody>
-      </p:sp>
+        <p:spPr>
+          <a:xfrm>
+            <a:off x="914400" y="2590801"/>
+            <a:ext cx="7391400" cy="3718560"/>
+          </a:xfrm>
+        </p:spPr>
+        <p:txBody>
+          <a:bodyPr>
+            <a:normAutofit/>
+          </a:bodyPr>
+          <a:lstStyle/>
+          <a:p>
+            <a:pPr>
+              <a:lnSpc>
+                <a:spcPct val="200000"/>
+              </a:lnSpc>
+            </a:pPr>
+            <a:r>
+              <a:rPr lang="en-US" sz="2800" dirty="0" smtClean="0"/>
+              <a:t>Successful Login for all User Account </a:t>
+            </a:r>
+            <a:r>
+              <a:rPr lang="en-US" sz="2800" dirty="0" smtClean="0"/>
+              <a:t>types.</a:t>
+            </a:r>
+          </a:p>
+          <a:p>
+            <a:pPr>
+              <a:lnSpc>
+                <a:spcPct val="200000"/>
+              </a:lnSpc>
+            </a:pPr>
+            <a:r>
+              <a:rPr lang="en-US" sz="2800" dirty="0" smtClean="0"/>
+              <a:t>Encrypting </a:t>
+            </a:r>
+            <a:r>
+              <a:rPr lang="en-US" sz="2800" dirty="0" smtClean="0"/>
+              <a:t>information in </a:t>
+            </a:r>
+            <a:r>
+              <a:rPr lang="en-US" sz="2800" dirty="0" smtClean="0"/>
+              <a:t>database.</a:t>
+            </a:r>
+            <a:endParaRPr lang="en-US" sz="2800" dirty="0" smtClean="0"/>
+          </a:p>
+        </p:txBody>
+      </p:sp>
+      <p:pic>
+        <p:nvPicPr>
+          <p:cNvPr id="8" name="Picture 7"/>
+          <p:cNvPicPr>
+            <a:picLocks noChangeAspect="1"/>
+          </p:cNvPicPr>
+          <p:nvPr/>
+        </p:nvPicPr>
+        <p:blipFill>
+          <a:blip r:embed="rId3">
+            <a:extLst>
+              <a:ext uri="{28A0092B-C50C-407E-A947-70E740481C1C}">
+                <a14:useLocalDpi xmlns:a14="http://schemas.microsoft.com/office/drawing/2010/main" val="0"/>
+              </a:ext>
+            </a:extLst>
+          </a:blip>
+          <a:stretch>
+            <a:fillRect/>
+          </a:stretch>
+        </p:blipFill>
+        <p:spPr>
+          <a:xfrm>
+            <a:off x="5882656" y="4191000"/>
+            <a:ext cx="2821018" cy="2503370"/>
+          </a:xfrm>
+          <a:prstGeom prst="rect">
+            <a:avLst/>
+          </a:prstGeom>
+        </p:spPr>
+      </p:pic>
     </p:spTree>
     <p:extLst>
       <p:ext uri="{BB962C8B-B14F-4D97-AF65-F5344CB8AC3E}">
@@ -4891,6 +5519,13 @@
   <p:clrMapOvr>
     <a:masterClrMapping/>
   </p:clrMapOvr>
+  <p:timing>
+    <p:tnLst>
+      <p:par>
+        <p:cTn id="1" dur="indefinite" restart="never" nodeType="tmRoot"/>
+      </p:par>
+    </p:tnLst>
+  </p:timing>
 </p:sld>
 </file>
 
@@ -4923,7 +5558,9 @@
         </p:nvSpPr>
         <p:spPr/>
         <p:txBody>
-          <a:bodyPr/>
+          <a:bodyPr>
+            <a:normAutofit fontScale="90000"/>
+          </a:bodyPr>
           <a:lstStyle/>
           <a:p>
             <a:r>
@@ -4946,16 +5583,18 @@
         </p:nvSpPr>
         <p:spPr/>
         <p:txBody>
-          <a:bodyPr/>
-          <a:lstStyle/>
-          <a:p>
-            <a:r>
-              <a:rPr lang="en-US" dirty="0" smtClean="0">
+          <a:bodyPr>
+            <a:normAutofit/>
+          </a:bodyPr>
+          <a:lstStyle/>
+          <a:p>
+            <a:r>
+              <a:rPr lang="en-US" sz="2800" dirty="0" smtClean="0">
                 <a:hlinkClick r:id="rId2"/>
               </a:rPr>
               <a:t>http://en.wikipedia.org/wiki/List_of_open-source_healthcare_software#Electronic_health_or_medical_record</a:t>
             </a:r>
-            <a:endParaRPr lang="en-US" dirty="0"/>
+            <a:endParaRPr lang="en-US" sz="2800" dirty="0"/>
           </a:p>
         </p:txBody>
       </p:sp>
@@ -4969,13 +5608,20 @@
   <p:clrMapOvr>
     <a:masterClrMapping/>
   </p:clrMapOvr>
+  <p:timing>
+    <p:tnLst>
+      <p:par>
+        <p:cTn id="1" dur="indefinite" restart="never" nodeType="tmRoot"/>
+      </p:par>
+    </p:tnLst>
+  </p:timing>
 </p:sld>
 </file>
 
 <file path=ppt/theme/theme1.xml><?xml version="1.0" encoding="utf-8"?>
-<a:theme xmlns:a="http://schemas.openxmlformats.org/drawingml/2006/main" name="Office Theme">
+<a:theme xmlns:a="http://schemas.openxmlformats.org/drawingml/2006/main" name="Perspective">
   <a:themeElements>
-    <a:clrScheme name="Office">
+    <a:clrScheme name="Perspective">
       <a:dk1>
         <a:sysClr val="windowText" lastClr="000000"/>
       </a:dk1>
@@ -4983,52 +5629,52 @@
         <a:sysClr val="window" lastClr="FFFFFF"/>
       </a:lt1>
       <a:dk2>
-        <a:srgbClr val="1F497D"/>
+        <a:srgbClr val="283138"/>
       </a:dk2>
       <a:lt2>
-        <a:srgbClr val="EEECE1"/>
+        <a:srgbClr val="FF8600"/>
       </a:lt2>
       <a:accent1>
-        <a:srgbClr val="4F81BD"/>
+        <a:srgbClr val="838D9B"/>
       </a:accent1>
       <a:accent2>
-        <a:srgbClr val="C0504D"/>
+        <a:srgbClr val="D2610C"/>
       </a:accent2>
       <a:accent3>
-        <a:srgbClr val="9BBB59"/>
+        <a:srgbClr val="80716A"/>
       </a:accent3>
       <a:accent4>
-        <a:srgbClr val="8064A2"/>
+        <a:srgbClr val="94147C"/>
       </a:accent4>
       <a:accent5>
-        <a:srgbClr val="4BACC6"/>
+        <a:srgbClr val="5D5AD2"/>
       </a:accent5>
       <a:accent6>
-        <a:srgbClr val="F79646"/>
+        <a:srgbClr val="6F6C7D"/>
       </a:accent6>
       <a:hlink>
-        <a:srgbClr val="0000FF"/>
+        <a:srgbClr val="6187E3"/>
       </a:hlink>
       <a:folHlink>
-        <a:srgbClr val="800080"/>
+        <a:srgbClr val="7B8EB8"/>
       </a:folHlink>
     </a:clrScheme>
-    <a:fontScheme name="Office">
+    <a:fontScheme name="Office Classic 2">
       <a:majorFont>
-        <a:latin typeface="Calibri"/>
+        <a:latin typeface="Arial"/>
         <a:ea typeface=""/>
         <a:cs typeface=""/>
         <a:font script="Jpan" typeface="ＭＳ Ｐゴシック"/>
-        <a:font script="Hang" typeface="맑은 고딕"/>
-        <a:font script="Hans" typeface="宋体"/>
-        <a:font script="Hant" typeface="新細明體"/>
-        <a:font script="Arab" typeface="Times New Roman"/>
-        <a:font script="Hebr" typeface="Times New Roman"/>
-        <a:font script="Thai" typeface="Angsana New"/>
+        <a:font script="Hang" typeface="돋움"/>
+        <a:font script="Hans" typeface="方正舒体"/>
+        <a:font script="Hant" typeface="微軟正黑體"/>
+        <a:font script="Arab" typeface="Arial"/>
+        <a:font script="Hebr" typeface="Arial"/>
+        <a:font script="Thai" typeface="Cordia New"/>
         <a:font script="Ethi" typeface="Nyala"/>
         <a:font script="Beng" typeface="Vrinda"/>
         <a:font script="Gujr" typeface="Shruti"/>
-        <a:font script="Khmr" typeface="MoolBoran"/>
+        <a:font script="Khmr" typeface="DaunPenh"/>
         <a:font script="Knda" typeface="Tunga"/>
         <a:font script="Guru" typeface="Raavi"/>
         <a:font script="Cans" typeface="Euphemia"/>
@@ -5045,18 +5691,18 @@
         <a:font script="Laoo" typeface="DokChampa"/>
         <a:font script="Sinh" typeface="Iskoola Pota"/>
         <a:font script="Mong" typeface="Mongolian Baiti"/>
-        <a:font script="Viet" typeface="Times New Roman"/>
+        <a:font script="Viet" typeface="Arial"/>
         <a:font script="Uigh" typeface="Microsoft Uighur"/>
         <a:font script="Geor" typeface="Sylfaen"/>
       </a:majorFont>
       <a:minorFont>
-        <a:latin typeface="Calibri"/>
+        <a:latin typeface="Arial"/>
         <a:ea typeface=""/>
         <a:cs typeface=""/>
         <a:font script="Jpan" typeface="ＭＳ Ｐゴシック"/>
-        <a:font script="Hang" typeface="맑은 고딕"/>
-        <a:font script="Hans" typeface="宋体"/>
-        <a:font script="Hant" typeface="新細明體"/>
+        <a:font script="Hang" typeface="돋움"/>
+        <a:font script="Hans" typeface="方正舒体"/>
+        <a:font script="Hant" typeface="微軟正黑體"/>
         <a:font script="Arab" typeface="Arial"/>
         <a:font script="Hebr" typeface="Arial"/>
         <a:font script="Thai" typeface="Cordia New"/>
@@ -5085,7 +5731,7 @@
         <a:font script="Geor" typeface="Sylfaen"/>
       </a:minorFont>
     </a:fontScheme>
-    <a:fmtScheme name="Office">
+    <a:fmtScheme name="Perspective">
       <a:fillStyleLst>
         <a:solidFill>
           <a:schemeClr val="phClr"/>
@@ -5095,65 +5741,65 @@
             <a:gs pos="0">
               <a:schemeClr val="phClr">
                 <a:tint val="50000"/>
-                <a:satMod val="300000"/>
+                <a:alpha val="100000"/>
+                <a:satMod val="160000"/>
+                <a:lumMod val="105000"/>
               </a:schemeClr>
             </a:gs>
-            <a:gs pos="35000">
+            <a:gs pos="41000">
               <a:schemeClr val="phClr">
-                <a:tint val="37000"/>
-                <a:satMod val="300000"/>
+                <a:tint val="57000"/>
+                <a:satMod val="180000"/>
+                <a:lumMod val="99000"/>
               </a:schemeClr>
             </a:gs>
             <a:gs pos="100000">
               <a:schemeClr val="phClr">
-                <a:tint val="15000"/>
-                <a:satMod val="350000"/>
+                <a:tint val="80000"/>
+                <a:satMod val="200000"/>
+                <a:lumMod val="104000"/>
               </a:schemeClr>
             </a:gs>
           </a:gsLst>
-          <a:lin ang="16200000" scaled="1"/>
+          <a:lin ang="5400000" scaled="1"/>
         </a:gradFill>
         <a:gradFill rotWithShape="1">
           <a:gsLst>
             <a:gs pos="0">
               <a:schemeClr val="phClr">
-                <a:shade val="51000"/>
+                <a:tint val="96000"/>
                 <a:satMod val="130000"/>
+                <a:lumMod val="114000"/>
               </a:schemeClr>
             </a:gs>
-            <a:gs pos="80000">
+            <a:gs pos="60000">
               <a:schemeClr val="phClr">
-                <a:shade val="93000"/>
-                <a:satMod val="130000"/>
+                <a:tint val="100000"/>
+                <a:satMod val="106000"/>
+                <a:lumMod val="110000"/>
               </a:schemeClr>
             </a:gs>
             <a:gs pos="100000">
-              <a:schemeClr val="phClr">
-                <a:shade val="94000"/>
-                <a:satMod val="135000"/>
-              </a:schemeClr>
+              <a:schemeClr val="phClr"/>
             </a:gs>
           </a:gsLst>
-          <a:lin ang="16200000" scaled="0"/>
+          <a:lin ang="5400000" scaled="0"/>
         </a:gradFill>
       </a:fillStyleLst>
       <a:lnStyleLst>
-        <a:ln w="9525" cap="flat" cmpd="sng" algn="ctr">
-          <a:solidFill>
-            <a:schemeClr val="phClr">
-              <a:shade val="95000"/>
-              <a:satMod val="105000"/>
-            </a:schemeClr>
-          </a:solidFill>
-          <a:prstDash val="solid"/>
-        </a:ln>
-        <a:ln w="25400" cap="flat" cmpd="sng" algn="ctr">
+        <a:ln w="12700" cap="flat" cmpd="sng" algn="ctr">
           <a:solidFill>
             <a:schemeClr val="phClr"/>
           </a:solidFill>
           <a:prstDash val="solid"/>
         </a:ln>
-        <a:ln w="38100" cap="flat" cmpd="sng" algn="ctr">
+        <a:ln w="19050" cap="flat" cmpd="sng" algn="ctr">
+          <a:solidFill>
+            <a:schemeClr val="phClr"/>
+          </a:solidFill>
+          <a:prstDash val="solid"/>
+        </a:ln>
+        <a:ln w="28575" cap="flat" cmpd="sng" algn="ctr">
           <a:solidFill>
             <a:schemeClr val="phClr"/>
           </a:solidFill>
@@ -5163,27 +5809,18 @@
       <a:effectStyleLst>
         <a:effectStyle>
           <a:effectLst>
-            <a:outerShdw blurRad="40000" dist="20000" dir="5400000" rotWithShape="0">
+            <a:outerShdw blurRad="50800" dist="38100" dir="5400000" rotWithShape="0">
               <a:srgbClr val="000000">
-                <a:alpha val="38000"/>
+                <a:alpha val="28000"/>
               </a:srgbClr>
             </a:outerShdw>
           </a:effectLst>
         </a:effectStyle>
         <a:effectStyle>
           <a:effectLst>
-            <a:outerShdw blurRad="40000" dist="23000" dir="5400000" rotWithShape="0">
+            <a:outerShdw blurRad="47625" dist="38100" dir="5400000" sy="98000" rotWithShape="0">
               <a:srgbClr val="000000">
-                <a:alpha val="35000"/>
-              </a:srgbClr>
-            </a:outerShdw>
-          </a:effectLst>
-        </a:effectStyle>
-        <a:effectStyle>
-          <a:effectLst>
-            <a:outerShdw blurRad="40000" dist="23000" dir="5400000" rotWithShape="0">
-              <a:srgbClr val="000000">
-                <a:alpha val="35000"/>
+                <a:alpha val="48000"/>
               </a:srgbClr>
             </a:outerShdw>
           </a:effectLst>
@@ -5191,12 +5828,28 @@
             <a:camera prst="orthographicFront">
               <a:rot lat="0" lon="0" rev="0"/>
             </a:camera>
+            <a:lightRig rig="twoPt" dir="br">
+              <a:rot lat="0" lon="0" rev="8700000"/>
+            </a:lightRig>
+          </a:scene3d>
+          <a:sp3d prstMaterial="matte">
+            <a:bevelT w="25400" h="53975"/>
+          </a:sp3d>
+        </a:effectStyle>
+        <a:effectStyle>
+          <a:effectLst>
+            <a:reflection blurRad="12700" stA="24000" endPos="28000" dist="50800" dir="5400000" sy="-100000" rotWithShape="0"/>
+          </a:effectLst>
+          <a:scene3d>
+            <a:camera prst="orthographicFront">
+              <a:rot lat="0" lon="0" rev="0"/>
+            </a:camera>
             <a:lightRig rig="threePt" dir="t">
-              <a:rot lat="0" lon="0" rev="1200000"/>
+              <a:rot lat="0" lon="0" rev="4800000"/>
             </a:lightRig>
           </a:scene3d>
           <a:sp3d>
-            <a:bevelT w="63500" h="25400"/>
+            <a:bevelT w="69850" h="31750"/>
           </a:sp3d>
         </a:effectStyle>
       </a:effectStyleLst>
@@ -5208,47 +5861,45 @@
           <a:gsLst>
             <a:gs pos="0">
               <a:schemeClr val="phClr">
-                <a:tint val="40000"/>
-                <a:satMod val="350000"/>
+                <a:tint val="100000"/>
+                <a:shade val="80000"/>
+                <a:satMod val="100000"/>
+                <a:lumMod val="100000"/>
               </a:schemeClr>
             </a:gs>
-            <a:gs pos="40000">
+            <a:gs pos="65000">
               <a:schemeClr val="phClr">
-                <a:tint val="45000"/>
-                <a:shade val="99000"/>
-                <a:satMod val="350000"/>
+                <a:tint val="100000"/>
+                <a:shade val="95000"/>
+                <a:satMod val="100000"/>
+                <a:lumMod val="100000"/>
               </a:schemeClr>
             </a:gs>
             <a:gs pos="100000">
               <a:schemeClr val="phClr">
-                <a:shade val="20000"/>
-                <a:satMod val="255000"/>
+                <a:tint val="88000"/>
+                <a:shade val="100000"/>
+                <a:satMod val="400000"/>
+                <a:lumMod val="100000"/>
               </a:schemeClr>
             </a:gs>
           </a:gsLst>
-          <a:path path="circle">
-            <a:fillToRect l="50000" t="-80000" r="50000" b="180000"/>
-          </a:path>
+          <a:lin ang="5400000" scaled="0"/>
         </a:gradFill>
-        <a:gradFill rotWithShape="1">
-          <a:gsLst>
-            <a:gs pos="0">
+        <a:blipFill rotWithShape="1">
+          <a:blip xmlns:r="http://schemas.openxmlformats.org/officeDocument/2006/relationships" r:embed="rId1">
+            <a:duotone>
               <a:schemeClr val="phClr">
-                <a:tint val="80000"/>
-                <a:satMod val="300000"/>
+                <a:tint val="95000"/>
+                <a:satMod val="90000"/>
               </a:schemeClr>
-            </a:gs>
-            <a:gs pos="100000">
               <a:schemeClr val="phClr">
-                <a:shade val="30000"/>
-                <a:satMod val="200000"/>
+                <a:shade val="92000"/>
               </a:schemeClr>
-            </a:gs>
-          </a:gsLst>
-          <a:path path="circle">
-            <a:fillToRect l="50000" t="50000" r="50000" b="50000"/>
-          </a:path>
-        </a:gradFill>
+            </a:duotone>
+          </a:blip>
+          <a:tile tx="0" ty="0" sx="100000" sy="100000" flip="none" algn="tl"/>
+        </a:blipFill>
       </a:bgFillStyleLst>
     </a:fmtScheme>
   </a:themeElements>

--- a/MidTerm/Midterm_presentation_SEMRS.pptx
+++ b/MidTerm/Midterm_presentation_SEMRS.pptx
@@ -558,11 +558,7 @@
             </a:pPr>
             <a:r>
               <a:rPr lang="en-US" dirty="0" smtClean="0"/>
-              <a:t>This project is for </a:t>
-            </a:r>
-            <a:r>
-              <a:rPr lang="en-US" dirty="0" smtClean="0"/>
-              <a:t>Mitchells</a:t>
+              <a:t>This project is for Mitchells</a:t>
             </a:r>
             <a:r>
               <a:rPr lang="en-US" baseline="0" dirty="0" smtClean="0"/>
@@ -578,19 +574,7 @@
             </a:r>
             <a:r>
               <a:rPr lang="en-US" dirty="0" smtClean="0"/>
-              <a:t>Center in </a:t>
-            </a:r>
-            <a:r>
-              <a:rPr lang="en-US" dirty="0" smtClean="0"/>
-              <a:t>Africa that treats </a:t>
-            </a:r>
-            <a:r>
-              <a:rPr lang="en-US" dirty="0" smtClean="0"/>
-              <a:t>patients </a:t>
-            </a:r>
-            <a:r>
-              <a:rPr lang="en-US" dirty="0" smtClean="0"/>
-              <a:t>for HIV/AIDS. All</a:t>
+              <a:t>Center in Africa that treats patients for HIV/AIDS. All</a:t>
             </a:r>
             <a:r>
               <a:rPr lang="en-US" baseline="0" dirty="0" smtClean="0"/>
@@ -614,33 +598,17 @@
           <a:p>
             <a:r>
               <a:rPr lang="en-US" dirty="0" smtClean="0"/>
-              <a:t>Solve </a:t>
-            </a:r>
-            <a:r>
-              <a:rPr lang="en-US" dirty="0" smtClean="0"/>
-              <a:t>the problem of</a:t>
+              <a:t>Solve the problem of</a:t>
             </a:r>
             <a:r>
               <a:rPr lang="en-US" baseline="0" dirty="0" smtClean="0"/>
-              <a:t> displacement and damage to patients’ </a:t>
-            </a:r>
+              <a:t> displacement and damage to patients’ files</a:t>
+            </a:r>
+          </a:p>
+          <a:p>
             <a:r>
               <a:rPr lang="en-US" baseline="0" dirty="0" smtClean="0"/>
-              <a:t>files</a:t>
-            </a:r>
-          </a:p>
-          <a:p>
-            <a:r>
-              <a:rPr lang="en-US" baseline="0" dirty="0" smtClean="0"/>
-              <a:t> - Eliminate </a:t>
-            </a:r>
-            <a:r>
-              <a:rPr lang="en-US" baseline="0" dirty="0" smtClean="0"/>
-              <a:t>identity </a:t>
-            </a:r>
-            <a:r>
-              <a:rPr lang="en-US" baseline="0" dirty="0" smtClean="0"/>
-              <a:t>theft</a:t>
+              <a:t> - Eliminate identity theft</a:t>
             </a:r>
           </a:p>
           <a:p>
@@ -4327,8 +4295,8 @@
         </p:nvSpPr>
         <p:spPr>
           <a:xfrm>
-            <a:off x="685800" y="1295400"/>
-            <a:ext cx="7772400" cy="2305051"/>
+            <a:off x="685800" y="533400"/>
+            <a:ext cx="7772400" cy="3067051"/>
           </a:xfrm>
         </p:spPr>
         <p:txBody>
@@ -4337,6 +4305,7 @@
           </a:bodyPr>
           <a:lstStyle/>
           <a:p>
+            <a:pPr algn="ctr"/>
             <a:r>
               <a:rPr lang="en-US" sz="8000" dirty="0" smtClean="0"/>
               <a:t>SEMRS:</a:t>
@@ -4376,22 +4345,21 @@
           <a:bodyPr/>
           <a:lstStyle/>
           <a:p>
+            <a:pPr algn="ctr"/>
             <a:r>
               <a:rPr lang="en-US" dirty="0" smtClean="0"/>
               <a:t>Ryan Kane and Ricky Orndorff </a:t>
             </a:r>
           </a:p>
           <a:p>
+            <a:pPr algn="ctr"/>
             <a:r>
               <a:rPr lang="en-US" dirty="0" smtClean="0"/>
-              <a:t>CS475 - </a:t>
-            </a:r>
-            <a:r>
-              <a:rPr lang="en-US" dirty="0" smtClean="0"/>
-              <a:t>Senior Project </a:t>
-            </a:r>
-          </a:p>
-          <a:p>
+              <a:t>CS475 - Senior Project </a:t>
+            </a:r>
+          </a:p>
+          <a:p>
+            <a:pPr algn="ctr"/>
             <a:r>
               <a:rPr lang="en-US" dirty="0" smtClean="0"/>
               <a:t>29</a:t>
@@ -4488,7 +4456,7 @@
         <p:spPr>
           <a:xfrm>
             <a:off x="914400" y="1600201"/>
-            <a:ext cx="7467600" cy="4709160"/>
+            <a:ext cx="7772400" cy="4709160"/>
           </a:xfrm>
         </p:spPr>
         <p:txBody>
@@ -4504,11 +4472,11 @@
             </a:pPr>
             <a:r>
               <a:rPr lang="en-US" sz="3200" dirty="0" smtClean="0"/>
-              <a:t>Motivation- Why we chose this </a:t>
+              <a:t>Motivation - </a:t>
             </a:r>
             <a:r>
               <a:rPr lang="en-US" sz="3200" dirty="0" smtClean="0"/>
-              <a:t>project? </a:t>
+              <a:t>Why we chose this project? </a:t>
             </a:r>
           </a:p>
           <a:p>
@@ -4519,15 +4487,11 @@
             </a:pPr>
             <a:r>
               <a:rPr lang="en-US" sz="3200" dirty="0" smtClean="0"/>
-              <a:t>Problem- </a:t>
+              <a:t>Problem - </a:t>
             </a:r>
             <a:r>
               <a:rPr lang="en-US" sz="3200" dirty="0" smtClean="0"/>
-              <a:t>What we are </a:t>
-            </a:r>
-            <a:r>
-              <a:rPr lang="en-US" sz="3200" dirty="0" smtClean="0"/>
-              <a:t>solving?</a:t>
+              <a:t>What we are solving?</a:t>
             </a:r>
           </a:p>
           <a:p>
@@ -4538,15 +4502,11 @@
             </a:pPr>
             <a:r>
               <a:rPr lang="en-US" sz="3200" dirty="0" smtClean="0"/>
-              <a:t>Solution- </a:t>
+              <a:t>Solution - </a:t>
             </a:r>
             <a:r>
               <a:rPr lang="en-US" sz="3200" dirty="0" smtClean="0"/>
-              <a:t>How we are fixing </a:t>
-            </a:r>
-            <a:r>
-              <a:rPr lang="en-US" sz="3200" dirty="0" smtClean="0"/>
-              <a:t>it?</a:t>
+              <a:t>How we are fixing it?</a:t>
             </a:r>
             <a:endParaRPr lang="en-US" sz="3200" dirty="0"/>
           </a:p>
@@ -4648,13 +4608,8 @@
             </a:pPr>
             <a:r>
               <a:rPr lang="en-US" sz="2800" dirty="0" smtClean="0"/>
-              <a:t>Healthcare world </a:t>
-            </a:r>
-            <a:r>
-              <a:rPr lang="en-US" sz="2800" dirty="0" smtClean="0"/>
-              <a:t>moving away from paper records.</a:t>
-            </a:r>
-            <a:endParaRPr lang="en-US" sz="2800" dirty="0" smtClean="0"/>
+              <a:t>Healthcare world moving away from paper records.</a:t>
+            </a:r>
           </a:p>
           <a:p>
             <a:pPr>
@@ -4664,13 +4619,8 @@
             </a:pPr>
             <a:r>
               <a:rPr lang="en-US" sz="2800" dirty="0" smtClean="0"/>
-              <a:t>Medical data is now </a:t>
-            </a:r>
-            <a:r>
-              <a:rPr lang="en-US" sz="2800" dirty="0" smtClean="0"/>
-              <a:t>computerized.</a:t>
-            </a:r>
-            <a:endParaRPr lang="en-US" sz="2800" dirty="0" smtClean="0"/>
+              <a:t>Medical data is now computerized.</a:t>
+            </a:r>
           </a:p>
           <a:p>
             <a:pPr>
@@ -4680,15 +4630,7 @@
             </a:pPr>
             <a:r>
               <a:rPr lang="en-US" sz="2800" dirty="0" smtClean="0"/>
-              <a:t>How private </a:t>
-            </a:r>
-            <a:r>
-              <a:rPr lang="en-US" sz="2800" dirty="0" smtClean="0"/>
-              <a:t>are these </a:t>
-            </a:r>
-            <a:r>
-              <a:rPr lang="en-US" sz="2800" dirty="0" smtClean="0"/>
-              <a:t>records? </a:t>
+              <a:t>How private are these records? </a:t>
             </a:r>
           </a:p>
           <a:p>
@@ -4699,15 +4641,7 @@
             </a:pPr>
             <a:r>
               <a:rPr lang="en-US" sz="2800" dirty="0" smtClean="0"/>
-              <a:t>Who has </a:t>
-            </a:r>
-            <a:r>
-              <a:rPr lang="en-US" sz="2800" dirty="0" smtClean="0"/>
-              <a:t>access to </a:t>
-            </a:r>
-            <a:r>
-              <a:rPr lang="en-US" sz="2800" dirty="0" smtClean="0"/>
-              <a:t>these records? </a:t>
+              <a:t>Who has access to these records? </a:t>
             </a:r>
             <a:endParaRPr lang="en-US" sz="2800" dirty="0"/>
           </a:p>
@@ -4866,15 +4800,7 @@
             </a:pPr>
             <a:r>
               <a:rPr lang="en-US" sz="2800" dirty="0" smtClean="0"/>
-              <a:t>Few </a:t>
-            </a:r>
-            <a:r>
-              <a:rPr lang="en-US" sz="2800" dirty="0" smtClean="0"/>
-              <a:t>web enabled EMR </a:t>
-            </a:r>
-            <a:r>
-              <a:rPr lang="en-US" sz="2800" dirty="0" smtClean="0"/>
-              <a:t>systems:</a:t>
+              <a:t>Few web enabled EMR systems:</a:t>
             </a:r>
           </a:p>
           <a:p>
@@ -4911,17 +4837,8 @@
             </a:r>
             <a:r>
               <a:rPr lang="en-US" sz="2800" dirty="0" smtClean="0"/>
-              <a:t>- </a:t>
-            </a:r>
-            <a:r>
-              <a:rPr lang="en-US" sz="2800" dirty="0" smtClean="0"/>
-              <a:t>one of the most widely </a:t>
-            </a:r>
-            <a:r>
-              <a:rPr lang="en-US" sz="2800" dirty="0" smtClean="0"/>
-              <a:t>used</a:t>
-            </a:r>
-            <a:endParaRPr lang="en-US" sz="2800" dirty="0" smtClean="0"/>
+              <a:t>- one of the most widely used</a:t>
+            </a:r>
           </a:p>
         </p:txBody>
       </p:sp>
@@ -4986,11 +4903,7 @@
           <a:p>
             <a:r>
               <a:rPr lang="en-US" dirty="0" smtClean="0"/>
-              <a:t>How SEMRS is </a:t>
-            </a:r>
-            <a:r>
-              <a:rPr lang="en-US" dirty="0" smtClean="0"/>
-              <a:t>Different?</a:t>
+              <a:t>How SEMRS is Different?</a:t>
             </a:r>
             <a:endParaRPr lang="en-US" dirty="0"/>
           </a:p>
@@ -5036,11 +4949,7 @@
             </a:pPr>
             <a:r>
               <a:rPr lang="en-US" sz="2800" dirty="0" smtClean="0"/>
-              <a:t>Much simpler </a:t>
-            </a:r>
-            <a:r>
-              <a:rPr lang="en-US" sz="2800" dirty="0" smtClean="0"/>
-              <a:t>than </a:t>
+              <a:t>Much simpler than </a:t>
             </a:r>
             <a:r>
               <a:rPr lang="en-US" sz="2800" dirty="0" err="1" smtClean="0"/>
@@ -5137,8 +5046,8 @@
         </p:nvSpPr>
         <p:spPr>
           <a:xfrm>
-            <a:off x="914400" y="2514601"/>
-            <a:ext cx="7315200" cy="3794760"/>
+            <a:off x="914400" y="1752600"/>
+            <a:ext cx="7315200" cy="4556761"/>
           </a:xfrm>
         </p:spPr>
         <p:txBody>
@@ -5154,15 +5063,7 @@
             </a:pPr>
             <a:r>
               <a:rPr lang="en-US" sz="3200" dirty="0" smtClean="0"/>
-              <a:t>Patient </a:t>
-            </a:r>
-            <a:r>
-              <a:rPr lang="en-US" sz="3200" dirty="0" smtClean="0"/>
-              <a:t>records </a:t>
-            </a:r>
-            <a:r>
-              <a:rPr lang="en-US" sz="3200" dirty="0" smtClean="0"/>
-              <a:t>encrypted.</a:t>
+              <a:t>Patient records encrypted.</a:t>
             </a:r>
           </a:p>
           <a:p>
@@ -5173,15 +5074,7 @@
             </a:pPr>
             <a:r>
               <a:rPr lang="en-US" sz="3200" dirty="0" smtClean="0"/>
-              <a:t>User </a:t>
-            </a:r>
-            <a:r>
-              <a:rPr lang="en-US" sz="3200" dirty="0" smtClean="0"/>
-              <a:t>access </a:t>
-            </a:r>
-            <a:r>
-              <a:rPr lang="en-US" sz="3200" dirty="0" smtClean="0"/>
-              <a:t>controls.</a:t>
+              <a:t>User access controls.</a:t>
             </a:r>
           </a:p>
           <a:p>
@@ -5196,17 +5089,8 @@
             </a:r>
             <a:r>
               <a:rPr lang="en-US" sz="3200" dirty="0" smtClean="0"/>
-              <a:t>emote </a:t>
-            </a:r>
-            <a:r>
-              <a:rPr lang="en-US" sz="3200" dirty="0" smtClean="0"/>
-              <a:t>access from a web </a:t>
-            </a:r>
-            <a:r>
-              <a:rPr lang="en-US" sz="3200" dirty="0" smtClean="0"/>
-              <a:t>browser.</a:t>
-            </a:r>
-            <a:endParaRPr lang="en-US" sz="3200" dirty="0" smtClean="0"/>
+              <a:t>emote access from a web browser.</a:t>
+            </a:r>
           </a:p>
         </p:txBody>
       </p:sp>
@@ -5289,8 +5173,8 @@
         </p:nvSpPr>
         <p:spPr>
           <a:xfrm>
-            <a:off x="914400" y="2667001"/>
-            <a:ext cx="7315200" cy="3642360"/>
+            <a:off x="914400" y="1600200"/>
+            <a:ext cx="7315200" cy="4709161"/>
           </a:xfrm>
         </p:spPr>
         <p:txBody>
@@ -5306,13 +5190,8 @@
             </a:pPr>
             <a:r>
               <a:rPr lang="en-US" sz="2800" dirty="0" smtClean="0"/>
-              <a:t>Successfully Login as </a:t>
-            </a:r>
-            <a:r>
-              <a:rPr lang="en-US" sz="2800" dirty="0" smtClean="0"/>
-              <a:t>Admin or Physician</a:t>
-            </a:r>
-            <a:endParaRPr lang="en-US" sz="2800" dirty="0" smtClean="0"/>
+              <a:t>Successfully Login as Admin or Physician</a:t>
+            </a:r>
           </a:p>
           <a:p>
             <a:pPr>
@@ -5344,11 +5223,7 @@
             </a:pPr>
             <a:r>
               <a:rPr lang="en-US" sz="2800" dirty="0" smtClean="0"/>
-              <a:t>Add </a:t>
-            </a:r>
-            <a:r>
-              <a:rPr lang="en-US" sz="2800" dirty="0" smtClean="0"/>
-              <a:t>Patients</a:t>
+              <a:t>Add Patients</a:t>
             </a:r>
             <a:endParaRPr lang="en-US" sz="2800" dirty="0"/>
           </a:p>
@@ -5433,8 +5308,8 @@
         </p:nvSpPr>
         <p:spPr>
           <a:xfrm>
-            <a:off x="914400" y="2590801"/>
-            <a:ext cx="7391400" cy="3718560"/>
+            <a:off x="914400" y="1752600"/>
+            <a:ext cx="7391400" cy="4556761"/>
           </a:xfrm>
         </p:spPr>
         <p:txBody>
@@ -5450,11 +5325,7 @@
             </a:pPr>
             <a:r>
               <a:rPr lang="en-US" sz="2800" dirty="0" smtClean="0"/>
-              <a:t>Successful Login for all User Account </a:t>
-            </a:r>
-            <a:r>
-              <a:rPr lang="en-US" sz="2800" dirty="0" smtClean="0"/>
-              <a:t>types.</a:t>
+              <a:t>Successful Login for all User Account types.</a:t>
             </a:r>
           </a:p>
           <a:p>
@@ -5465,17 +5336,8 @@
             </a:pPr>
             <a:r>
               <a:rPr lang="en-US" sz="2800" dirty="0" smtClean="0"/>
-              <a:t>Encrypting </a:t>
-            </a:r>
-            <a:r>
-              <a:rPr lang="en-US" sz="2800" dirty="0" smtClean="0"/>
-              <a:t>information in </a:t>
-            </a:r>
-            <a:r>
-              <a:rPr lang="en-US" sz="2800" dirty="0" smtClean="0"/>
-              <a:t>database.</a:t>
-            </a:r>
-            <a:endParaRPr lang="en-US" sz="2800" dirty="0" smtClean="0"/>
+              <a:t>Encrypting information in database.</a:t>
+            </a:r>
           </a:p>
         </p:txBody>
       </p:sp>

--- a/MidTerm/Midterm_presentation_SEMRS.pptx
+++ b/MidTerm/Midterm_presentation_SEMRS.pptx
@@ -910,16 +910,362 @@
             <a:endParaRPr lang="en-US" dirty="0" smtClean="0"/>
           </a:p>
           <a:p>
+            <a:endParaRPr lang="en-US" dirty="0" smtClean="0"/>
+          </a:p>
+          <a:p>
             <a:r>
               <a:rPr lang="en-US" dirty="0" smtClean="0"/>
               <a:t>THIRRA-  </a:t>
             </a:r>
+            <a:r>
+              <a:rPr lang="en-US" sz="1200" b="0" i="0" kern="1200" dirty="0" smtClean="0">
+                <a:solidFill>
+                  <a:schemeClr val="tx1"/>
+                </a:solidFill>
+                <a:effectLst/>
+                <a:latin typeface="+mn-lt"/>
+                <a:ea typeface="+mn-ea"/>
+                <a:cs typeface="+mn-cs"/>
+              </a:rPr>
+              <a:t> project title Portable System </a:t>
+            </a:r>
+            <a:r>
+              <a:rPr lang="en-US" sz="1200" b="0" i="0" kern="1200" dirty="0" err="1" smtClean="0">
+                <a:solidFill>
+                  <a:schemeClr val="tx1"/>
+                </a:solidFill>
+                <a:effectLst/>
+                <a:latin typeface="+mn-lt"/>
+                <a:ea typeface="+mn-ea"/>
+                <a:cs typeface="+mn-cs"/>
+              </a:rPr>
+              <a:t>for</a:t>
+            </a:r>
+            <a:r>
+              <a:rPr lang="en-US" sz="1200" b="1" i="0" kern="1200" dirty="0" err="1" smtClean="0">
+                <a:solidFill>
+                  <a:schemeClr val="tx1"/>
+                </a:solidFill>
+                <a:effectLst/>
+                <a:latin typeface="+mn-lt"/>
+                <a:ea typeface="+mn-ea"/>
+                <a:cs typeface="+mn-cs"/>
+              </a:rPr>
+              <a:t>T</a:t>
+            </a:r>
+            <a:r>
+              <a:rPr lang="en-US" sz="1200" b="0" i="0" kern="1200" dirty="0" err="1" smtClean="0">
+                <a:solidFill>
+                  <a:schemeClr val="tx1"/>
+                </a:solidFill>
+                <a:effectLst/>
+                <a:latin typeface="+mn-lt"/>
+                <a:ea typeface="+mn-ea"/>
+                <a:cs typeface="+mn-cs"/>
+              </a:rPr>
+              <a:t>eleHealth</a:t>
+            </a:r>
+            <a:r>
+              <a:rPr lang="en-US" sz="1200" b="0" i="0" kern="1200" dirty="0" smtClean="0">
+                <a:solidFill>
+                  <a:schemeClr val="tx1"/>
+                </a:solidFill>
+                <a:effectLst/>
+                <a:latin typeface="+mn-lt"/>
+                <a:ea typeface="+mn-ea"/>
+                <a:cs typeface="+mn-cs"/>
+              </a:rPr>
+              <a:t> and </a:t>
+            </a:r>
+            <a:r>
+              <a:rPr lang="en-US" sz="1200" b="1" i="0" kern="1200" dirty="0" smtClean="0">
+                <a:solidFill>
+                  <a:schemeClr val="tx1"/>
+                </a:solidFill>
+                <a:effectLst/>
+                <a:latin typeface="+mn-lt"/>
+                <a:ea typeface="+mn-ea"/>
+                <a:cs typeface="+mn-cs"/>
+              </a:rPr>
+              <a:t>H</a:t>
+            </a:r>
+            <a:r>
+              <a:rPr lang="en-US" sz="1200" b="0" i="0" kern="1200" dirty="0" smtClean="0">
+                <a:solidFill>
+                  <a:schemeClr val="tx1"/>
+                </a:solidFill>
+                <a:effectLst/>
+                <a:latin typeface="+mn-lt"/>
+                <a:ea typeface="+mn-ea"/>
+                <a:cs typeface="+mn-cs"/>
+              </a:rPr>
+              <a:t>ealth </a:t>
+            </a:r>
+            <a:r>
+              <a:rPr lang="en-US" sz="1200" b="1" i="0" kern="1200" dirty="0" smtClean="0">
+                <a:solidFill>
+                  <a:schemeClr val="tx1"/>
+                </a:solidFill>
+                <a:effectLst/>
+                <a:latin typeface="+mn-lt"/>
+                <a:ea typeface="+mn-ea"/>
+                <a:cs typeface="+mn-cs"/>
+              </a:rPr>
+              <a:t>I</a:t>
+            </a:r>
+            <a:r>
+              <a:rPr lang="en-US" sz="1200" b="0" i="0" kern="1200" dirty="0" smtClean="0">
+                <a:solidFill>
+                  <a:schemeClr val="tx1"/>
+                </a:solidFill>
+                <a:effectLst/>
+                <a:latin typeface="+mn-lt"/>
+                <a:ea typeface="+mn-ea"/>
+                <a:cs typeface="+mn-cs"/>
+              </a:rPr>
+              <a:t>nformatics for </a:t>
+            </a:r>
+            <a:r>
+              <a:rPr lang="en-US" sz="1200" b="1" i="0" kern="1200" dirty="0" smtClean="0">
+                <a:solidFill>
+                  <a:schemeClr val="tx1"/>
+                </a:solidFill>
+                <a:effectLst/>
+                <a:latin typeface="+mn-lt"/>
+                <a:ea typeface="+mn-ea"/>
+                <a:cs typeface="+mn-cs"/>
+              </a:rPr>
+              <a:t>R</a:t>
+            </a:r>
+            <a:r>
+              <a:rPr lang="en-US" sz="1200" b="0" i="0" kern="1200" dirty="0" smtClean="0">
+                <a:solidFill>
+                  <a:schemeClr val="tx1"/>
+                </a:solidFill>
+                <a:effectLst/>
+                <a:latin typeface="+mn-lt"/>
+                <a:ea typeface="+mn-ea"/>
+                <a:cs typeface="+mn-cs"/>
+              </a:rPr>
+              <a:t>ural and </a:t>
+            </a:r>
+            <a:r>
+              <a:rPr lang="en-US" sz="1200" b="1" i="0" kern="1200" dirty="0" smtClean="0">
+                <a:solidFill>
+                  <a:schemeClr val="tx1"/>
+                </a:solidFill>
+                <a:effectLst/>
+                <a:latin typeface="+mn-lt"/>
+                <a:ea typeface="+mn-ea"/>
+                <a:cs typeface="+mn-cs"/>
+              </a:rPr>
+              <a:t>R</a:t>
+            </a:r>
+            <a:r>
+              <a:rPr lang="en-US" sz="1200" b="0" i="0" kern="1200" dirty="0" smtClean="0">
+                <a:solidFill>
+                  <a:schemeClr val="tx1"/>
+                </a:solidFill>
+                <a:effectLst/>
+                <a:latin typeface="+mn-lt"/>
+                <a:ea typeface="+mn-ea"/>
+                <a:cs typeface="+mn-cs"/>
+              </a:rPr>
+              <a:t>emote </a:t>
+            </a:r>
+            <a:r>
+              <a:rPr lang="en-US" sz="1200" b="1" i="0" kern="1200" dirty="0" smtClean="0">
+                <a:solidFill>
+                  <a:schemeClr val="tx1"/>
+                </a:solidFill>
+                <a:effectLst/>
+                <a:latin typeface="+mn-lt"/>
+                <a:ea typeface="+mn-ea"/>
+                <a:cs typeface="+mn-cs"/>
+              </a:rPr>
+              <a:t>A</a:t>
+            </a:r>
+            <a:r>
+              <a:rPr lang="en-US" sz="1200" b="0" i="0" kern="1200" dirty="0" smtClean="0">
+                <a:solidFill>
+                  <a:schemeClr val="tx1"/>
+                </a:solidFill>
+                <a:effectLst/>
+                <a:latin typeface="+mn-lt"/>
+                <a:ea typeface="+mn-ea"/>
+                <a:cs typeface="+mn-cs"/>
+              </a:rPr>
+              <a:t>reas. </a:t>
+            </a:r>
+          </a:p>
+          <a:p>
+            <a:r>
+              <a:rPr lang="en-US" sz="1200" b="0" i="0" kern="1200" dirty="0" smtClean="0">
+                <a:solidFill>
+                  <a:schemeClr val="tx1"/>
+                </a:solidFill>
+                <a:effectLst/>
+                <a:latin typeface="+mn-lt"/>
+                <a:ea typeface="+mn-ea"/>
+                <a:cs typeface="+mn-cs"/>
+              </a:rPr>
+              <a:t>Started in 2007,</a:t>
+            </a:r>
+            <a:r>
+              <a:rPr lang="en-US" sz="1200" b="0" i="0" kern="1200" baseline="0" dirty="0" smtClean="0">
+                <a:solidFill>
+                  <a:schemeClr val="tx1"/>
+                </a:solidFill>
+                <a:effectLst/>
+                <a:latin typeface="+mn-lt"/>
+                <a:ea typeface="+mn-ea"/>
+                <a:cs typeface="+mn-cs"/>
+              </a:rPr>
+              <a:t> Written in PHP, with a </a:t>
+            </a:r>
+            <a:r>
+              <a:rPr lang="en-US" sz="1200" b="0" i="0" kern="1200" baseline="0" dirty="0" err="1" smtClean="0">
+                <a:solidFill>
+                  <a:schemeClr val="tx1"/>
+                </a:solidFill>
+                <a:effectLst/>
+                <a:latin typeface="+mn-lt"/>
+                <a:ea typeface="+mn-ea"/>
+                <a:cs typeface="+mn-cs"/>
+              </a:rPr>
+              <a:t>PostgreSQL</a:t>
+            </a:r>
+            <a:r>
+              <a:rPr lang="en-US" sz="1200" b="0" i="0" kern="1200" baseline="0" dirty="0" smtClean="0">
+                <a:solidFill>
+                  <a:schemeClr val="tx1"/>
+                </a:solidFill>
+                <a:effectLst/>
+                <a:latin typeface="+mn-lt"/>
+                <a:ea typeface="+mn-ea"/>
+                <a:cs typeface="+mn-cs"/>
+              </a:rPr>
+              <a:t> database backend. </a:t>
+            </a:r>
+          </a:p>
+          <a:p>
+            <a:endParaRPr lang="en-US" dirty="0" smtClean="0"/>
           </a:p>
           <a:p>
             <a:r>
               <a:rPr lang="en-US" baseline="0" dirty="0" smtClean="0"/>
               <a:t>ZEPRS- </a:t>
             </a:r>
+            <a:r>
+              <a:rPr lang="en-US" sz="1200" b="0" i="0" kern="1200" dirty="0" smtClean="0">
+                <a:solidFill>
+                  <a:schemeClr val="tx1"/>
+                </a:solidFill>
+                <a:effectLst/>
+                <a:latin typeface="+mn-lt"/>
+                <a:ea typeface="+mn-ea"/>
+                <a:cs typeface="+mn-cs"/>
+              </a:rPr>
+              <a:t>The </a:t>
+            </a:r>
+            <a:r>
+              <a:rPr lang="en-US" sz="1200" b="1" i="0" kern="1200" dirty="0" smtClean="0">
+                <a:solidFill>
+                  <a:schemeClr val="tx1"/>
+                </a:solidFill>
+                <a:effectLst/>
+                <a:latin typeface="+mn-lt"/>
+                <a:ea typeface="+mn-ea"/>
+                <a:cs typeface="+mn-cs"/>
+              </a:rPr>
+              <a:t>Zambia Electronic </a:t>
+            </a:r>
+            <a:r>
+              <a:rPr lang="en-US" sz="1200" b="1" i="0" u="none" strike="noStrike" kern="1200" dirty="0" smtClean="0">
+                <a:solidFill>
+                  <a:schemeClr val="tx1"/>
+                </a:solidFill>
+                <a:effectLst/>
+                <a:latin typeface="+mn-lt"/>
+                <a:ea typeface="+mn-ea"/>
+                <a:cs typeface="+mn-cs"/>
+                <a:hlinkClick r:id="rId3" tooltip="Perinatal"/>
+              </a:rPr>
+              <a:t>Perinatal</a:t>
+            </a:r>
+            <a:r>
+              <a:rPr lang="en-US" sz="1200" b="1" i="0" kern="1200" dirty="0" smtClean="0">
+                <a:solidFill>
+                  <a:schemeClr val="tx1"/>
+                </a:solidFill>
+                <a:effectLst/>
+                <a:latin typeface="+mn-lt"/>
+                <a:ea typeface="+mn-ea"/>
+                <a:cs typeface="+mn-cs"/>
+              </a:rPr>
+              <a:t> Record System</a:t>
+            </a:r>
+            <a:r>
+              <a:rPr lang="en-US" sz="1200" b="0" i="0" kern="1200" dirty="0" smtClean="0">
+                <a:solidFill>
+                  <a:schemeClr val="tx1"/>
+                </a:solidFill>
+                <a:effectLst/>
+                <a:latin typeface="+mn-lt"/>
+                <a:ea typeface="+mn-ea"/>
+                <a:cs typeface="+mn-cs"/>
+              </a:rPr>
+              <a:t> (</a:t>
+            </a:r>
+            <a:r>
+              <a:rPr lang="en-US" sz="1200" b="1" i="0" kern="1200" dirty="0" smtClean="0">
+                <a:solidFill>
+                  <a:schemeClr val="tx1"/>
+                </a:solidFill>
+                <a:effectLst/>
+                <a:latin typeface="+mn-lt"/>
+                <a:ea typeface="+mn-ea"/>
+                <a:cs typeface="+mn-cs"/>
+              </a:rPr>
+              <a:t>ZEPRS</a:t>
+            </a:r>
+            <a:r>
+              <a:rPr lang="en-US" sz="1200" b="0" i="0" kern="1200" dirty="0" smtClean="0">
+                <a:solidFill>
+                  <a:schemeClr val="tx1"/>
+                </a:solidFill>
+                <a:effectLst/>
+                <a:latin typeface="+mn-lt"/>
+                <a:ea typeface="+mn-ea"/>
+                <a:cs typeface="+mn-cs"/>
+              </a:rPr>
+              <a:t>) </a:t>
+            </a:r>
+          </a:p>
+          <a:p>
+            <a:r>
+              <a:rPr lang="en-US" sz="1200" b="0" i="0" kern="1200" dirty="0" smtClean="0">
+                <a:solidFill>
+                  <a:schemeClr val="tx1"/>
+                </a:solidFill>
+                <a:effectLst/>
+                <a:latin typeface="+mn-lt"/>
+                <a:ea typeface="+mn-ea"/>
+                <a:cs typeface="+mn-cs"/>
+              </a:rPr>
+              <a:t>- For an obesity clinic</a:t>
+            </a:r>
+            <a:endParaRPr lang="en-US" dirty="0" smtClean="0"/>
+          </a:p>
+          <a:p>
+            <a:r>
+              <a:rPr lang="en-US" dirty="0" smtClean="0"/>
+              <a:t>-lacks security measures</a:t>
+            </a:r>
+            <a:r>
+              <a:rPr lang="en-US" baseline="0" dirty="0" smtClean="0"/>
+              <a:t> (i.e. encryption) </a:t>
+            </a:r>
             <a:endParaRPr lang="en-US" dirty="0" smtClean="0"/>
           </a:p>
           <a:p>
@@ -932,7 +1278,11 @@
             </a:r>
             <a:r>
               <a:rPr lang="en-US" dirty="0" smtClean="0"/>
-              <a:t> V 1.0 released in June 2001</a:t>
+              <a:t> </a:t>
+            </a:r>
+            <a:r>
+              <a:rPr lang="en-US" dirty="0" smtClean="0"/>
+              <a:t>V 1.0 released in June 2001</a:t>
             </a:r>
           </a:p>
           <a:p>
@@ -1024,6 +1374,20 @@
           <a:bodyPr/>
           <a:lstStyle/>
           <a:p>
+            <a:r>
+              <a:rPr lang="en-US" dirty="0" smtClean="0"/>
+              <a:t>-Taken out financial data</a:t>
+            </a:r>
+            <a:r>
+              <a:rPr lang="en-US" baseline="0" dirty="0" smtClean="0"/>
+              <a:t> </a:t>
+            </a:r>
+          </a:p>
+          <a:p>
+            <a:r>
+              <a:rPr lang="en-US" baseline="0" dirty="0" smtClean="0"/>
+              <a:t>-Safeguard, (electronic paper trail) </a:t>
+            </a:r>
             <a:endParaRPr lang="en-US" dirty="0"/>
           </a:p>
         </p:txBody>
@@ -4435,6 +4799,7 @@
           </a:bodyPr>
           <a:lstStyle/>
           <a:p>
+            <a:pPr algn="ctr"/>
             <a:r>
               <a:rPr lang="en-US" dirty="0" smtClean="0"/>
               <a:t>Summary of SEMRS</a:t>
@@ -4472,11 +4837,7 @@
             </a:pPr>
             <a:r>
               <a:rPr lang="en-US" sz="3200" dirty="0" smtClean="0"/>
-              <a:t>Motivation - </a:t>
-            </a:r>
-            <a:r>
-              <a:rPr lang="en-US" sz="3200" dirty="0" smtClean="0"/>
-              <a:t>Why we chose this project? </a:t>
+              <a:t>Motivation - Why we chose this project? </a:t>
             </a:r>
           </a:p>
           <a:p>
@@ -4487,11 +4848,7 @@
             </a:pPr>
             <a:r>
               <a:rPr lang="en-US" sz="3200" dirty="0" smtClean="0"/>
-              <a:t>Problem - </a:t>
-            </a:r>
-            <a:r>
-              <a:rPr lang="en-US" sz="3200" dirty="0" smtClean="0"/>
-              <a:t>What we are solving?</a:t>
+              <a:t>Problem - What we are solving?</a:t>
             </a:r>
           </a:p>
           <a:p>
@@ -4502,11 +4859,7 @@
             </a:pPr>
             <a:r>
               <a:rPr lang="en-US" sz="3200" dirty="0" smtClean="0"/>
-              <a:t>Solution - </a:t>
-            </a:r>
-            <a:r>
-              <a:rPr lang="en-US" sz="3200" dirty="0" smtClean="0"/>
-              <a:t>How we are fixing it?</a:t>
+              <a:t>Solution - How we are fixing it?</a:t>
             </a:r>
             <a:endParaRPr lang="en-US" sz="3200" dirty="0"/>
           </a:p>
@@ -4571,6 +4924,7 @@
           </a:bodyPr>
           <a:lstStyle/>
           <a:p>
+            <a:pPr algn="ctr"/>
             <a:r>
               <a:rPr lang="en-US" dirty="0" smtClean="0"/>
               <a:t>Medical Databases Overview </a:t>
@@ -4747,6 +5101,7 @@
           </a:bodyPr>
           <a:lstStyle/>
           <a:p>
+            <a:pPr algn="ctr"/>
             <a:r>
               <a:rPr lang="en-US" dirty="0" smtClean="0"/>
               <a:t>History of Past EMR Systems</a:t>
@@ -4901,6 +5256,7 @@
           </a:bodyPr>
           <a:lstStyle/>
           <a:p>
+            <a:pPr algn="ctr"/>
             <a:r>
               <a:rPr lang="en-US" dirty="0" smtClean="0"/>
               <a:t>How SEMRS is Different?</a:t>
@@ -4938,8 +5294,13 @@
             </a:pPr>
             <a:r>
               <a:rPr lang="en-US" sz="2800" dirty="0" smtClean="0"/>
-              <a:t>Simply a backup, not meant to replace paper files </a:t>
-            </a:r>
+              <a:t>Simply a backup, not meant to replace paper </a:t>
+            </a:r>
+            <a:r>
+              <a:rPr lang="en-US" sz="2800" dirty="0" smtClean="0"/>
+              <a:t>files. </a:t>
+            </a:r>
+            <a:endParaRPr lang="en-US" sz="2800" dirty="0" smtClean="0"/>
           </a:p>
           <a:p>
             <a:pPr>
@@ -4957,7 +5318,11 @@
             </a:r>
             <a:r>
               <a:rPr lang="en-US" sz="2800" dirty="0" smtClean="0"/>
-              <a:t>, took out many unneeded features </a:t>
+              <a:t>, took out many unneeded </a:t>
+            </a:r>
+            <a:r>
+              <a:rPr lang="en-US" sz="2800" dirty="0" smtClean="0"/>
+              <a:t>features. </a:t>
             </a:r>
             <a:endParaRPr lang="en-US" sz="2800" dirty="0"/>
           </a:p>
@@ -5022,6 +5387,7 @@
           </a:bodyPr>
           <a:lstStyle/>
           <a:p>
+            <a:pPr algn="ctr"/>
             <a:r>
               <a:rPr lang="en-US" dirty="0" smtClean="0"/>
               <a:t>Concepts Incorporated from </a:t>
@@ -5153,6 +5519,7 @@
           </a:bodyPr>
           <a:lstStyle/>
           <a:p>
+            <a:pPr algn="ctr"/>
             <a:r>
               <a:rPr lang="en-US" dirty="0" smtClean="0"/>
               <a:t>Where We are Today</a:t>
@@ -5190,8 +5557,13 @@
             </a:pPr>
             <a:r>
               <a:rPr lang="en-US" sz="2800" dirty="0" smtClean="0"/>
-              <a:t>Successfully Login as Admin or Physician</a:t>
-            </a:r>
+              <a:t>Successfully Login as Admin or </a:t>
+            </a:r>
+            <a:r>
+              <a:rPr lang="en-US" sz="2800" dirty="0" smtClean="0"/>
+              <a:t>Physician.</a:t>
+            </a:r>
+            <a:endParaRPr lang="en-US" sz="2800" dirty="0" smtClean="0"/>
           </a:p>
           <a:p>
             <a:pPr>
@@ -5201,8 +5573,13 @@
             </a:pPr>
             <a:r>
               <a:rPr lang="en-US" sz="2800" dirty="0" smtClean="0"/>
-              <a:t>Logout and return to login screen </a:t>
-            </a:r>
+              <a:t>Logout and return to login </a:t>
+            </a:r>
+            <a:r>
+              <a:rPr lang="en-US" sz="2800" dirty="0" smtClean="0"/>
+              <a:t>screen. </a:t>
+            </a:r>
+            <a:endParaRPr lang="en-US" sz="2800" dirty="0" smtClean="0"/>
           </a:p>
           <a:p>
             <a:pPr>
@@ -5212,8 +5589,13 @@
             </a:pPr>
             <a:r>
               <a:rPr lang="en-US" sz="2800" dirty="0" smtClean="0"/>
-              <a:t>Add/Remove users </a:t>
-            </a:r>
+              <a:t>Add/Remove </a:t>
+            </a:r>
+            <a:r>
+              <a:rPr lang="en-US" sz="2800" dirty="0" smtClean="0"/>
+              <a:t>users. </a:t>
+            </a:r>
+            <a:endParaRPr lang="en-US" sz="2800" dirty="0" smtClean="0"/>
           </a:p>
           <a:p>
             <a:pPr>
@@ -5223,7 +5605,22 @@
             </a:pPr>
             <a:r>
               <a:rPr lang="en-US" sz="2800" dirty="0" smtClean="0"/>
-              <a:t>Add Patients</a:t>
+              <a:t>Add </a:t>
+            </a:r>
+            <a:r>
+              <a:rPr lang="en-US" sz="2800" dirty="0" smtClean="0"/>
+              <a:t>Patients.</a:t>
+            </a:r>
+          </a:p>
+          <a:p>
+            <a:pPr>
+              <a:lnSpc>
+                <a:spcPct val="200000"/>
+              </a:lnSpc>
+            </a:pPr>
+            <a:r>
+              <a:rPr lang="en-US" sz="2800" dirty="0" smtClean="0"/>
+              <a:t>Store patient photos on server file system.</a:t>
             </a:r>
             <a:endParaRPr lang="en-US" sz="2800" dirty="0"/>
           </a:p>
@@ -5288,6 +5685,7 @@
           </a:bodyPr>
           <a:lstStyle/>
           <a:p>
+            <a:pPr algn="ctr"/>
             <a:r>
               <a:rPr lang="en-US" dirty="0" smtClean="0"/>
               <a:t>What Still Needs to be Done </a:t>
@@ -5336,8 +5734,31 @@
             </a:pPr>
             <a:r>
               <a:rPr lang="en-US" sz="2800" dirty="0" smtClean="0"/>
-              <a:t>Encrypting information in database.</a:t>
-            </a:r>
+              <a:t>Encrypting information in database</a:t>
+            </a:r>
+            <a:r>
+              <a:rPr lang="en-US" sz="2800" dirty="0" smtClean="0"/>
+              <a:t>.</a:t>
+            </a:r>
+          </a:p>
+          <a:p>
+            <a:pPr>
+              <a:lnSpc>
+                <a:spcPct val="200000"/>
+              </a:lnSpc>
+            </a:pPr>
+            <a:r>
+              <a:rPr lang="en-US" sz="2800" dirty="0" smtClean="0"/>
+              <a:t>Associate Image with patient. </a:t>
+            </a:r>
+          </a:p>
+          <a:p>
+            <a:pPr>
+              <a:lnSpc>
+                <a:spcPct val="200000"/>
+              </a:lnSpc>
+            </a:pPr>
+            <a:endParaRPr lang="en-US" sz="2800" dirty="0" smtClean="0"/>
           </a:p>
         </p:txBody>
       </p:sp>
@@ -5418,13 +5839,19 @@
             <p:ph type="title"/>
           </p:nvPr>
         </p:nvSpPr>
-        <p:spPr/>
+        <p:spPr>
+          <a:xfrm>
+            <a:off x="0" y="381000"/>
+            <a:ext cx="8458200" cy="793812"/>
+          </a:xfrm>
+        </p:spPr>
         <p:txBody>
           <a:bodyPr>
-            <a:normAutofit fontScale="90000"/>
+            <a:normAutofit/>
           </a:bodyPr>
           <a:lstStyle/>
           <a:p>
+            <a:pPr algn="ctr"/>
             <a:r>
               <a:rPr lang="en-US" dirty="0" smtClean="0"/>
               <a:t>References for this Presentation</a:t>
@@ -5443,7 +5870,12 @@
             <p:ph idx="1"/>
           </p:nvPr>
         </p:nvSpPr>
-        <p:spPr/>
+        <p:spPr>
+          <a:xfrm>
+            <a:off x="914400" y="1905001"/>
+            <a:ext cx="7315200" cy="4404360"/>
+          </a:xfrm>
+        </p:spPr>
         <p:txBody>
           <a:bodyPr>
             <a:normAutofit/>

--- a/MidTerm/Midterm_presentation_SEMRS.pptx
+++ b/MidTerm/Midterm_presentation_SEMRS.pptx
@@ -200,7 +200,7 @@
           <a:p>
             <a:fld id="{F8A13CF6-5412-437F-BBE9-70CB654C0E12}" type="datetimeFigureOut">
               <a:rPr lang="en-US" smtClean="0"/>
-              <a:t>3/28/2012</a:t>
+              <a:t>3/29/2012</a:t>
             </a:fld>
             <a:endParaRPr lang="en-US"/>
           </a:p>
@@ -531,12 +531,13 @@
             </a:pPr>
             <a:r>
               <a:rPr lang="en-US" b="1" dirty="0" smtClean="0"/>
-              <a:t>Why-</a:t>
+              <a:t>Why -</a:t>
             </a:r>
             <a:r>
               <a:rPr lang="en-US" dirty="0" smtClean="0"/>
               <a:t> </a:t>
             </a:r>
+            <a:endParaRPr lang="en-US" dirty="0" smtClean="0"/>
           </a:p>
           <a:p>
             <a:pPr marL="0" marR="0" indent="0" algn="l" defTabSz="914400" rtl="0" eaLnBrk="1" fontAlgn="auto" latinLnBrk="0" hangingPunct="1">
@@ -592,8 +593,9 @@
           <a:p>
             <a:r>
               <a:rPr lang="en-US" b="1" dirty="0" smtClean="0"/>
-              <a:t>What- </a:t>
-            </a:r>
+              <a:t>What - </a:t>
+            </a:r>
+            <a:endParaRPr lang="en-US" b="1" dirty="0" smtClean="0"/>
           </a:p>
           <a:p>
             <a:r>
@@ -621,12 +623,13 @@
           <a:p>
             <a:r>
               <a:rPr lang="en-US" b="1" dirty="0" smtClean="0"/>
-              <a:t>How-</a:t>
+              <a:t>How -</a:t>
             </a:r>
             <a:r>
               <a:rPr lang="en-US" dirty="0" smtClean="0"/>
               <a:t> </a:t>
             </a:r>
+            <a:endParaRPr lang="en-US" dirty="0" smtClean="0"/>
           </a:p>
           <a:p>
             <a:r>
@@ -727,6 +730,131 @@
           <a:bodyPr/>
           <a:lstStyle/>
           <a:p>
+            <a:r>
+              <a:rPr lang="en-US" sz="1200" b="0" i="0" u="none" strike="noStrike" kern="1200" baseline="0" dirty="0" smtClean="0">
+                <a:solidFill>
+                  <a:schemeClr val="tx1"/>
+                </a:solidFill>
+                <a:latin typeface="+mn-lt"/>
+                <a:ea typeface="+mn-ea"/>
+                <a:cs typeface="+mn-cs"/>
+              </a:rPr>
+              <a:t>It is important to weigh patient confidentiality against a public responsibility to support national priorities.</a:t>
+            </a:r>
+          </a:p>
+          <a:p>
+            <a:endParaRPr lang="en-US" sz="1200" b="0" i="0" u="none" strike="noStrike" kern="1200" baseline="0" dirty="0" smtClean="0">
+              <a:solidFill>
+                <a:schemeClr val="tx1"/>
+              </a:solidFill>
+              <a:latin typeface="+mn-lt"/>
+              <a:ea typeface="+mn-ea"/>
+              <a:cs typeface="+mn-cs"/>
+            </a:endParaRPr>
+          </a:p>
+          <a:p>
+            <a:r>
+              <a:rPr lang="en-US" sz="1200" b="0" i="0" u="none" strike="noStrike" kern="1200" baseline="0" dirty="0" smtClean="0">
+                <a:solidFill>
+                  <a:schemeClr val="tx1"/>
+                </a:solidFill>
+                <a:latin typeface="+mn-lt"/>
+                <a:ea typeface="+mn-ea"/>
+                <a:cs typeface="+mn-cs"/>
+              </a:rPr>
+              <a:t>Pros:</a:t>
+            </a:r>
+          </a:p>
+          <a:p>
+            <a:r>
+              <a:rPr lang="en-US" sz="1200" b="0" i="0" u="none" strike="noStrike" kern="1200" baseline="0" dirty="0" smtClean="0">
+                <a:solidFill>
+                  <a:schemeClr val="tx1"/>
+                </a:solidFill>
+                <a:latin typeface="+mn-lt"/>
+                <a:ea typeface="+mn-ea"/>
+                <a:cs typeface="+mn-cs"/>
+              </a:rPr>
+              <a:t> - Hospitals/Clinics more efficient</a:t>
+            </a:r>
+          </a:p>
+          <a:p>
+            <a:r>
+              <a:rPr lang="en-US" sz="1200" b="0" i="0" u="none" strike="noStrike" kern="1200" baseline="0" dirty="0" smtClean="0">
+                <a:solidFill>
+                  <a:schemeClr val="tx1"/>
+                </a:solidFill>
+                <a:latin typeface="+mn-lt"/>
+                <a:ea typeface="+mn-ea"/>
+                <a:cs typeface="+mn-cs"/>
+              </a:rPr>
+              <a:t> - Reduce medical errors</a:t>
+            </a:r>
+          </a:p>
+          <a:p>
+            <a:r>
+              <a:rPr lang="en-US" sz="1200" b="0" i="0" u="none" strike="noStrike" kern="1200" baseline="0" dirty="0" smtClean="0">
+                <a:solidFill>
+                  <a:schemeClr val="tx1"/>
+                </a:solidFill>
+                <a:latin typeface="+mn-lt"/>
+                <a:ea typeface="+mn-ea"/>
+                <a:cs typeface="+mn-cs"/>
+              </a:rPr>
+              <a:t> - Lower healthcare costs</a:t>
+            </a:r>
+          </a:p>
+          <a:p>
+            <a:endParaRPr lang="en-US" sz="1200" b="0" i="0" u="none" strike="noStrike" kern="1200" baseline="0" dirty="0" smtClean="0">
+              <a:solidFill>
+                <a:schemeClr val="tx1"/>
+              </a:solidFill>
+              <a:latin typeface="+mn-lt"/>
+              <a:ea typeface="+mn-ea"/>
+              <a:cs typeface="+mn-cs"/>
+            </a:endParaRPr>
+          </a:p>
+          <a:p>
+            <a:endParaRPr lang="en-US" sz="1200" b="0" i="0" u="none" strike="noStrike" kern="1200" baseline="0" dirty="0" smtClean="0">
+              <a:solidFill>
+                <a:schemeClr val="tx1"/>
+              </a:solidFill>
+              <a:latin typeface="+mn-lt"/>
+              <a:ea typeface="+mn-ea"/>
+              <a:cs typeface="+mn-cs"/>
+            </a:endParaRPr>
+          </a:p>
+          <a:p>
+            <a:endParaRPr lang="en-US" sz="1200" b="0" i="0" u="none" strike="noStrike" kern="1200" baseline="0" dirty="0" smtClean="0">
+              <a:solidFill>
+                <a:schemeClr val="tx1"/>
+              </a:solidFill>
+              <a:latin typeface="+mn-lt"/>
+              <a:ea typeface="+mn-ea"/>
+              <a:cs typeface="+mn-cs"/>
+            </a:endParaRPr>
+          </a:p>
+          <a:p>
+            <a:endParaRPr lang="en-US" sz="1200" b="0" i="0" u="none" strike="noStrike" kern="1200" baseline="0" dirty="0" smtClean="0">
+              <a:solidFill>
+                <a:schemeClr val="tx1"/>
+              </a:solidFill>
+              <a:latin typeface="+mn-lt"/>
+              <a:ea typeface="+mn-ea"/>
+              <a:cs typeface="+mn-cs"/>
+            </a:endParaRPr>
+          </a:p>
+          <a:p>
+            <a:endParaRPr lang="en-US" sz="1200" b="0" i="0" u="none" strike="noStrike" kern="1200" baseline="0" dirty="0" smtClean="0">
+              <a:solidFill>
+                <a:schemeClr val="tx1"/>
+              </a:solidFill>
+              <a:latin typeface="+mn-lt"/>
+              <a:ea typeface="+mn-ea"/>
+              <a:cs typeface="+mn-cs"/>
+            </a:endParaRPr>
+          </a:p>
+          <a:p>
             <a:endParaRPr lang="en-US" dirty="0"/>
           </a:p>
         </p:txBody>
@@ -1278,11 +1406,7 @@
             </a:r>
             <a:r>
               <a:rPr lang="en-US" dirty="0" smtClean="0"/>
-              <a:t> </a:t>
-            </a:r>
-            <a:r>
-              <a:rPr lang="en-US" dirty="0" smtClean="0"/>
-              <a:t>V 1.0 released in June 2001</a:t>
+              <a:t> V 1.0 released in June 2001</a:t>
             </a:r>
           </a:p>
           <a:p>
@@ -1799,7 +1923,7 @@
           <a:p>
             <a:fld id="{DF54349C-A996-4252-BAF6-D47DEF27549E}" type="datetimeFigureOut">
               <a:rPr lang="en-US" smtClean="0"/>
-              <a:t>3/28/2012</a:t>
+              <a:t>3/29/2012</a:t>
             </a:fld>
             <a:endParaRPr lang="en-US"/>
           </a:p>
@@ -1964,7 +2088,7 @@
           <a:p>
             <a:fld id="{DF54349C-A996-4252-BAF6-D47DEF27549E}" type="datetimeFigureOut">
               <a:rPr lang="en-US" smtClean="0"/>
-              <a:t>3/28/2012</a:t>
+              <a:t>3/29/2012</a:t>
             </a:fld>
             <a:endParaRPr lang="en-US"/>
           </a:p>
@@ -2139,7 +2263,7 @@
           <a:p>
             <a:fld id="{DF54349C-A996-4252-BAF6-D47DEF27549E}" type="datetimeFigureOut">
               <a:rPr lang="en-US" smtClean="0"/>
-              <a:t>3/28/2012</a:t>
+              <a:t>3/29/2012</a:t>
             </a:fld>
             <a:endParaRPr lang="en-US"/>
           </a:p>
@@ -2304,7 +2428,7 @@
           <a:p>
             <a:fld id="{DF54349C-A996-4252-BAF6-D47DEF27549E}" type="datetimeFigureOut">
               <a:rPr lang="en-US" smtClean="0"/>
-              <a:t>3/28/2012</a:t>
+              <a:t>3/29/2012</a:t>
             </a:fld>
             <a:endParaRPr lang="en-US"/>
           </a:p>
@@ -2543,7 +2667,7 @@
           <a:p>
             <a:fld id="{DF54349C-A996-4252-BAF6-D47DEF27549E}" type="datetimeFigureOut">
               <a:rPr lang="en-US" smtClean="0"/>
-              <a:t>3/28/2012</a:t>
+              <a:t>3/29/2012</a:t>
             </a:fld>
             <a:endParaRPr lang="en-US"/>
           </a:p>
@@ -2633,7 +2757,7 @@
           <a:p>
             <a:fld id="{DF54349C-A996-4252-BAF6-D47DEF27549E}" type="datetimeFigureOut">
               <a:rPr lang="en-US" smtClean="0"/>
-              <a:t>3/28/2012</a:t>
+              <a:t>3/29/2012</a:t>
             </a:fld>
             <a:endParaRPr lang="en-US"/>
           </a:p>
@@ -3007,7 +3131,7 @@
           <a:p>
             <a:fld id="{DF54349C-A996-4252-BAF6-D47DEF27549E}" type="datetimeFigureOut">
               <a:rPr lang="en-US" smtClean="0"/>
-              <a:t>3/28/2012</a:t>
+              <a:t>3/29/2012</a:t>
             </a:fld>
             <a:endParaRPr lang="en-US"/>
           </a:p>
@@ -3262,7 +3386,7 @@
           <a:p>
             <a:fld id="{DF54349C-A996-4252-BAF6-D47DEF27549E}" type="datetimeFigureOut">
               <a:rPr lang="en-US" smtClean="0"/>
-              <a:t>3/28/2012</a:t>
+              <a:t>3/29/2012</a:t>
             </a:fld>
             <a:endParaRPr lang="en-US"/>
           </a:p>
@@ -3352,7 +3476,7 @@
           <a:p>
             <a:fld id="{DF54349C-A996-4252-BAF6-D47DEF27549E}" type="datetimeFigureOut">
               <a:rPr lang="en-US" smtClean="0"/>
-              <a:t>3/28/2012</a:t>
+              <a:t>3/29/2012</a:t>
             </a:fld>
             <a:endParaRPr lang="en-US"/>
           </a:p>
@@ -3626,7 +3750,7 @@
           <a:p>
             <a:fld id="{DF54349C-A996-4252-BAF6-D47DEF27549E}" type="datetimeFigureOut">
               <a:rPr lang="en-US" smtClean="0"/>
-              <a:t>3/28/2012</a:t>
+              <a:t>3/29/2012</a:t>
             </a:fld>
             <a:endParaRPr lang="en-US"/>
           </a:p>
@@ -3898,7 +4022,7 @@
           <a:p>
             <a:fld id="{DF54349C-A996-4252-BAF6-D47DEF27549E}" type="datetimeFigureOut">
               <a:rPr lang="en-US" smtClean="0"/>
-              <a:t>3/28/2012</a:t>
+              <a:t>3/29/2012</a:t>
             </a:fld>
             <a:endParaRPr lang="en-US"/>
           </a:p>
@@ -4198,7 +4322,7 @@
           <a:p>
             <a:fld id="{DF54349C-A996-4252-BAF6-D47DEF27549E}" type="datetimeFigureOut">
               <a:rPr lang="en-US" smtClean="0"/>
-              <a:t>3/28/2012</a:t>
+              <a:t>3/29/2012</a:t>
             </a:fld>
             <a:endParaRPr lang="en-US"/>
           </a:p>
@@ -5294,13 +5418,8 @@
             </a:pPr>
             <a:r>
               <a:rPr lang="en-US" sz="2800" dirty="0" smtClean="0"/>
-              <a:t>Simply a backup, not meant to replace paper </a:t>
-            </a:r>
-            <a:r>
-              <a:rPr lang="en-US" sz="2800" dirty="0" smtClean="0"/>
-              <a:t>files. </a:t>
-            </a:r>
-            <a:endParaRPr lang="en-US" sz="2800" dirty="0" smtClean="0"/>
+              <a:t>Simply a backup, not meant to replace paper files. </a:t>
+            </a:r>
           </a:p>
           <a:p>
             <a:pPr>
@@ -5318,11 +5437,7 @@
             </a:r>
             <a:r>
               <a:rPr lang="en-US" sz="2800" dirty="0" smtClean="0"/>
-              <a:t>, took out many unneeded </a:t>
-            </a:r>
-            <a:r>
-              <a:rPr lang="en-US" sz="2800" dirty="0" smtClean="0"/>
-              <a:t>features. </a:t>
+              <a:t>, took out many unneeded features. </a:t>
             </a:r>
             <a:endParaRPr lang="en-US" sz="2800" dirty="0"/>
           </a:p>
@@ -5557,13 +5672,8 @@
             </a:pPr>
             <a:r>
               <a:rPr lang="en-US" sz="2800" dirty="0" smtClean="0"/>
-              <a:t>Successfully Login as Admin or </a:t>
-            </a:r>
-            <a:r>
-              <a:rPr lang="en-US" sz="2800" dirty="0" smtClean="0"/>
-              <a:t>Physician.</a:t>
-            </a:r>
-            <a:endParaRPr lang="en-US" sz="2800" dirty="0" smtClean="0"/>
+              <a:t>Successfully Login as Admin or Physician.</a:t>
+            </a:r>
           </a:p>
           <a:p>
             <a:pPr>
@@ -5573,13 +5683,8 @@
             </a:pPr>
             <a:r>
               <a:rPr lang="en-US" sz="2800" dirty="0" smtClean="0"/>
-              <a:t>Logout and return to login </a:t>
-            </a:r>
-            <a:r>
-              <a:rPr lang="en-US" sz="2800" dirty="0" smtClean="0"/>
-              <a:t>screen. </a:t>
-            </a:r>
-            <a:endParaRPr lang="en-US" sz="2800" dirty="0" smtClean="0"/>
+              <a:t>Logout and return to login screen. </a:t>
+            </a:r>
           </a:p>
           <a:p>
             <a:pPr>
@@ -5589,13 +5694,8 @@
             </a:pPr>
             <a:r>
               <a:rPr lang="en-US" sz="2800" dirty="0" smtClean="0"/>
-              <a:t>Add/Remove </a:t>
-            </a:r>
-            <a:r>
-              <a:rPr lang="en-US" sz="2800" dirty="0" smtClean="0"/>
-              <a:t>users. </a:t>
-            </a:r>
-            <a:endParaRPr lang="en-US" sz="2800" dirty="0" smtClean="0"/>
+              <a:t>Add/Remove users. </a:t>
+            </a:r>
           </a:p>
           <a:p>
             <a:pPr>
@@ -5605,11 +5705,7 @@
             </a:pPr>
             <a:r>
               <a:rPr lang="en-US" sz="2800" dirty="0" smtClean="0"/>
-              <a:t>Add </a:t>
-            </a:r>
-            <a:r>
-              <a:rPr lang="en-US" sz="2800" dirty="0" smtClean="0"/>
-              <a:t>Patients.</a:t>
+              <a:t>Add Patients.</a:t>
             </a:r>
           </a:p>
           <a:p>
@@ -5734,11 +5830,7 @@
             </a:pPr>
             <a:r>
               <a:rPr lang="en-US" sz="2800" dirty="0" smtClean="0"/>
-              <a:t>Encrypting information in database</a:t>
-            </a:r>
-            <a:r>
-              <a:rPr lang="en-US" sz="2800" dirty="0" smtClean="0"/>
-              <a:t>.</a:t>
+              <a:t>Encrypting information in database.</a:t>
             </a:r>
           </a:p>
           <a:p>
@@ -5749,8 +5841,24 @@
             </a:pPr>
             <a:r>
               <a:rPr lang="en-US" sz="2800" dirty="0" smtClean="0"/>
-              <a:t>Associate Image with patient. </a:t>
-            </a:r>
+              <a:t>Associate Image with patient</a:t>
+            </a:r>
+            <a:r>
+              <a:rPr lang="en-US" sz="2800" dirty="0" smtClean="0"/>
+              <a:t>.</a:t>
+            </a:r>
+          </a:p>
+          <a:p>
+            <a:pPr>
+              <a:lnSpc>
+                <a:spcPct val="200000"/>
+              </a:lnSpc>
+            </a:pPr>
+            <a:r>
+              <a:rPr lang="en-US" sz="2800" dirty="0" smtClean="0"/>
+              <a:t>Audit (Log) Table.</a:t>
+            </a:r>
+            <a:endParaRPr lang="en-US" sz="2800" dirty="0" smtClean="0"/>
           </a:p>
           <a:p>
             <a:pPr>

--- a/MidTerm/Midterm_presentation_SEMRS.pptx
+++ b/MidTerm/Midterm_presentation_SEMRS.pptx
@@ -512,140 +512,6 @@
           <a:bodyPr/>
           <a:lstStyle/>
           <a:p>
-            <a:pPr marL="0" marR="0" indent="0" algn="l" defTabSz="914400" rtl="0" eaLnBrk="1" fontAlgn="auto" latinLnBrk="0" hangingPunct="1">
-              <a:lnSpc>
-                <a:spcPct val="100000"/>
-              </a:lnSpc>
-              <a:spcBef>
-                <a:spcPts val="0"/>
-              </a:spcBef>
-              <a:spcAft>
-                <a:spcPts val="0"/>
-              </a:spcAft>
-              <a:buClrTx/>
-              <a:buSzTx/>
-              <a:buFontTx/>
-              <a:buNone/>
-              <a:tabLst/>
-              <a:defRPr/>
-            </a:pPr>
-            <a:r>
-              <a:rPr lang="en-US" b="1" dirty="0" smtClean="0"/>
-              <a:t>Why -</a:t>
-            </a:r>
-            <a:r>
-              <a:rPr lang="en-US" dirty="0" smtClean="0"/>
-              <a:t> </a:t>
-            </a:r>
-            <a:endParaRPr lang="en-US" dirty="0" smtClean="0"/>
-          </a:p>
-          <a:p>
-            <a:pPr marL="0" marR="0" indent="0" algn="l" defTabSz="914400" rtl="0" eaLnBrk="1" fontAlgn="auto" latinLnBrk="0" hangingPunct="1">
-              <a:lnSpc>
-                <a:spcPct val="100000"/>
-              </a:lnSpc>
-              <a:spcBef>
-                <a:spcPts val="0"/>
-              </a:spcBef>
-              <a:spcAft>
-                <a:spcPts val="0"/>
-              </a:spcAft>
-              <a:buClrTx/>
-              <a:buSzTx/>
-              <a:buFontTx/>
-              <a:buNone/>
-              <a:tabLst/>
-              <a:defRPr/>
-            </a:pPr>
-            <a:r>
-              <a:rPr lang="en-US" dirty="0" smtClean="0"/>
-              <a:t>This project is for Mitchells</a:t>
-            </a:r>
-            <a:r>
-              <a:rPr lang="en-US" baseline="0" dirty="0" smtClean="0"/>
-              <a:t> Plain Community H</a:t>
-            </a:r>
-            <a:r>
-              <a:rPr lang="en-US" dirty="0" smtClean="0"/>
-              <a:t>ealthcare</a:t>
-            </a:r>
-            <a:r>
-              <a:rPr lang="en-US" baseline="0" dirty="0" smtClean="0"/>
-              <a:t> </a:t>
-            </a:r>
-            <a:r>
-              <a:rPr lang="en-US" dirty="0" smtClean="0"/>
-              <a:t>Center in Africa that treats patients for HIV/AIDS. All</a:t>
-            </a:r>
-            <a:r>
-              <a:rPr lang="en-US" baseline="0" dirty="0" smtClean="0"/>
-              <a:t> patients records are currently hard copy only, and patients’ records get displaced and damaged. </a:t>
-            </a:r>
-            <a:r>
-              <a:rPr lang="en-US" dirty="0" smtClean="0"/>
-              <a:t>Ultimately, a “hassle</a:t>
-            </a:r>
-            <a:r>
-              <a:rPr lang="en-US" baseline="0" dirty="0" smtClean="0"/>
-              <a:t> free treatment process”</a:t>
-            </a:r>
-          </a:p>
-          <a:p>
-            <a:r>
-              <a:rPr lang="en-US" b="1" dirty="0" smtClean="0"/>
-              <a:t>What - </a:t>
-            </a:r>
-            <a:endParaRPr lang="en-US" b="1" dirty="0" smtClean="0"/>
-          </a:p>
-          <a:p>
-            <a:r>
-              <a:rPr lang="en-US" dirty="0" smtClean="0"/>
-              <a:t>Solve the problem of</a:t>
-            </a:r>
-            <a:r>
-              <a:rPr lang="en-US" baseline="0" dirty="0" smtClean="0"/>
-              <a:t> displacement and damage to patients’ files</a:t>
-            </a:r>
-          </a:p>
-          <a:p>
-            <a:r>
-              <a:rPr lang="en-US" baseline="0" dirty="0" smtClean="0"/>
-              <a:t> - Eliminate identity theft</a:t>
-            </a:r>
-          </a:p>
-          <a:p>
-            <a:r>
-              <a:rPr lang="en-US" baseline="0" dirty="0" smtClean="0"/>
-              <a:t> - Ensure patient stays on the right regiment</a:t>
-            </a:r>
-            <a:endParaRPr lang="en-US" dirty="0" smtClean="0"/>
-          </a:p>
-          <a:p>
-            <a:r>
-              <a:rPr lang="en-US" b="1" dirty="0" smtClean="0"/>
-              <a:t>How -</a:t>
-            </a:r>
-            <a:r>
-              <a:rPr lang="en-US" dirty="0" smtClean="0"/>
-              <a:t> </a:t>
-            </a:r>
-            <a:endParaRPr lang="en-US" dirty="0" smtClean="0"/>
-          </a:p>
-          <a:p>
-            <a:r>
-              <a:rPr lang="en-US" dirty="0" smtClean="0"/>
-              <a:t>A software system that backs up patients’ files securely so that they can be readily available when needed </a:t>
-            </a:r>
-          </a:p>
-          <a:p>
-            <a:r>
-              <a:rPr lang="en-US" dirty="0" smtClean="0"/>
-              <a:t>-identity</a:t>
-            </a:r>
-            <a:r>
-              <a:rPr lang="en-US" baseline="0" dirty="0" smtClean="0"/>
-              <a:t> theft eliminated by integrating a photo into the system for each patient so that they can be identified through facial recognition and name, eliminating the need for a patient ID card, making the overall process smoother and easier for patients’</a:t>
-            </a:r>
             <a:endParaRPr lang="en-US" dirty="0"/>
           </a:p>
         </p:txBody>
@@ -667,7 +533,7 @@
           <a:p>
             <a:fld id="{6538AC3F-63CE-4DD6-92CD-9B13526C2825}" type="slidenum">
               <a:rPr lang="en-US" smtClean="0"/>
-              <a:t>2</a:t>
+              <a:t>1</a:t>
             </a:fld>
             <a:endParaRPr lang="en-US"/>
           </a:p>
@@ -676,7 +542,7 @@
     </p:spTree>
     <p:extLst>
       <p:ext uri="{BB962C8B-B14F-4D97-AF65-F5344CB8AC3E}">
-        <p14:creationId xmlns:p14="http://schemas.microsoft.com/office/powerpoint/2010/main" val="4121720833"/>
+        <p14:creationId xmlns:p14="http://schemas.microsoft.com/office/powerpoint/2010/main" val="2988694186"/>
       </p:ext>
     </p:extLst>
   </p:cSld>
@@ -730,131 +596,175 @@
           <a:bodyPr/>
           <a:lstStyle/>
           <a:p>
-            <a:r>
-              <a:rPr lang="en-US" sz="1200" b="0" i="0" u="none" strike="noStrike" kern="1200" baseline="0" dirty="0" smtClean="0">
-                <a:solidFill>
-                  <a:schemeClr val="tx1"/>
-                </a:solidFill>
-                <a:latin typeface="+mn-lt"/>
-                <a:ea typeface="+mn-ea"/>
-                <a:cs typeface="+mn-cs"/>
-              </a:rPr>
-              <a:t>It is important to weigh patient confidentiality against a public responsibility to support national priorities.</a:t>
-            </a:r>
-          </a:p>
-          <a:p>
-            <a:endParaRPr lang="en-US" sz="1200" b="0" i="0" u="none" strike="noStrike" kern="1200" baseline="0" dirty="0" smtClean="0">
-              <a:solidFill>
-                <a:schemeClr val="tx1"/>
-              </a:solidFill>
-              <a:latin typeface="+mn-lt"/>
-              <a:ea typeface="+mn-ea"/>
-              <a:cs typeface="+mn-cs"/>
-            </a:endParaRPr>
-          </a:p>
-          <a:p>
-            <a:r>
-              <a:rPr lang="en-US" sz="1200" b="0" i="0" u="none" strike="noStrike" kern="1200" baseline="0" dirty="0" smtClean="0">
-                <a:solidFill>
-                  <a:schemeClr val="tx1"/>
-                </a:solidFill>
-                <a:latin typeface="+mn-lt"/>
-                <a:ea typeface="+mn-ea"/>
-                <a:cs typeface="+mn-cs"/>
-              </a:rPr>
-              <a:t>Pros:</a:t>
-            </a:r>
-          </a:p>
-          <a:p>
-            <a:r>
-              <a:rPr lang="en-US" sz="1200" b="0" i="0" u="none" strike="noStrike" kern="1200" baseline="0" dirty="0" smtClean="0">
-                <a:solidFill>
-                  <a:schemeClr val="tx1"/>
-                </a:solidFill>
-                <a:latin typeface="+mn-lt"/>
-                <a:ea typeface="+mn-ea"/>
-                <a:cs typeface="+mn-cs"/>
-              </a:rPr>
-              <a:t> - Hospitals/Clinics more efficient</a:t>
-            </a:r>
-          </a:p>
-          <a:p>
-            <a:r>
-              <a:rPr lang="en-US" sz="1200" b="0" i="0" u="none" strike="noStrike" kern="1200" baseline="0" dirty="0" smtClean="0">
-                <a:solidFill>
-                  <a:schemeClr val="tx1"/>
-                </a:solidFill>
-                <a:latin typeface="+mn-lt"/>
-                <a:ea typeface="+mn-ea"/>
-                <a:cs typeface="+mn-cs"/>
-              </a:rPr>
-              <a:t> - Reduce medical errors</a:t>
-            </a:r>
-          </a:p>
-          <a:p>
-            <a:r>
-              <a:rPr lang="en-US" sz="1200" b="0" i="0" u="none" strike="noStrike" kern="1200" baseline="0" dirty="0" smtClean="0">
-                <a:solidFill>
-                  <a:schemeClr val="tx1"/>
-                </a:solidFill>
-                <a:latin typeface="+mn-lt"/>
-                <a:ea typeface="+mn-ea"/>
-                <a:cs typeface="+mn-cs"/>
-              </a:rPr>
-              <a:t> - Lower healthcare costs</a:t>
-            </a:r>
-          </a:p>
-          <a:p>
-            <a:endParaRPr lang="en-US" sz="1200" b="0" i="0" u="none" strike="noStrike" kern="1200" baseline="0" dirty="0" smtClean="0">
-              <a:solidFill>
-                <a:schemeClr val="tx1"/>
-              </a:solidFill>
-              <a:latin typeface="+mn-lt"/>
-              <a:ea typeface="+mn-ea"/>
-              <a:cs typeface="+mn-cs"/>
-            </a:endParaRPr>
-          </a:p>
-          <a:p>
-            <a:endParaRPr lang="en-US" sz="1200" b="0" i="0" u="none" strike="noStrike" kern="1200" baseline="0" dirty="0" smtClean="0">
-              <a:solidFill>
-                <a:schemeClr val="tx1"/>
-              </a:solidFill>
-              <a:latin typeface="+mn-lt"/>
-              <a:ea typeface="+mn-ea"/>
-              <a:cs typeface="+mn-cs"/>
-            </a:endParaRPr>
-          </a:p>
-          <a:p>
-            <a:endParaRPr lang="en-US" sz="1200" b="0" i="0" u="none" strike="noStrike" kern="1200" baseline="0" dirty="0" smtClean="0">
-              <a:solidFill>
-                <a:schemeClr val="tx1"/>
-              </a:solidFill>
-              <a:latin typeface="+mn-lt"/>
-              <a:ea typeface="+mn-ea"/>
-              <a:cs typeface="+mn-cs"/>
-            </a:endParaRPr>
-          </a:p>
-          <a:p>
-            <a:endParaRPr lang="en-US" sz="1200" b="0" i="0" u="none" strike="noStrike" kern="1200" baseline="0" dirty="0" smtClean="0">
-              <a:solidFill>
-                <a:schemeClr val="tx1"/>
-              </a:solidFill>
-              <a:latin typeface="+mn-lt"/>
-              <a:ea typeface="+mn-ea"/>
-              <a:cs typeface="+mn-cs"/>
-            </a:endParaRPr>
-          </a:p>
-          <a:p>
-            <a:endParaRPr lang="en-US" sz="1200" b="0" i="0" u="none" strike="noStrike" kern="1200" baseline="0" dirty="0" smtClean="0">
-              <a:solidFill>
-                <a:schemeClr val="tx1"/>
-              </a:solidFill>
-              <a:latin typeface="+mn-lt"/>
-              <a:ea typeface="+mn-ea"/>
-              <a:cs typeface="+mn-cs"/>
-            </a:endParaRPr>
-          </a:p>
-          <a:p>
+            <a:pPr marL="0" marR="0" indent="0" algn="l" defTabSz="914400" rtl="0" eaLnBrk="1" fontAlgn="auto" latinLnBrk="0" hangingPunct="1">
+              <a:lnSpc>
+                <a:spcPct val="100000"/>
+              </a:lnSpc>
+              <a:spcBef>
+                <a:spcPts val="0"/>
+              </a:spcBef>
+              <a:spcAft>
+                <a:spcPts val="0"/>
+              </a:spcAft>
+              <a:buClrTx/>
+              <a:buSzTx/>
+              <a:buFontTx/>
+              <a:buNone/>
+              <a:tabLst/>
+              <a:defRPr/>
+            </a:pPr>
+            <a:r>
+              <a:rPr lang="en-US" b="1" dirty="0" smtClean="0"/>
+              <a:t>Why -</a:t>
+            </a:r>
+            <a:r>
+              <a:rPr lang="en-US" dirty="0" smtClean="0"/>
+              <a:t> </a:t>
+            </a:r>
+          </a:p>
+          <a:p>
+            <a:pPr marL="0" marR="0" indent="0" algn="l" defTabSz="914400" rtl="0" eaLnBrk="1" fontAlgn="auto" latinLnBrk="0" hangingPunct="1">
+              <a:lnSpc>
+                <a:spcPct val="100000"/>
+              </a:lnSpc>
+              <a:spcBef>
+                <a:spcPts val="0"/>
+              </a:spcBef>
+              <a:spcAft>
+                <a:spcPts val="0"/>
+              </a:spcAft>
+              <a:buClrTx/>
+              <a:buSzTx/>
+              <a:buFontTx/>
+              <a:buNone/>
+              <a:tabLst/>
+              <a:defRPr/>
+            </a:pPr>
+            <a:r>
+              <a:rPr lang="en-US" dirty="0" smtClean="0"/>
+              <a:t>This project is for Mitchells</a:t>
+            </a:r>
+            <a:r>
+              <a:rPr lang="en-US" baseline="0" dirty="0" smtClean="0"/>
+              <a:t> Plain Community H</a:t>
+            </a:r>
+            <a:r>
+              <a:rPr lang="en-US" dirty="0" smtClean="0"/>
+              <a:t>ealthcare</a:t>
+            </a:r>
+            <a:r>
+              <a:rPr lang="en-US" baseline="0" dirty="0" smtClean="0"/>
+              <a:t> </a:t>
+            </a:r>
+            <a:r>
+              <a:rPr lang="en-US" dirty="0" smtClean="0"/>
+              <a:t>Center in </a:t>
+            </a:r>
+            <a:r>
+              <a:rPr lang="en-US" dirty="0" smtClean="0"/>
+              <a:t>Cape</a:t>
+            </a:r>
+            <a:r>
+              <a:rPr lang="en-US" baseline="0" dirty="0" smtClean="0"/>
+              <a:t> Town, South </a:t>
+            </a:r>
+            <a:r>
+              <a:rPr lang="en-US" dirty="0" smtClean="0"/>
+              <a:t>Africa </a:t>
+            </a:r>
+            <a:r>
+              <a:rPr lang="en-US" dirty="0" smtClean="0"/>
+              <a:t>that treats patients for HIV/AIDS. All</a:t>
+            </a:r>
+            <a:r>
+              <a:rPr lang="en-US" baseline="0" dirty="0" smtClean="0"/>
+              <a:t> patients records are currently hard copy only, and patients’ records get displaced and damaged. </a:t>
+            </a:r>
+            <a:r>
+              <a:rPr lang="en-US" dirty="0" smtClean="0"/>
+              <a:t>Ultimately, a “hassle</a:t>
+            </a:r>
+            <a:r>
+              <a:rPr lang="en-US" baseline="0" dirty="0" smtClean="0"/>
+              <a:t> free treatment process”</a:t>
+            </a:r>
+          </a:p>
+          <a:p>
+            <a:endParaRPr lang="en-US" b="1" dirty="0" smtClean="0"/>
+          </a:p>
+          <a:p>
+            <a:r>
+              <a:rPr lang="en-US" b="1" dirty="0" smtClean="0"/>
+              <a:t>What </a:t>
+            </a:r>
+            <a:r>
+              <a:rPr lang="en-US" b="1" dirty="0" smtClean="0"/>
+              <a:t>- </a:t>
+            </a:r>
+          </a:p>
+          <a:p>
+            <a:r>
+              <a:rPr lang="en-US" dirty="0" smtClean="0"/>
+              <a:t>Solve the problem of</a:t>
+            </a:r>
+            <a:r>
+              <a:rPr lang="en-US" baseline="0" dirty="0" smtClean="0"/>
+              <a:t> displacement and damage to patients’ files</a:t>
+            </a:r>
+          </a:p>
+          <a:p>
+            <a:r>
+              <a:rPr lang="en-US" baseline="0" dirty="0" smtClean="0"/>
+              <a:t> - Eliminate identity theft</a:t>
+            </a:r>
+          </a:p>
+          <a:p>
+            <a:r>
+              <a:rPr lang="en-US" baseline="0" dirty="0" smtClean="0"/>
+              <a:t> - Ensure patient stays on the right regiment</a:t>
+            </a:r>
+            <a:endParaRPr lang="en-US" dirty="0" smtClean="0"/>
+          </a:p>
+          <a:p>
+            <a:endParaRPr lang="en-US" b="1" dirty="0" smtClean="0"/>
+          </a:p>
+          <a:p>
+            <a:r>
+              <a:rPr lang="en-US" b="1" dirty="0" smtClean="0"/>
+              <a:t>How </a:t>
+            </a:r>
+            <a:r>
+              <a:rPr lang="en-US" b="1" dirty="0" smtClean="0"/>
+              <a:t>-</a:t>
+            </a:r>
+            <a:r>
+              <a:rPr lang="en-US" dirty="0" smtClean="0"/>
+              <a:t> </a:t>
+            </a:r>
+          </a:p>
+          <a:p>
+            <a:r>
+              <a:rPr lang="en-US" dirty="0" smtClean="0"/>
+              <a:t>A software system that backs up patients’ files securely so that they can be readily available when needed </a:t>
+            </a:r>
+          </a:p>
+          <a:p>
+            <a:r>
+              <a:rPr lang="en-US" baseline="0" dirty="0" smtClean="0"/>
+              <a:t> - I</a:t>
+            </a:r>
+            <a:r>
+              <a:rPr lang="en-US" dirty="0" smtClean="0"/>
+              <a:t>dentity</a:t>
+            </a:r>
+            <a:r>
+              <a:rPr lang="en-US" baseline="0" dirty="0" smtClean="0"/>
+              <a:t> </a:t>
+            </a:r>
+            <a:r>
+              <a:rPr lang="en-US" baseline="0" dirty="0" smtClean="0"/>
+              <a:t>theft eliminated by integrating a photo into the system for each patient so that they can be identified through facial recognition and name, eliminating the need for a patient ID card, making the overall process smoother and easier for patients’</a:t>
+            </a:r>
             <a:endParaRPr lang="en-US" dirty="0"/>
           </a:p>
         </p:txBody>
@@ -876,7 +786,7 @@
           <a:p>
             <a:fld id="{6538AC3F-63CE-4DD6-92CD-9B13526C2825}" type="slidenum">
               <a:rPr lang="en-US" smtClean="0"/>
-              <a:t>3</a:t>
+              <a:t>2</a:t>
             </a:fld>
             <a:endParaRPr lang="en-US"/>
           </a:p>
@@ -885,7 +795,7 @@
     </p:spTree>
     <p:extLst>
       <p:ext uri="{BB962C8B-B14F-4D97-AF65-F5344CB8AC3E}">
-        <p14:creationId xmlns:p14="http://schemas.microsoft.com/office/powerpoint/2010/main" val="4279931477"/>
+        <p14:creationId xmlns:p14="http://schemas.microsoft.com/office/powerpoint/2010/main" val="4121720833"/>
       </p:ext>
     </p:extLst>
   </p:cSld>
@@ -940,480 +850,130 @@
           <a:lstStyle/>
           <a:p>
             <a:r>
-              <a:rPr lang="en-US" dirty="0" smtClean="0"/>
-              <a:t>Background info on </a:t>
-            </a:r>
-          </a:p>
-          <a:p>
-            <a:r>
-              <a:rPr lang="en-US" dirty="0" err="1" smtClean="0"/>
-              <a:t>VistA</a:t>
-            </a:r>
-            <a:r>
-              <a:rPr lang="en-US" dirty="0" smtClean="0"/>
-              <a:t>- Veterans health info systems and technology</a:t>
-            </a:r>
-            <a:r>
-              <a:rPr lang="en-US" baseline="0" dirty="0" smtClean="0"/>
-              <a:t> Architecture </a:t>
-            </a:r>
-          </a:p>
-          <a:p>
-            <a:r>
-              <a:rPr lang="en-US" baseline="0" dirty="0" smtClean="0"/>
-              <a:t>Used throughout the US </a:t>
-            </a:r>
-            <a:r>
-              <a:rPr lang="en-US" baseline="0" dirty="0" err="1" smtClean="0"/>
-              <a:t>Dept</a:t>
-            </a:r>
-            <a:r>
-              <a:rPr lang="en-US" baseline="0" dirty="0" smtClean="0"/>
-              <a:t> of Veteran Affairs </a:t>
-            </a:r>
-          </a:p>
-          <a:p>
-            <a:r>
-              <a:rPr lang="en-US" baseline="0" dirty="0" smtClean="0"/>
-              <a:t>80 different clinical </a:t>
-            </a:r>
-            <a:r>
-              <a:rPr lang="en-US" baseline="0" dirty="0" err="1" smtClean="0"/>
-              <a:t>fxns</a:t>
-            </a:r>
-            <a:r>
-              <a:rPr lang="en-US" baseline="0" dirty="0" smtClean="0"/>
-              <a:t>, including: Mental Health, Blind Rehab, Ambulatory care, Radiology, Pharmaceutical, </a:t>
-            </a:r>
-            <a:r>
-              <a:rPr lang="en-US" baseline="0" dirty="0" err="1" smtClean="0"/>
-              <a:t>etc</a:t>
-            </a:r>
-            <a:r>
-              <a:rPr lang="en-US" baseline="0" dirty="0" smtClean="0"/>
-              <a:t>, </a:t>
-            </a:r>
-            <a:r>
-              <a:rPr lang="en-US" baseline="0" dirty="0" err="1" smtClean="0"/>
-              <a:t>etc</a:t>
-            </a:r>
-            <a:r>
-              <a:rPr lang="en-US" baseline="0" dirty="0" smtClean="0"/>
-              <a:t> </a:t>
-            </a:r>
-            <a:r>
-              <a:rPr lang="en-US" baseline="0" dirty="0" err="1" smtClean="0"/>
-              <a:t>etc</a:t>
-            </a:r>
-            <a:endParaRPr lang="en-US" baseline="0" dirty="0" smtClean="0"/>
-          </a:p>
-          <a:p>
-            <a:r>
-              <a:rPr lang="en-US" baseline="0" dirty="0" smtClean="0"/>
-              <a:t>Software modules for clinical care and financial </a:t>
-            </a:r>
-            <a:r>
-              <a:rPr lang="en-US" baseline="0" dirty="0" err="1" smtClean="0"/>
-              <a:t>fxns</a:t>
-            </a:r>
-            <a:endParaRPr lang="en-US" baseline="0" dirty="0" smtClean="0"/>
-          </a:p>
-          <a:p>
-            <a:r>
-              <a:rPr lang="en-US" baseline="0" dirty="0" smtClean="0"/>
-              <a:t>Currently the largest medical system in the US, provides care to 8 million veterans</a:t>
-            </a:r>
-          </a:p>
-          <a:p>
-            <a:r>
-              <a:rPr lang="en-US" baseline="0" dirty="0" smtClean="0"/>
-              <a:t>Already had automated data processing previously, but added a GUI in 1997. </a:t>
-            </a:r>
-          </a:p>
-          <a:p>
-            <a:r>
-              <a:rPr lang="en-US" baseline="0" dirty="0" smtClean="0"/>
-              <a:t>One of the first client-server architectures, that allowed health care providers to review and update a patient’s electronic medical record</a:t>
-            </a:r>
-            <a:endParaRPr lang="en-US" dirty="0" smtClean="0"/>
-          </a:p>
-          <a:p>
-            <a:endParaRPr lang="en-US" dirty="0" smtClean="0"/>
-          </a:p>
-          <a:p>
-            <a:r>
-              <a:rPr lang="en-US" dirty="0" smtClean="0"/>
-              <a:t>THIRRA-  </a:t>
-            </a:r>
-            <a:r>
-              <a:rPr lang="en-US" sz="1200" b="0" i="0" kern="1200" dirty="0" smtClean="0">
+              <a:rPr lang="en-US" sz="1200" b="0" i="0" u="none" strike="noStrike" kern="1200" baseline="0" dirty="0" smtClean="0">
                 <a:solidFill>
                   <a:schemeClr val="tx1"/>
                 </a:solidFill>
-                <a:effectLst/>
                 <a:latin typeface="+mn-lt"/>
                 <a:ea typeface="+mn-ea"/>
                 <a:cs typeface="+mn-cs"/>
               </a:rPr>
-              <a:t> project title Portable System </a:t>
-            </a:r>
-            <a:r>
-              <a:rPr lang="en-US" sz="1200" b="0" i="0" kern="1200" dirty="0" err="1" smtClean="0">
+              <a:t>It is important to weigh patient confidentiality against a public responsibility to support national priorities.</a:t>
+            </a:r>
+          </a:p>
+          <a:p>
+            <a:endParaRPr lang="en-US" sz="1200" b="0" i="0" u="none" strike="noStrike" kern="1200" baseline="0" dirty="0" smtClean="0">
+              <a:solidFill>
+                <a:schemeClr val="tx1"/>
+              </a:solidFill>
+              <a:latin typeface="+mn-lt"/>
+              <a:ea typeface="+mn-ea"/>
+              <a:cs typeface="+mn-cs"/>
+            </a:endParaRPr>
+          </a:p>
+          <a:p>
+            <a:r>
+              <a:rPr lang="en-US" sz="1200" b="0" i="0" u="none" strike="noStrike" kern="1200" baseline="0" dirty="0" smtClean="0">
                 <a:solidFill>
                   <a:schemeClr val="tx1"/>
                 </a:solidFill>
-                <a:effectLst/>
                 <a:latin typeface="+mn-lt"/>
                 <a:ea typeface="+mn-ea"/>
                 <a:cs typeface="+mn-cs"/>
               </a:rPr>
-              <a:t>for</a:t>
-            </a:r>
-            <a:r>
-              <a:rPr lang="en-US" sz="1200" b="1" i="0" kern="1200" dirty="0" err="1" smtClean="0">
+              <a:t>Pros:</a:t>
+            </a:r>
+          </a:p>
+          <a:p>
+            <a:r>
+              <a:rPr lang="en-US" sz="1200" b="0" i="0" u="none" strike="noStrike" kern="1200" baseline="0" dirty="0" smtClean="0">
                 <a:solidFill>
                   <a:schemeClr val="tx1"/>
                 </a:solidFill>
-                <a:effectLst/>
                 <a:latin typeface="+mn-lt"/>
                 <a:ea typeface="+mn-ea"/>
                 <a:cs typeface="+mn-cs"/>
               </a:rPr>
-              <a:t>T</a:t>
-            </a:r>
-            <a:r>
-              <a:rPr lang="en-US" sz="1200" b="0" i="0" kern="1200" dirty="0" err="1" smtClean="0">
+              <a:t> - Hospitals/Clinics more efficient</a:t>
+            </a:r>
+          </a:p>
+          <a:p>
+            <a:r>
+              <a:rPr lang="en-US" sz="1200" b="0" i="0" u="none" strike="noStrike" kern="1200" baseline="0" dirty="0" smtClean="0">
                 <a:solidFill>
                   <a:schemeClr val="tx1"/>
                 </a:solidFill>
-                <a:effectLst/>
                 <a:latin typeface="+mn-lt"/>
                 <a:ea typeface="+mn-ea"/>
                 <a:cs typeface="+mn-cs"/>
               </a:rPr>
-              <a:t>eleHealth</a:t>
-            </a:r>
-            <a:r>
-              <a:rPr lang="en-US" sz="1200" b="0" i="0" kern="1200" dirty="0" smtClean="0">
+              <a:t> - Reduce medical errors</a:t>
+            </a:r>
+          </a:p>
+          <a:p>
+            <a:r>
+              <a:rPr lang="en-US" sz="1200" b="0" i="0" u="none" strike="noStrike" kern="1200" baseline="0" dirty="0" smtClean="0">
                 <a:solidFill>
                   <a:schemeClr val="tx1"/>
                 </a:solidFill>
-                <a:effectLst/>
                 <a:latin typeface="+mn-lt"/>
                 <a:ea typeface="+mn-ea"/>
                 <a:cs typeface="+mn-cs"/>
               </a:rPr>
-              <a:t> and </a:t>
-            </a:r>
-            <a:r>
-              <a:rPr lang="en-US" sz="1200" b="1" i="0" kern="1200" dirty="0" smtClean="0">
-                <a:solidFill>
-                  <a:schemeClr val="tx1"/>
-                </a:solidFill>
-                <a:effectLst/>
-                <a:latin typeface="+mn-lt"/>
-                <a:ea typeface="+mn-ea"/>
-                <a:cs typeface="+mn-cs"/>
-              </a:rPr>
-              <a:t>H</a:t>
-            </a:r>
-            <a:r>
-              <a:rPr lang="en-US" sz="1200" b="0" i="0" kern="1200" dirty="0" smtClean="0">
-                <a:solidFill>
-                  <a:schemeClr val="tx1"/>
-                </a:solidFill>
-                <a:effectLst/>
-                <a:latin typeface="+mn-lt"/>
-                <a:ea typeface="+mn-ea"/>
-                <a:cs typeface="+mn-cs"/>
-              </a:rPr>
-              <a:t>ealth </a:t>
-            </a:r>
-            <a:r>
-              <a:rPr lang="en-US" sz="1200" b="1" i="0" kern="1200" dirty="0" smtClean="0">
-                <a:solidFill>
-                  <a:schemeClr val="tx1"/>
-                </a:solidFill>
-                <a:effectLst/>
-                <a:latin typeface="+mn-lt"/>
-                <a:ea typeface="+mn-ea"/>
-                <a:cs typeface="+mn-cs"/>
-              </a:rPr>
-              <a:t>I</a:t>
-            </a:r>
-            <a:r>
-              <a:rPr lang="en-US" sz="1200" b="0" i="0" kern="1200" dirty="0" smtClean="0">
-                <a:solidFill>
-                  <a:schemeClr val="tx1"/>
-                </a:solidFill>
-                <a:effectLst/>
-                <a:latin typeface="+mn-lt"/>
-                <a:ea typeface="+mn-ea"/>
-                <a:cs typeface="+mn-cs"/>
-              </a:rPr>
-              <a:t>nformatics for </a:t>
-            </a:r>
-            <a:r>
-              <a:rPr lang="en-US" sz="1200" b="1" i="0" kern="1200" dirty="0" smtClean="0">
-                <a:solidFill>
-                  <a:schemeClr val="tx1"/>
-                </a:solidFill>
-                <a:effectLst/>
-                <a:latin typeface="+mn-lt"/>
-                <a:ea typeface="+mn-ea"/>
-                <a:cs typeface="+mn-cs"/>
-              </a:rPr>
-              <a:t>R</a:t>
-            </a:r>
-            <a:r>
-              <a:rPr lang="en-US" sz="1200" b="0" i="0" kern="1200" dirty="0" smtClean="0">
-                <a:solidFill>
-                  <a:schemeClr val="tx1"/>
-                </a:solidFill>
-                <a:effectLst/>
-                <a:latin typeface="+mn-lt"/>
-                <a:ea typeface="+mn-ea"/>
-                <a:cs typeface="+mn-cs"/>
-              </a:rPr>
-              <a:t>ural and </a:t>
-            </a:r>
-            <a:r>
-              <a:rPr lang="en-US" sz="1200" b="1" i="0" kern="1200" dirty="0" smtClean="0">
-                <a:solidFill>
-                  <a:schemeClr val="tx1"/>
-                </a:solidFill>
-                <a:effectLst/>
-                <a:latin typeface="+mn-lt"/>
-                <a:ea typeface="+mn-ea"/>
-                <a:cs typeface="+mn-cs"/>
-              </a:rPr>
-              <a:t>R</a:t>
-            </a:r>
-            <a:r>
-              <a:rPr lang="en-US" sz="1200" b="0" i="0" kern="1200" dirty="0" smtClean="0">
-                <a:solidFill>
-                  <a:schemeClr val="tx1"/>
-                </a:solidFill>
-                <a:effectLst/>
-                <a:latin typeface="+mn-lt"/>
-                <a:ea typeface="+mn-ea"/>
-                <a:cs typeface="+mn-cs"/>
-              </a:rPr>
-              <a:t>emote </a:t>
-            </a:r>
-            <a:r>
-              <a:rPr lang="en-US" sz="1200" b="1" i="0" kern="1200" dirty="0" smtClean="0">
-                <a:solidFill>
-                  <a:schemeClr val="tx1"/>
-                </a:solidFill>
-                <a:effectLst/>
-                <a:latin typeface="+mn-lt"/>
-                <a:ea typeface="+mn-ea"/>
-                <a:cs typeface="+mn-cs"/>
-              </a:rPr>
-              <a:t>A</a:t>
-            </a:r>
-            <a:r>
-              <a:rPr lang="en-US" sz="1200" b="0" i="0" kern="1200" dirty="0" smtClean="0">
-                <a:solidFill>
-                  <a:schemeClr val="tx1"/>
-                </a:solidFill>
-                <a:effectLst/>
-                <a:latin typeface="+mn-lt"/>
-                <a:ea typeface="+mn-ea"/>
-                <a:cs typeface="+mn-cs"/>
-              </a:rPr>
-              <a:t>reas. </a:t>
-            </a:r>
-          </a:p>
-          <a:p>
-            <a:r>
-              <a:rPr lang="en-US" sz="1200" b="0" i="0" kern="1200" dirty="0" smtClean="0">
-                <a:solidFill>
-                  <a:schemeClr val="tx1"/>
-                </a:solidFill>
-                <a:effectLst/>
-                <a:latin typeface="+mn-lt"/>
-                <a:ea typeface="+mn-ea"/>
-                <a:cs typeface="+mn-cs"/>
-              </a:rPr>
-              <a:t>Started in 2007,</a:t>
-            </a:r>
-            <a:r>
-              <a:rPr lang="en-US" sz="1200" b="0" i="0" kern="1200" baseline="0" dirty="0" smtClean="0">
-                <a:solidFill>
-                  <a:schemeClr val="tx1"/>
-                </a:solidFill>
-                <a:effectLst/>
-                <a:latin typeface="+mn-lt"/>
-                <a:ea typeface="+mn-ea"/>
-                <a:cs typeface="+mn-cs"/>
-              </a:rPr>
-              <a:t> Written in PHP, with a </a:t>
-            </a:r>
-            <a:r>
-              <a:rPr lang="en-US" sz="1200" b="0" i="0" kern="1200" baseline="0" dirty="0" err="1" smtClean="0">
-                <a:solidFill>
-                  <a:schemeClr val="tx1"/>
-                </a:solidFill>
-                <a:effectLst/>
-                <a:latin typeface="+mn-lt"/>
-                <a:ea typeface="+mn-ea"/>
-                <a:cs typeface="+mn-cs"/>
-              </a:rPr>
-              <a:t>PostgreSQL</a:t>
-            </a:r>
-            <a:r>
-              <a:rPr lang="en-US" sz="1200" b="0" i="0" kern="1200" baseline="0" dirty="0" smtClean="0">
-                <a:solidFill>
-                  <a:schemeClr val="tx1"/>
-                </a:solidFill>
-                <a:effectLst/>
-                <a:latin typeface="+mn-lt"/>
-                <a:ea typeface="+mn-ea"/>
-                <a:cs typeface="+mn-cs"/>
-              </a:rPr>
-              <a:t> database backend. </a:t>
-            </a:r>
-          </a:p>
-          <a:p>
-            <a:endParaRPr lang="en-US" dirty="0" smtClean="0"/>
-          </a:p>
-          <a:p>
-            <a:r>
-              <a:rPr lang="en-US" baseline="0" dirty="0" smtClean="0"/>
-              <a:t>ZEPRS- </a:t>
-            </a:r>
-            <a:r>
-              <a:rPr lang="en-US" sz="1200" b="0" i="0" kern="1200" dirty="0" smtClean="0">
-                <a:solidFill>
-                  <a:schemeClr val="tx1"/>
-                </a:solidFill>
-                <a:effectLst/>
-                <a:latin typeface="+mn-lt"/>
-                <a:ea typeface="+mn-ea"/>
-                <a:cs typeface="+mn-cs"/>
-              </a:rPr>
-              <a:t>The </a:t>
-            </a:r>
-            <a:r>
-              <a:rPr lang="en-US" sz="1200" b="1" i="0" kern="1200" dirty="0" smtClean="0">
-                <a:solidFill>
-                  <a:schemeClr val="tx1"/>
-                </a:solidFill>
-                <a:effectLst/>
-                <a:latin typeface="+mn-lt"/>
-                <a:ea typeface="+mn-ea"/>
-                <a:cs typeface="+mn-cs"/>
-              </a:rPr>
-              <a:t>Zambia Electronic </a:t>
-            </a:r>
-            <a:r>
-              <a:rPr lang="en-US" sz="1200" b="1" i="0" u="none" strike="noStrike" kern="1200" dirty="0" smtClean="0">
-                <a:solidFill>
-                  <a:schemeClr val="tx1"/>
-                </a:solidFill>
-                <a:effectLst/>
-                <a:latin typeface="+mn-lt"/>
-                <a:ea typeface="+mn-ea"/>
-                <a:cs typeface="+mn-cs"/>
-                <a:hlinkClick r:id="rId3" tooltip="Perinatal"/>
-              </a:rPr>
-              <a:t>Perinatal</a:t>
-            </a:r>
-            <a:r>
-              <a:rPr lang="en-US" sz="1200" b="1" i="0" kern="1200" dirty="0" smtClean="0">
-                <a:solidFill>
-                  <a:schemeClr val="tx1"/>
-                </a:solidFill>
-                <a:effectLst/>
-                <a:latin typeface="+mn-lt"/>
-                <a:ea typeface="+mn-ea"/>
-                <a:cs typeface="+mn-cs"/>
-              </a:rPr>
-              <a:t> Record System</a:t>
-            </a:r>
-            <a:r>
-              <a:rPr lang="en-US" sz="1200" b="0" i="0" kern="1200" dirty="0" smtClean="0">
-                <a:solidFill>
-                  <a:schemeClr val="tx1"/>
-                </a:solidFill>
-                <a:effectLst/>
-                <a:latin typeface="+mn-lt"/>
-                <a:ea typeface="+mn-ea"/>
-                <a:cs typeface="+mn-cs"/>
-              </a:rPr>
-              <a:t> (</a:t>
-            </a:r>
-            <a:r>
-              <a:rPr lang="en-US" sz="1200" b="1" i="0" kern="1200" dirty="0" smtClean="0">
-                <a:solidFill>
-                  <a:schemeClr val="tx1"/>
-                </a:solidFill>
-                <a:effectLst/>
-                <a:latin typeface="+mn-lt"/>
-                <a:ea typeface="+mn-ea"/>
-                <a:cs typeface="+mn-cs"/>
-              </a:rPr>
-              <a:t>ZEPRS</a:t>
-            </a:r>
-            <a:r>
-              <a:rPr lang="en-US" sz="1200" b="0" i="0" kern="1200" dirty="0" smtClean="0">
-                <a:solidFill>
-                  <a:schemeClr val="tx1"/>
-                </a:solidFill>
-                <a:effectLst/>
-                <a:latin typeface="+mn-lt"/>
-                <a:ea typeface="+mn-ea"/>
-                <a:cs typeface="+mn-cs"/>
-              </a:rPr>
-              <a:t>) </a:t>
-            </a:r>
-          </a:p>
-          <a:p>
-            <a:r>
-              <a:rPr lang="en-US" sz="1200" b="0" i="0" kern="1200" dirty="0" smtClean="0">
-                <a:solidFill>
-                  <a:schemeClr val="tx1"/>
-                </a:solidFill>
-                <a:effectLst/>
-                <a:latin typeface="+mn-lt"/>
-                <a:ea typeface="+mn-ea"/>
-                <a:cs typeface="+mn-cs"/>
-              </a:rPr>
-              <a:t>- For an obesity clinic</a:t>
-            </a:r>
-            <a:endParaRPr lang="en-US" dirty="0" smtClean="0"/>
-          </a:p>
-          <a:p>
-            <a:r>
-              <a:rPr lang="en-US" dirty="0" smtClean="0"/>
-              <a:t>-lacks security measures</a:t>
-            </a:r>
-            <a:r>
-              <a:rPr lang="en-US" baseline="0" dirty="0" smtClean="0"/>
-              <a:t> (i.e. encryption) </a:t>
-            </a:r>
-            <a:endParaRPr lang="en-US" dirty="0" smtClean="0"/>
-          </a:p>
-          <a:p>
-            <a:endParaRPr lang="en-US" dirty="0" smtClean="0"/>
-          </a:p>
-          <a:p>
-            <a:r>
-              <a:rPr lang="en-US" dirty="0" err="1" smtClean="0"/>
-              <a:t>OpenEMR</a:t>
-            </a:r>
-            <a:r>
-              <a:rPr lang="en-US" dirty="0" smtClean="0"/>
-              <a:t> V 1.0 released in June 2001</a:t>
-            </a:r>
-          </a:p>
-          <a:p>
-            <a:r>
-              <a:rPr lang="en-US" dirty="0" smtClean="0"/>
-              <a:t>-3700 downloads p/month</a:t>
-            </a:r>
+              <a:t> - Lower healthcare costs</a:t>
+            </a:r>
+          </a:p>
+          <a:p>
+            <a:endParaRPr lang="en-US" sz="1200" b="0" i="0" u="none" strike="noStrike" kern="1200" baseline="0" dirty="0" smtClean="0">
+              <a:solidFill>
+                <a:schemeClr val="tx1"/>
+              </a:solidFill>
+              <a:latin typeface="+mn-lt"/>
+              <a:ea typeface="+mn-ea"/>
+              <a:cs typeface="+mn-cs"/>
+            </a:endParaRPr>
+          </a:p>
+          <a:p>
+            <a:endParaRPr lang="en-US" sz="1200" b="0" i="0" u="none" strike="noStrike" kern="1200" baseline="0" dirty="0" smtClean="0">
+              <a:solidFill>
+                <a:schemeClr val="tx1"/>
+              </a:solidFill>
+              <a:latin typeface="+mn-lt"/>
+              <a:ea typeface="+mn-ea"/>
+              <a:cs typeface="+mn-cs"/>
+            </a:endParaRPr>
+          </a:p>
+          <a:p>
+            <a:endParaRPr lang="en-US" sz="1200" b="0" i="0" u="none" strike="noStrike" kern="1200" baseline="0" dirty="0" smtClean="0">
+              <a:solidFill>
+                <a:schemeClr val="tx1"/>
+              </a:solidFill>
+              <a:latin typeface="+mn-lt"/>
+              <a:ea typeface="+mn-ea"/>
+              <a:cs typeface="+mn-cs"/>
+            </a:endParaRPr>
+          </a:p>
+          <a:p>
+            <a:endParaRPr lang="en-US" sz="1200" b="0" i="0" u="none" strike="noStrike" kern="1200" baseline="0" dirty="0" smtClean="0">
+              <a:solidFill>
+                <a:schemeClr val="tx1"/>
+              </a:solidFill>
+              <a:latin typeface="+mn-lt"/>
+              <a:ea typeface="+mn-ea"/>
+              <a:cs typeface="+mn-cs"/>
+            </a:endParaRPr>
+          </a:p>
+          <a:p>
+            <a:endParaRPr lang="en-US" sz="1200" b="0" i="0" u="none" strike="noStrike" kern="1200" baseline="0" dirty="0" smtClean="0">
+              <a:solidFill>
+                <a:schemeClr val="tx1"/>
+              </a:solidFill>
+              <a:latin typeface="+mn-lt"/>
+              <a:ea typeface="+mn-ea"/>
+              <a:cs typeface="+mn-cs"/>
+            </a:endParaRPr>
+          </a:p>
+          <a:p>
             <a:endParaRPr lang="en-US" dirty="0"/>
           </a:p>
         </p:txBody>
@@ -1435,7 +995,7 @@
           <a:p>
             <a:fld id="{6538AC3F-63CE-4DD6-92CD-9B13526C2825}" type="slidenum">
               <a:rPr lang="en-US" smtClean="0"/>
-              <a:t>4</a:t>
+              <a:t>3</a:t>
             </a:fld>
             <a:endParaRPr lang="en-US"/>
           </a:p>
@@ -1444,7 +1004,7 @@
     </p:spTree>
     <p:extLst>
       <p:ext uri="{BB962C8B-B14F-4D97-AF65-F5344CB8AC3E}">
-        <p14:creationId xmlns:p14="http://schemas.microsoft.com/office/powerpoint/2010/main" val="3006771749"/>
+        <p14:creationId xmlns:p14="http://schemas.microsoft.com/office/powerpoint/2010/main" val="4279931477"/>
       </p:ext>
     </p:extLst>
   </p:cSld>
@@ -1500,17 +1060,478 @@
           <a:p>
             <a:r>
               <a:rPr lang="en-US" dirty="0" smtClean="0"/>
-              <a:t>-Taken out financial data</a:t>
+              <a:t>Background info on </a:t>
+            </a:r>
+          </a:p>
+          <a:p>
+            <a:r>
+              <a:rPr lang="en-US" dirty="0" err="1" smtClean="0"/>
+              <a:t>VistA</a:t>
+            </a:r>
+            <a:r>
+              <a:rPr lang="en-US" dirty="0" smtClean="0"/>
+              <a:t>- Veterans health info systems and technology</a:t>
+            </a:r>
+            <a:r>
+              <a:rPr lang="en-US" baseline="0" dirty="0" smtClean="0"/>
+              <a:t> Architecture </a:t>
+            </a:r>
+          </a:p>
+          <a:p>
+            <a:r>
+              <a:rPr lang="en-US" baseline="0" dirty="0" smtClean="0"/>
+              <a:t>Used throughout the US </a:t>
+            </a:r>
+            <a:r>
+              <a:rPr lang="en-US" baseline="0" dirty="0" err="1" smtClean="0"/>
+              <a:t>Dept</a:t>
+            </a:r>
+            <a:r>
+              <a:rPr lang="en-US" baseline="0" dirty="0" smtClean="0"/>
+              <a:t> of Veteran Affairs </a:t>
+            </a:r>
+          </a:p>
+          <a:p>
+            <a:r>
+              <a:rPr lang="en-US" baseline="0" dirty="0" smtClean="0"/>
+              <a:t>80 different clinical </a:t>
+            </a:r>
+            <a:r>
+              <a:rPr lang="en-US" baseline="0" dirty="0" err="1" smtClean="0"/>
+              <a:t>fxns</a:t>
+            </a:r>
+            <a:r>
+              <a:rPr lang="en-US" baseline="0" dirty="0" smtClean="0"/>
+              <a:t>, including: Mental Health, Blind Rehab, Ambulatory care, Radiology, Pharmaceutical, </a:t>
+            </a:r>
+            <a:r>
+              <a:rPr lang="en-US" baseline="0" dirty="0" err="1" smtClean="0"/>
+              <a:t>etc</a:t>
+            </a:r>
+            <a:r>
+              <a:rPr lang="en-US" baseline="0" dirty="0" smtClean="0"/>
+              <a:t>, </a:t>
+            </a:r>
+            <a:r>
+              <a:rPr lang="en-US" baseline="0" dirty="0" err="1" smtClean="0"/>
+              <a:t>etc</a:t>
             </a:r>
             <a:r>
               <a:rPr lang="en-US" baseline="0" dirty="0" smtClean="0"/>
               <a:t> </a:t>
             </a:r>
+            <a:r>
+              <a:rPr lang="en-US" baseline="0" dirty="0" err="1" smtClean="0"/>
+              <a:t>etc</a:t>
+            </a:r>
+            <a:endParaRPr lang="en-US" baseline="0" dirty="0" smtClean="0"/>
           </a:p>
           <a:p>
             <a:r>
               <a:rPr lang="en-US" baseline="0" dirty="0" smtClean="0"/>
-              <a:t>-Safeguard, (electronic paper trail) </a:t>
+              <a:t>Software modules for clinical care and financial </a:t>
+            </a:r>
+            <a:r>
+              <a:rPr lang="en-US" baseline="0" dirty="0" err="1" smtClean="0"/>
+              <a:t>fxns</a:t>
+            </a:r>
+            <a:endParaRPr lang="en-US" baseline="0" dirty="0" smtClean="0"/>
+          </a:p>
+          <a:p>
+            <a:r>
+              <a:rPr lang="en-US" baseline="0" dirty="0" smtClean="0"/>
+              <a:t>Currently the largest medical system in the US, provides care to 8 million veterans</a:t>
+            </a:r>
+          </a:p>
+          <a:p>
+            <a:r>
+              <a:rPr lang="en-US" baseline="0" dirty="0" smtClean="0"/>
+              <a:t>Already had automated data processing previously, but added a GUI in 1997. </a:t>
+            </a:r>
+          </a:p>
+          <a:p>
+            <a:r>
+              <a:rPr lang="en-US" baseline="0" dirty="0" smtClean="0"/>
+              <a:t>One of the first client-server architectures, that allowed health care providers to review and update a patient’s electronic medical record</a:t>
+            </a:r>
+            <a:endParaRPr lang="en-US" dirty="0" smtClean="0"/>
+          </a:p>
+          <a:p>
+            <a:endParaRPr lang="en-US" dirty="0" smtClean="0"/>
+          </a:p>
+          <a:p>
+            <a:r>
+              <a:rPr lang="en-US" dirty="0" smtClean="0"/>
+              <a:t>THIRRA-  </a:t>
+            </a:r>
+            <a:r>
+              <a:rPr lang="en-US" sz="1200" b="0" i="0" kern="1200" dirty="0" smtClean="0">
+                <a:solidFill>
+                  <a:schemeClr val="tx1"/>
+                </a:solidFill>
+                <a:effectLst/>
+                <a:latin typeface="+mn-lt"/>
+                <a:ea typeface="+mn-ea"/>
+                <a:cs typeface="+mn-cs"/>
+              </a:rPr>
+              <a:t> project title Portable System </a:t>
+            </a:r>
+            <a:r>
+              <a:rPr lang="en-US" sz="1200" b="0" i="0" kern="1200" dirty="0" err="1" smtClean="0">
+                <a:solidFill>
+                  <a:schemeClr val="tx1"/>
+                </a:solidFill>
+                <a:effectLst/>
+                <a:latin typeface="+mn-lt"/>
+                <a:ea typeface="+mn-ea"/>
+                <a:cs typeface="+mn-cs"/>
+              </a:rPr>
+              <a:t>for</a:t>
+            </a:r>
+            <a:r>
+              <a:rPr lang="en-US" sz="1200" b="1" i="0" kern="1200" dirty="0" err="1" smtClean="0">
+                <a:solidFill>
+                  <a:schemeClr val="tx1"/>
+                </a:solidFill>
+                <a:effectLst/>
+                <a:latin typeface="+mn-lt"/>
+                <a:ea typeface="+mn-ea"/>
+                <a:cs typeface="+mn-cs"/>
+              </a:rPr>
+              <a:t>T</a:t>
+            </a:r>
+            <a:r>
+              <a:rPr lang="en-US" sz="1200" b="0" i="0" kern="1200" dirty="0" err="1" smtClean="0">
+                <a:solidFill>
+                  <a:schemeClr val="tx1"/>
+                </a:solidFill>
+                <a:effectLst/>
+                <a:latin typeface="+mn-lt"/>
+                <a:ea typeface="+mn-ea"/>
+                <a:cs typeface="+mn-cs"/>
+              </a:rPr>
+              <a:t>eleHealth</a:t>
+            </a:r>
+            <a:r>
+              <a:rPr lang="en-US" sz="1200" b="0" i="0" kern="1200" dirty="0" smtClean="0">
+                <a:solidFill>
+                  <a:schemeClr val="tx1"/>
+                </a:solidFill>
+                <a:effectLst/>
+                <a:latin typeface="+mn-lt"/>
+                <a:ea typeface="+mn-ea"/>
+                <a:cs typeface="+mn-cs"/>
+              </a:rPr>
+              <a:t> and </a:t>
+            </a:r>
+            <a:r>
+              <a:rPr lang="en-US" sz="1200" b="1" i="0" kern="1200" dirty="0" smtClean="0">
+                <a:solidFill>
+                  <a:schemeClr val="tx1"/>
+                </a:solidFill>
+                <a:effectLst/>
+                <a:latin typeface="+mn-lt"/>
+                <a:ea typeface="+mn-ea"/>
+                <a:cs typeface="+mn-cs"/>
+              </a:rPr>
+              <a:t>H</a:t>
+            </a:r>
+            <a:r>
+              <a:rPr lang="en-US" sz="1200" b="0" i="0" kern="1200" dirty="0" smtClean="0">
+                <a:solidFill>
+                  <a:schemeClr val="tx1"/>
+                </a:solidFill>
+                <a:effectLst/>
+                <a:latin typeface="+mn-lt"/>
+                <a:ea typeface="+mn-ea"/>
+                <a:cs typeface="+mn-cs"/>
+              </a:rPr>
+              <a:t>ealth </a:t>
+            </a:r>
+            <a:r>
+              <a:rPr lang="en-US" sz="1200" b="1" i="0" kern="1200" dirty="0" smtClean="0">
+                <a:solidFill>
+                  <a:schemeClr val="tx1"/>
+                </a:solidFill>
+                <a:effectLst/>
+                <a:latin typeface="+mn-lt"/>
+                <a:ea typeface="+mn-ea"/>
+                <a:cs typeface="+mn-cs"/>
+              </a:rPr>
+              <a:t>I</a:t>
+            </a:r>
+            <a:r>
+              <a:rPr lang="en-US" sz="1200" b="0" i="0" kern="1200" dirty="0" smtClean="0">
+                <a:solidFill>
+                  <a:schemeClr val="tx1"/>
+                </a:solidFill>
+                <a:effectLst/>
+                <a:latin typeface="+mn-lt"/>
+                <a:ea typeface="+mn-ea"/>
+                <a:cs typeface="+mn-cs"/>
+              </a:rPr>
+              <a:t>nformatics for </a:t>
+            </a:r>
+            <a:r>
+              <a:rPr lang="en-US" sz="1200" b="1" i="0" kern="1200" dirty="0" smtClean="0">
+                <a:solidFill>
+                  <a:schemeClr val="tx1"/>
+                </a:solidFill>
+                <a:effectLst/>
+                <a:latin typeface="+mn-lt"/>
+                <a:ea typeface="+mn-ea"/>
+                <a:cs typeface="+mn-cs"/>
+              </a:rPr>
+              <a:t>R</a:t>
+            </a:r>
+            <a:r>
+              <a:rPr lang="en-US" sz="1200" b="0" i="0" kern="1200" dirty="0" smtClean="0">
+                <a:solidFill>
+                  <a:schemeClr val="tx1"/>
+                </a:solidFill>
+                <a:effectLst/>
+                <a:latin typeface="+mn-lt"/>
+                <a:ea typeface="+mn-ea"/>
+                <a:cs typeface="+mn-cs"/>
+              </a:rPr>
+              <a:t>ural and </a:t>
+            </a:r>
+            <a:r>
+              <a:rPr lang="en-US" sz="1200" b="1" i="0" kern="1200" dirty="0" smtClean="0">
+                <a:solidFill>
+                  <a:schemeClr val="tx1"/>
+                </a:solidFill>
+                <a:effectLst/>
+                <a:latin typeface="+mn-lt"/>
+                <a:ea typeface="+mn-ea"/>
+                <a:cs typeface="+mn-cs"/>
+              </a:rPr>
+              <a:t>R</a:t>
+            </a:r>
+            <a:r>
+              <a:rPr lang="en-US" sz="1200" b="0" i="0" kern="1200" dirty="0" smtClean="0">
+                <a:solidFill>
+                  <a:schemeClr val="tx1"/>
+                </a:solidFill>
+                <a:effectLst/>
+                <a:latin typeface="+mn-lt"/>
+                <a:ea typeface="+mn-ea"/>
+                <a:cs typeface="+mn-cs"/>
+              </a:rPr>
+              <a:t>emote </a:t>
+            </a:r>
+            <a:r>
+              <a:rPr lang="en-US" sz="1200" b="1" i="0" kern="1200" dirty="0" smtClean="0">
+                <a:solidFill>
+                  <a:schemeClr val="tx1"/>
+                </a:solidFill>
+                <a:effectLst/>
+                <a:latin typeface="+mn-lt"/>
+                <a:ea typeface="+mn-ea"/>
+                <a:cs typeface="+mn-cs"/>
+              </a:rPr>
+              <a:t>A</a:t>
+            </a:r>
+            <a:r>
+              <a:rPr lang="en-US" sz="1200" b="0" i="0" kern="1200" dirty="0" smtClean="0">
+                <a:solidFill>
+                  <a:schemeClr val="tx1"/>
+                </a:solidFill>
+                <a:effectLst/>
+                <a:latin typeface="+mn-lt"/>
+                <a:ea typeface="+mn-ea"/>
+                <a:cs typeface="+mn-cs"/>
+              </a:rPr>
+              <a:t>reas. </a:t>
+            </a:r>
+          </a:p>
+          <a:p>
+            <a:r>
+              <a:rPr lang="en-US" sz="1200" b="0" i="0" kern="1200" dirty="0" smtClean="0">
+                <a:solidFill>
+                  <a:schemeClr val="tx1"/>
+                </a:solidFill>
+                <a:effectLst/>
+                <a:latin typeface="+mn-lt"/>
+                <a:ea typeface="+mn-ea"/>
+                <a:cs typeface="+mn-cs"/>
+              </a:rPr>
+              <a:t>Started in 2007,</a:t>
+            </a:r>
+            <a:r>
+              <a:rPr lang="en-US" sz="1200" b="0" i="0" kern="1200" baseline="0" dirty="0" smtClean="0">
+                <a:solidFill>
+                  <a:schemeClr val="tx1"/>
+                </a:solidFill>
+                <a:effectLst/>
+                <a:latin typeface="+mn-lt"/>
+                <a:ea typeface="+mn-ea"/>
+                <a:cs typeface="+mn-cs"/>
+              </a:rPr>
+              <a:t> Written in PHP, with a </a:t>
+            </a:r>
+            <a:r>
+              <a:rPr lang="en-US" sz="1200" b="0" i="0" kern="1200" baseline="0" dirty="0" err="1" smtClean="0">
+                <a:solidFill>
+                  <a:schemeClr val="tx1"/>
+                </a:solidFill>
+                <a:effectLst/>
+                <a:latin typeface="+mn-lt"/>
+                <a:ea typeface="+mn-ea"/>
+                <a:cs typeface="+mn-cs"/>
+              </a:rPr>
+              <a:t>PostgreSQL</a:t>
+            </a:r>
+            <a:r>
+              <a:rPr lang="en-US" sz="1200" b="0" i="0" kern="1200" baseline="0" dirty="0" smtClean="0">
+                <a:solidFill>
+                  <a:schemeClr val="tx1"/>
+                </a:solidFill>
+                <a:effectLst/>
+                <a:latin typeface="+mn-lt"/>
+                <a:ea typeface="+mn-ea"/>
+                <a:cs typeface="+mn-cs"/>
+              </a:rPr>
+              <a:t> database backend. </a:t>
+            </a:r>
+          </a:p>
+          <a:p>
+            <a:endParaRPr lang="en-US" dirty="0" smtClean="0"/>
+          </a:p>
+          <a:p>
+            <a:r>
+              <a:rPr lang="en-US" baseline="0" dirty="0" smtClean="0"/>
+              <a:t>ZEPRS- </a:t>
+            </a:r>
+            <a:r>
+              <a:rPr lang="en-US" sz="1200" b="0" i="0" kern="1200" dirty="0" smtClean="0">
+                <a:solidFill>
+                  <a:schemeClr val="tx1"/>
+                </a:solidFill>
+                <a:effectLst/>
+                <a:latin typeface="+mn-lt"/>
+                <a:ea typeface="+mn-ea"/>
+                <a:cs typeface="+mn-cs"/>
+              </a:rPr>
+              <a:t>The </a:t>
+            </a:r>
+            <a:r>
+              <a:rPr lang="en-US" sz="1200" b="1" i="0" kern="1200" dirty="0" smtClean="0">
+                <a:solidFill>
+                  <a:schemeClr val="tx1"/>
+                </a:solidFill>
+                <a:effectLst/>
+                <a:latin typeface="+mn-lt"/>
+                <a:ea typeface="+mn-ea"/>
+                <a:cs typeface="+mn-cs"/>
+              </a:rPr>
+              <a:t>Zambia Electronic </a:t>
+            </a:r>
+            <a:r>
+              <a:rPr lang="en-US" sz="1200" b="1" i="0" u="none" strike="noStrike" kern="1200" dirty="0" smtClean="0">
+                <a:solidFill>
+                  <a:schemeClr val="tx1"/>
+                </a:solidFill>
+                <a:effectLst/>
+                <a:latin typeface="+mn-lt"/>
+                <a:ea typeface="+mn-ea"/>
+                <a:cs typeface="+mn-cs"/>
+                <a:hlinkClick r:id="rId3" tooltip="Perinatal"/>
+              </a:rPr>
+              <a:t>Perinatal</a:t>
+            </a:r>
+            <a:r>
+              <a:rPr lang="en-US" sz="1200" b="1" i="0" kern="1200" dirty="0" smtClean="0">
+                <a:solidFill>
+                  <a:schemeClr val="tx1"/>
+                </a:solidFill>
+                <a:effectLst/>
+                <a:latin typeface="+mn-lt"/>
+                <a:ea typeface="+mn-ea"/>
+                <a:cs typeface="+mn-cs"/>
+              </a:rPr>
+              <a:t> Record System</a:t>
+            </a:r>
+            <a:r>
+              <a:rPr lang="en-US" sz="1200" b="0" i="0" kern="1200" dirty="0" smtClean="0">
+                <a:solidFill>
+                  <a:schemeClr val="tx1"/>
+                </a:solidFill>
+                <a:effectLst/>
+                <a:latin typeface="+mn-lt"/>
+                <a:ea typeface="+mn-ea"/>
+                <a:cs typeface="+mn-cs"/>
+              </a:rPr>
+              <a:t> (</a:t>
+            </a:r>
+            <a:r>
+              <a:rPr lang="en-US" sz="1200" b="1" i="0" kern="1200" dirty="0" smtClean="0">
+                <a:solidFill>
+                  <a:schemeClr val="tx1"/>
+                </a:solidFill>
+                <a:effectLst/>
+                <a:latin typeface="+mn-lt"/>
+                <a:ea typeface="+mn-ea"/>
+                <a:cs typeface="+mn-cs"/>
+              </a:rPr>
+              <a:t>ZEPRS</a:t>
+            </a:r>
+            <a:r>
+              <a:rPr lang="en-US" sz="1200" b="0" i="0" kern="1200" dirty="0" smtClean="0">
+                <a:solidFill>
+                  <a:schemeClr val="tx1"/>
+                </a:solidFill>
+                <a:effectLst/>
+                <a:latin typeface="+mn-lt"/>
+                <a:ea typeface="+mn-ea"/>
+                <a:cs typeface="+mn-cs"/>
+              </a:rPr>
+              <a:t>) </a:t>
+            </a:r>
+          </a:p>
+          <a:p>
+            <a:r>
+              <a:rPr lang="en-US" sz="1200" b="0" i="0" kern="1200" dirty="0" smtClean="0">
+                <a:solidFill>
+                  <a:schemeClr val="tx1"/>
+                </a:solidFill>
+                <a:effectLst/>
+                <a:latin typeface="+mn-lt"/>
+                <a:ea typeface="+mn-ea"/>
+                <a:cs typeface="+mn-cs"/>
+              </a:rPr>
+              <a:t>- For an obesity clinic</a:t>
+            </a:r>
+            <a:endParaRPr lang="en-US" dirty="0" smtClean="0"/>
+          </a:p>
+          <a:p>
+            <a:r>
+              <a:rPr lang="en-US" dirty="0" smtClean="0"/>
+              <a:t>-lacks security measures</a:t>
+            </a:r>
+            <a:r>
+              <a:rPr lang="en-US" baseline="0" dirty="0" smtClean="0"/>
+              <a:t> (i.e. encryption) </a:t>
+            </a:r>
+            <a:endParaRPr lang="en-US" dirty="0" smtClean="0"/>
+          </a:p>
+          <a:p>
+            <a:endParaRPr lang="en-US" dirty="0" smtClean="0"/>
+          </a:p>
+          <a:p>
+            <a:r>
+              <a:rPr lang="en-US" dirty="0" err="1" smtClean="0"/>
+              <a:t>OpenEMR</a:t>
+            </a:r>
+            <a:r>
+              <a:rPr lang="en-US" dirty="0" smtClean="0"/>
+              <a:t> V 1.0 released in June 2001</a:t>
+            </a:r>
+          </a:p>
+          <a:p>
+            <a:r>
+              <a:rPr lang="en-US" dirty="0" smtClean="0"/>
+              <a:t>-3700 downloads p/month</a:t>
             </a:r>
             <a:endParaRPr lang="en-US" dirty="0"/>
           </a:p>
@@ -1533,7 +1554,7 @@
           <a:p>
             <a:fld id="{6538AC3F-63CE-4DD6-92CD-9B13526C2825}" type="slidenum">
               <a:rPr lang="en-US" smtClean="0"/>
-              <a:t>5</a:t>
+              <a:t>4</a:t>
             </a:fld>
             <a:endParaRPr lang="en-US"/>
           </a:p>
@@ -1542,7 +1563,7 @@
     </p:spTree>
     <p:extLst>
       <p:ext uri="{BB962C8B-B14F-4D97-AF65-F5344CB8AC3E}">
-        <p14:creationId xmlns:p14="http://schemas.microsoft.com/office/powerpoint/2010/main" val="2423766743"/>
+        <p14:creationId xmlns:p14="http://schemas.microsoft.com/office/powerpoint/2010/main" val="3006771749"/>
       </p:ext>
     </p:extLst>
   </p:cSld>
@@ -1598,11 +1619,25 @@
           <a:p>
             <a:r>
               <a:rPr lang="en-US" dirty="0" smtClean="0"/>
-              <a:t>These are the 3 ‘big’ things the “state of the art” software</a:t>
+              <a:t>- Taken </a:t>
+            </a:r>
+            <a:r>
+              <a:rPr lang="en-US" dirty="0" smtClean="0"/>
+              <a:t>out financial data</a:t>
             </a:r>
             <a:r>
               <a:rPr lang="en-US" baseline="0" dirty="0" smtClean="0"/>
-              <a:t> uses</a:t>
+              <a:t> </a:t>
+            </a:r>
+          </a:p>
+          <a:p>
+            <a:r>
+              <a:rPr lang="en-US" baseline="0" dirty="0" smtClean="0"/>
+              <a:t>- Safeguard</a:t>
+            </a:r>
+            <a:r>
+              <a:rPr lang="en-US" baseline="0" dirty="0" smtClean="0"/>
+              <a:t>, (electronic paper trail) </a:t>
             </a:r>
             <a:endParaRPr lang="en-US" dirty="0"/>
           </a:p>
@@ -1625,7 +1660,7 @@
           <a:p>
             <a:fld id="{6538AC3F-63CE-4DD6-92CD-9B13526C2825}" type="slidenum">
               <a:rPr lang="en-US" smtClean="0"/>
-              <a:t>6</a:t>
+              <a:t>5</a:t>
             </a:fld>
             <a:endParaRPr lang="en-US"/>
           </a:p>
@@ -1634,7 +1669,7 @@
     </p:spTree>
     <p:extLst>
       <p:ext uri="{BB962C8B-B14F-4D97-AF65-F5344CB8AC3E}">
-        <p14:creationId xmlns:p14="http://schemas.microsoft.com/office/powerpoint/2010/main" val="109463441"/>
+        <p14:creationId xmlns:p14="http://schemas.microsoft.com/office/powerpoint/2010/main" val="2423766743"/>
       </p:ext>
     </p:extLst>
   </p:cSld>
@@ -1690,6 +1725,98 @@
           <a:p>
             <a:r>
               <a:rPr lang="en-US" dirty="0" smtClean="0"/>
+              <a:t>These are the 3 ‘big’ things the “state of the art” software</a:t>
+            </a:r>
+            <a:r>
+              <a:rPr lang="en-US" baseline="0" dirty="0" smtClean="0"/>
+              <a:t> uses</a:t>
+            </a:r>
+            <a:endParaRPr lang="en-US" dirty="0"/>
+          </a:p>
+        </p:txBody>
+      </p:sp>
+      <p:sp>
+        <p:nvSpPr>
+          <p:cNvPr id="4" name="Slide Number Placeholder 3"/>
+          <p:cNvSpPr>
+            <a:spLocks noGrp="1"/>
+          </p:cNvSpPr>
+          <p:nvPr>
+            <p:ph type="sldNum" sz="quarter" idx="10"/>
+          </p:nvPr>
+        </p:nvSpPr>
+        <p:spPr/>
+        <p:txBody>
+          <a:bodyPr/>
+          <a:lstStyle/>
+          <a:p>
+            <a:fld id="{6538AC3F-63CE-4DD6-92CD-9B13526C2825}" type="slidenum">
+              <a:rPr lang="en-US" smtClean="0"/>
+              <a:t>6</a:t>
+            </a:fld>
+            <a:endParaRPr lang="en-US"/>
+          </a:p>
+        </p:txBody>
+      </p:sp>
+    </p:spTree>
+    <p:extLst>
+      <p:ext uri="{BB962C8B-B14F-4D97-AF65-F5344CB8AC3E}">
+        <p14:creationId xmlns:p14="http://schemas.microsoft.com/office/powerpoint/2010/main" val="109463441"/>
+      </p:ext>
+    </p:extLst>
+  </p:cSld>
+  <p:clrMapOvr>
+    <a:masterClrMapping/>
+  </p:clrMapOvr>
+</p:notes>
+</file>
+
+<file path=ppt/notesSlides/notesSlide7.xml><?xml version="1.0" encoding="utf-8"?>
+<p:notes xmlns:a="http://schemas.openxmlformats.org/drawingml/2006/main" xmlns:r="http://schemas.openxmlformats.org/officeDocument/2006/relationships" xmlns:p="http://schemas.openxmlformats.org/presentationml/2006/main">
+  <p:cSld>
+    <p:spTree>
+      <p:nvGrpSpPr>
+        <p:cNvPr id="1" name=""/>
+        <p:cNvGrpSpPr/>
+        <p:nvPr/>
+      </p:nvGrpSpPr>
+      <p:grpSpPr>
+        <a:xfrm>
+          <a:off x="0" y="0"/>
+          <a:ext cx="0" cy="0"/>
+          <a:chOff x="0" y="0"/>
+          <a:chExt cx="0" cy="0"/>
+        </a:xfrm>
+      </p:grpSpPr>
+      <p:sp>
+        <p:nvSpPr>
+          <p:cNvPr id="2" name="Slide Image Placeholder 1"/>
+          <p:cNvSpPr>
+            <a:spLocks noGrp="1" noRot="1" noChangeAspect="1"/>
+          </p:cNvSpPr>
+          <p:nvPr>
+            <p:ph type="sldImg"/>
+          </p:nvPr>
+        </p:nvSpPr>
+        <p:spPr/>
+      </p:sp>
+      <p:sp>
+        <p:nvSpPr>
+          <p:cNvPr id="3" name="Notes Placeholder 2"/>
+          <p:cNvSpPr>
+            <a:spLocks noGrp="1"/>
+          </p:cNvSpPr>
+          <p:nvPr>
+            <p:ph type="body" idx="1"/>
+          </p:nvPr>
+        </p:nvSpPr>
+        <p:spPr/>
+        <p:txBody>
+          <a:bodyPr/>
+          <a:lstStyle/>
+          <a:p>
+            <a:r>
+              <a:rPr lang="en-US" dirty="0" smtClean="0"/>
               <a:t>i.e.</a:t>
             </a:r>
             <a:r>
@@ -1727,6 +1854,142 @@
     <p:extLst>
       <p:ext uri="{BB962C8B-B14F-4D97-AF65-F5344CB8AC3E}">
         <p14:creationId xmlns:p14="http://schemas.microsoft.com/office/powerpoint/2010/main" val="2185386872"/>
+      </p:ext>
+    </p:extLst>
+  </p:cSld>
+  <p:clrMapOvr>
+    <a:masterClrMapping/>
+  </p:clrMapOvr>
+</p:notes>
+</file>
+
+<file path=ppt/notesSlides/notesSlide8.xml><?xml version="1.0" encoding="utf-8"?>
+<p:notes xmlns:a="http://schemas.openxmlformats.org/drawingml/2006/main" xmlns:r="http://schemas.openxmlformats.org/officeDocument/2006/relationships" xmlns:p="http://schemas.openxmlformats.org/presentationml/2006/main">
+  <p:cSld>
+    <p:spTree>
+      <p:nvGrpSpPr>
+        <p:cNvPr id="1" name=""/>
+        <p:cNvGrpSpPr/>
+        <p:nvPr/>
+      </p:nvGrpSpPr>
+      <p:grpSpPr>
+        <a:xfrm>
+          <a:off x="0" y="0"/>
+          <a:ext cx="0" cy="0"/>
+          <a:chOff x="0" y="0"/>
+          <a:chExt cx="0" cy="0"/>
+        </a:xfrm>
+      </p:grpSpPr>
+      <p:sp>
+        <p:nvSpPr>
+          <p:cNvPr id="2" name="Slide Image Placeholder 1"/>
+          <p:cNvSpPr>
+            <a:spLocks noGrp="1" noRot="1" noChangeAspect="1"/>
+          </p:cNvSpPr>
+          <p:nvPr>
+            <p:ph type="sldImg"/>
+          </p:nvPr>
+        </p:nvSpPr>
+        <p:spPr/>
+      </p:sp>
+      <p:sp>
+        <p:nvSpPr>
+          <p:cNvPr id="3" name="Notes Placeholder 2"/>
+          <p:cNvSpPr>
+            <a:spLocks noGrp="1"/>
+          </p:cNvSpPr>
+          <p:nvPr>
+            <p:ph type="body" idx="1"/>
+          </p:nvPr>
+        </p:nvSpPr>
+        <p:spPr/>
+        <p:txBody>
+          <a:bodyPr/>
+          <a:lstStyle/>
+          <a:p>
+            <a:pPr marL="0" marR="0" indent="0" algn="l" defTabSz="914400" rtl="0" eaLnBrk="1" fontAlgn="auto" latinLnBrk="0" hangingPunct="1">
+              <a:lnSpc>
+                <a:spcPct val="100000"/>
+              </a:lnSpc>
+              <a:spcBef>
+                <a:spcPts val="0"/>
+              </a:spcBef>
+              <a:spcAft>
+                <a:spcPts val="0"/>
+              </a:spcAft>
+              <a:buClrTx/>
+              <a:buSzTx/>
+              <a:buFontTx/>
+              <a:buNone/>
+              <a:tabLst/>
+              <a:defRPr/>
+            </a:pPr>
+            <a:r>
+              <a:rPr lang="en-US" dirty="0" smtClean="0"/>
+              <a:t>References:</a:t>
+            </a:r>
+            <a:endParaRPr lang="en-US" sz="1200" dirty="0" smtClean="0">
+              <a:hlinkClick r:id="rId3"/>
+            </a:endParaRPr>
+          </a:p>
+          <a:p>
+            <a:pPr marL="0" marR="0" indent="0" algn="l" defTabSz="914400" rtl="0" eaLnBrk="1" fontAlgn="auto" latinLnBrk="0" hangingPunct="1">
+              <a:lnSpc>
+                <a:spcPct val="100000"/>
+              </a:lnSpc>
+              <a:spcBef>
+                <a:spcPts val="0"/>
+              </a:spcBef>
+              <a:spcAft>
+                <a:spcPts val="0"/>
+              </a:spcAft>
+              <a:buClrTx/>
+              <a:buSzTx/>
+              <a:buFontTx/>
+              <a:buNone/>
+              <a:tabLst/>
+              <a:defRPr/>
+            </a:pPr>
+            <a:r>
+              <a:rPr lang="en-US" sz="1200" dirty="0" smtClean="0">
+                <a:hlinkClick r:id="rId3"/>
+              </a:rPr>
+              <a:t>http://en.wikipedia.org/wiki/List_of_open-source_healthcare_software#Electronic_health_or_medical_record</a:t>
+            </a:r>
+            <a:endParaRPr lang="en-US" sz="1200" dirty="0" smtClean="0"/>
+          </a:p>
+          <a:p>
+            <a:endParaRPr lang="en-US" dirty="0"/>
+          </a:p>
+        </p:txBody>
+      </p:sp>
+      <p:sp>
+        <p:nvSpPr>
+          <p:cNvPr id="4" name="Slide Number Placeholder 3"/>
+          <p:cNvSpPr>
+            <a:spLocks noGrp="1"/>
+          </p:cNvSpPr>
+          <p:nvPr>
+            <p:ph type="sldNum" sz="quarter" idx="10"/>
+          </p:nvPr>
+        </p:nvSpPr>
+        <p:spPr/>
+        <p:txBody>
+          <a:bodyPr/>
+          <a:lstStyle/>
+          <a:p>
+            <a:fld id="{6538AC3F-63CE-4DD6-92CD-9B13526C2825}" type="slidenum">
+              <a:rPr lang="en-US" smtClean="0"/>
+              <a:t>9</a:t>
+            </a:fld>
+            <a:endParaRPr lang="en-US"/>
+          </a:p>
+        </p:txBody>
+      </p:sp>
+    </p:spTree>
+    <p:extLst>
+      <p:ext uri="{BB962C8B-B14F-4D97-AF65-F5344CB8AC3E}">
+        <p14:creationId xmlns:p14="http://schemas.microsoft.com/office/powerpoint/2010/main" val="15417223"/>
       </p:ext>
     </p:extLst>
   </p:cSld>
@@ -5305,17 +5568,17 @@
             </a:r>
           </a:p>
           <a:p>
-            <a:pPr>
+            <a:pPr lvl="1">
               <a:lnSpc>
                 <a:spcPct val="150000"/>
               </a:lnSpc>
             </a:pPr>
             <a:r>
-              <a:rPr lang="en-US" sz="2800" dirty="0" err="1" smtClean="0"/>
+              <a:rPr lang="en-US" sz="2600" dirty="0" err="1" smtClean="0"/>
               <a:t>OpenEMR</a:t>
             </a:r>
             <a:r>
-              <a:rPr lang="en-US" sz="2800" dirty="0" smtClean="0"/>
+              <a:rPr lang="en-US" sz="2600" dirty="0" smtClean="0"/>
               <a:t>- one of the most widely used</a:t>
             </a:r>
           </a:p>
@@ -5439,6 +5702,18 @@
               <a:rPr lang="en-US" sz="2800" dirty="0" smtClean="0"/>
               <a:t>, took out many unneeded features. </a:t>
             </a:r>
+            <a:endParaRPr lang="en-US" sz="2800" dirty="0" smtClean="0"/>
+          </a:p>
+          <a:p>
+            <a:pPr>
+              <a:lnSpc>
+                <a:spcPct val="200000"/>
+              </a:lnSpc>
+            </a:pPr>
+            <a:r>
+              <a:rPr lang="en-US" sz="2800" dirty="0" smtClean="0"/>
+              <a:t>Onsite Access through intranet (LAN).</a:t>
+            </a:r>
             <a:endParaRPr lang="en-US" sz="2800" dirty="0"/>
           </a:p>
         </p:txBody>
@@ -5705,7 +5980,15 @@
             </a:pPr>
             <a:r>
               <a:rPr lang="en-US" sz="2800" dirty="0" smtClean="0"/>
-              <a:t>Add Patients.</a:t>
+              <a:t>Add </a:t>
+            </a:r>
+            <a:r>
+              <a:rPr lang="en-US" sz="2800" dirty="0" smtClean="0"/>
+              <a:t>Patients</a:t>
+            </a:r>
+            <a:r>
+              <a:rPr lang="en-US" sz="2800" dirty="0" smtClean="0"/>
+              <a:t>.</a:t>
             </a:r>
           </a:p>
           <a:p>
@@ -5716,9 +5999,9 @@
             </a:pPr>
             <a:r>
               <a:rPr lang="en-US" sz="2800" dirty="0" smtClean="0"/>
-              <a:t>Store patient photos on server file system.</a:t>
-            </a:r>
-            <a:endParaRPr lang="en-US" sz="2800" dirty="0"/>
+              <a:t>Search Patients.</a:t>
+            </a:r>
+            <a:endParaRPr lang="en-US" sz="2800" dirty="0" smtClean="0"/>
           </a:p>
         </p:txBody>
       </p:sp>
@@ -5808,7 +6091,7 @@
         </p:spPr>
         <p:txBody>
           <a:bodyPr>
-            <a:normAutofit/>
+            <a:normAutofit lnSpcReduction="10000"/>
           </a:bodyPr>
           <a:lstStyle/>
           <a:p>
@@ -5829,8 +6112,12 @@
               </a:lnSpc>
             </a:pPr>
             <a:r>
+              <a:rPr lang="en-US" sz="2800" dirty="0"/>
+              <a:t>Encrypting information in database</a:t>
+            </a:r>
+            <a:r>
               <a:rPr lang="en-US" sz="2800" dirty="0" smtClean="0"/>
-              <a:t>Encrypting information in database.</a:t>
+              <a:t>.</a:t>
             </a:r>
           </a:p>
           <a:p>
@@ -5841,12 +6128,25 @@
             </a:pPr>
             <a:r>
               <a:rPr lang="en-US" sz="2800" dirty="0" smtClean="0"/>
-              <a:t>Associate Image with patient</a:t>
+              <a:t>Associate images </a:t>
+            </a:r>
+            <a:r>
+              <a:rPr lang="en-US" sz="2800" dirty="0"/>
+              <a:t>with </a:t>
+            </a:r>
+            <a:r>
+              <a:rPr lang="en-US" sz="2800" dirty="0" smtClean="0"/>
+              <a:t>patients by storing patient </a:t>
+            </a:r>
+            <a:r>
+              <a:rPr lang="en-US" sz="2800" dirty="0"/>
+              <a:t>photos on server file system</a:t>
             </a:r>
             <a:r>
               <a:rPr lang="en-US" sz="2800" dirty="0" smtClean="0"/>
               <a:t>.</a:t>
             </a:r>
+            <a:endParaRPr lang="en-US" sz="2800" dirty="0" smtClean="0"/>
           </a:p>
           <a:p>
             <a:pPr>
@@ -5856,9 +6156,12 @@
             </a:pPr>
             <a:r>
               <a:rPr lang="en-US" sz="2800" dirty="0" smtClean="0"/>
-              <a:t>Audit (Log) Table.</a:t>
-            </a:r>
-            <a:endParaRPr lang="en-US" sz="2800" dirty="0" smtClean="0"/>
+              <a:t>Audit </a:t>
+            </a:r>
+            <a:r>
+              <a:rPr lang="en-US" sz="2800" dirty="0" smtClean="0"/>
+              <a:t>(Log) Table.</a:t>
+            </a:r>
           </a:p>
           <a:p>
             <a:pPr>
@@ -5892,8 +6195,8 @@
         </p:blipFill>
         <p:spPr>
           <a:xfrm>
-            <a:off x="5882656" y="4191000"/>
-            <a:ext cx="2821018" cy="2503370"/>
+            <a:off x="6934200" y="4953000"/>
+            <a:ext cx="1773418" cy="1573730"/>
           </a:xfrm>
           <a:prstGeom prst="rect">
             <a:avLst/>
@@ -5949,12 +6252,12 @@
         </p:nvSpPr>
         <p:spPr>
           <a:xfrm>
-            <a:off x="0" y="381000"/>
-            <a:ext cx="8458200" cy="793812"/>
+            <a:off x="0" y="0"/>
+            <a:ext cx="9144000" cy="6858000"/>
           </a:xfrm>
         </p:spPr>
         <p:txBody>
-          <a:bodyPr>
+          <a:bodyPr anchor="ctr">
             <a:normAutofit/>
           </a:bodyPr>
           <a:lstStyle/>
@@ -5962,41 +6265,16 @@
             <a:pPr algn="ctr"/>
             <a:r>
               <a:rPr lang="en-US" dirty="0" smtClean="0"/>
-              <a:t>References for this Presentation</a:t>
-            </a:r>
+              <a:t>fin</a:t>
+            </a:r>
+            <a:r>
+              <a:rPr lang="en-US" dirty="0"/>
+              <a:t/>
+            </a:r>
+            <a:br>
+              <a:rPr lang="en-US" dirty="0"/>
+            </a:br>
             <a:endParaRPr lang="en-US" dirty="0"/>
-          </a:p>
-        </p:txBody>
-      </p:sp>
-      <p:sp>
-        <p:nvSpPr>
-          <p:cNvPr id="3" name="Content Placeholder 2"/>
-          <p:cNvSpPr>
-            <a:spLocks noGrp="1"/>
-          </p:cNvSpPr>
-          <p:nvPr>
-            <p:ph idx="1"/>
-          </p:nvPr>
-        </p:nvSpPr>
-        <p:spPr>
-          <a:xfrm>
-            <a:off x="914400" y="1905001"/>
-            <a:ext cx="7315200" cy="4404360"/>
-          </a:xfrm>
-        </p:spPr>
-        <p:txBody>
-          <a:bodyPr>
-            <a:normAutofit/>
-          </a:bodyPr>
-          <a:lstStyle/>
-          <a:p>
-            <a:r>
-              <a:rPr lang="en-US" sz="2800" dirty="0" smtClean="0">
-                <a:hlinkClick r:id="rId2"/>
-              </a:rPr>
-              <a:t>http://en.wikipedia.org/wiki/List_of_open-source_healthcare_software#Electronic_health_or_medical_record</a:t>
-            </a:r>
-            <a:endParaRPr lang="en-US" sz="2800" dirty="0"/>
           </a:p>
         </p:txBody>
       </p:sp>

--- a/MidTerm/Midterm_presentation_SEMRS.pptx
+++ b/MidTerm/Midterm_presentation_SEMRS.pptx
@@ -19,7 +19,7 @@
     <p:sldId id="264" r:id="rId10"/>
   </p:sldIdLst>
   <p:sldSz cx="9144000" cy="6858000" type="screen4x3"/>
-  <p:notesSz cx="6858000" cy="9144000"/>
+  <p:notesSz cx="7010400" cy="9296400"/>
   <p:defaultTextStyle>
     <a:defPPr>
       <a:defRPr lang="en-US"/>
@@ -153,14 +153,14 @@
         <p:spPr>
           <a:xfrm>
             <a:off x="0" y="0"/>
-            <a:ext cx="2971800" cy="457200"/>
+            <a:ext cx="3037840" cy="464820"/>
           </a:xfrm>
           <a:prstGeom prst="rect">
             <a:avLst/>
           </a:prstGeom>
         </p:spPr>
         <p:txBody>
-          <a:bodyPr vert="horz" lIns="91440" tIns="45720" rIns="91440" bIns="45720" rtlCol="0"/>
+          <a:bodyPr vert="horz" lIns="93177" tIns="46589" rIns="93177" bIns="46589" rtlCol="0"/>
           <a:lstStyle>
             <a:lvl1pPr algn="l">
               <a:defRPr sz="1200"/>
@@ -183,15 +183,15 @@
         </p:nvSpPr>
         <p:spPr>
           <a:xfrm>
-            <a:off x="3884613" y="0"/>
-            <a:ext cx="2971800" cy="457200"/>
+            <a:off x="3970938" y="0"/>
+            <a:ext cx="3037840" cy="464820"/>
           </a:xfrm>
           <a:prstGeom prst="rect">
             <a:avLst/>
           </a:prstGeom>
         </p:spPr>
         <p:txBody>
-          <a:bodyPr vert="horz" lIns="91440" tIns="45720" rIns="91440" bIns="45720" rtlCol="0"/>
+          <a:bodyPr vert="horz" lIns="93177" tIns="46589" rIns="93177" bIns="46589" rtlCol="0"/>
           <a:lstStyle>
             <a:lvl1pPr algn="r">
               <a:defRPr sz="1200"/>
@@ -218,8 +218,8 @@
         </p:nvSpPr>
         <p:spPr>
           <a:xfrm>
-            <a:off x="1143000" y="685800"/>
-            <a:ext cx="4572000" cy="3429000"/>
+            <a:off x="1181100" y="696913"/>
+            <a:ext cx="4648200" cy="3486150"/>
           </a:xfrm>
           <a:prstGeom prst="rect">
             <a:avLst/>
@@ -232,7 +232,7 @@
           </a:ln>
         </p:spPr>
         <p:txBody>
-          <a:bodyPr vert="horz" lIns="91440" tIns="45720" rIns="91440" bIns="45720" rtlCol="0" anchor="ctr"/>
+          <a:bodyPr vert="horz" lIns="93177" tIns="46589" rIns="93177" bIns="46589" rtlCol="0" anchor="ctr"/>
           <a:lstStyle/>
           <a:p>
             <a:endParaRPr lang="en-US"/>
@@ -251,15 +251,15 @@
         </p:nvSpPr>
         <p:spPr>
           <a:xfrm>
-            <a:off x="685800" y="4343400"/>
-            <a:ext cx="5486400" cy="4114800"/>
+            <a:off x="701040" y="4415790"/>
+            <a:ext cx="5608320" cy="4183380"/>
           </a:xfrm>
           <a:prstGeom prst="rect">
             <a:avLst/>
           </a:prstGeom>
         </p:spPr>
         <p:txBody>
-          <a:bodyPr vert="horz" lIns="91440" tIns="45720" rIns="91440" bIns="45720" rtlCol="0"/>
+          <a:bodyPr vert="horz" lIns="93177" tIns="46589" rIns="93177" bIns="46589" rtlCol="0"/>
           <a:lstStyle/>
           <a:p>
             <a:pPr lvl="0"/>
@@ -311,15 +311,15 @@
         </p:nvSpPr>
         <p:spPr>
           <a:xfrm>
-            <a:off x="0" y="8685213"/>
-            <a:ext cx="2971800" cy="457200"/>
+            <a:off x="0" y="8829967"/>
+            <a:ext cx="3037840" cy="464820"/>
           </a:xfrm>
           <a:prstGeom prst="rect">
             <a:avLst/>
           </a:prstGeom>
         </p:spPr>
         <p:txBody>
-          <a:bodyPr vert="horz" lIns="91440" tIns="45720" rIns="91440" bIns="45720" rtlCol="0" anchor="b"/>
+          <a:bodyPr vert="horz" lIns="93177" tIns="46589" rIns="93177" bIns="46589" rtlCol="0" anchor="b"/>
           <a:lstStyle>
             <a:lvl1pPr algn="l">
               <a:defRPr sz="1200"/>
@@ -342,15 +342,15 @@
         </p:nvSpPr>
         <p:spPr>
           <a:xfrm>
-            <a:off x="3884613" y="8685213"/>
-            <a:ext cx="2971800" cy="457200"/>
+            <a:off x="3970938" y="8829967"/>
+            <a:ext cx="3037840" cy="464820"/>
           </a:xfrm>
           <a:prstGeom prst="rect">
             <a:avLst/>
           </a:prstGeom>
         </p:spPr>
         <p:txBody>
-          <a:bodyPr vert="horz" lIns="91440" tIns="45720" rIns="91440" bIns="45720" rtlCol="0" anchor="b"/>
+          <a:bodyPr vert="horz" lIns="93177" tIns="46589" rIns="93177" bIns="46589" rtlCol="0" anchor="b"/>
           <a:lstStyle>
             <a:lvl1pPr algn="r">
               <a:defRPr sz="1200"/>
@@ -596,21 +596,7 @@
           <a:bodyPr/>
           <a:lstStyle/>
           <a:p>
-            <a:pPr marL="0" marR="0" indent="0" algn="l" defTabSz="914400" rtl="0" eaLnBrk="1" fontAlgn="auto" latinLnBrk="0" hangingPunct="1">
-              <a:lnSpc>
-                <a:spcPct val="100000"/>
-              </a:lnSpc>
-              <a:spcBef>
-                <a:spcPts val="0"/>
-              </a:spcBef>
-              <a:spcAft>
-                <a:spcPts val="0"/>
-              </a:spcAft>
-              <a:buClrTx/>
-              <a:buSzTx/>
-              <a:buFontTx/>
-              <a:buNone/>
-              <a:tabLst/>
+            <a:pPr defTabSz="931774">
               <a:defRPr/>
             </a:pPr>
             <a:r>
@@ -623,21 +609,7 @@
             </a:r>
           </a:p>
           <a:p>
-            <a:pPr marL="0" marR="0" indent="0" algn="l" defTabSz="914400" rtl="0" eaLnBrk="1" fontAlgn="auto" latinLnBrk="0" hangingPunct="1">
-              <a:lnSpc>
-                <a:spcPct val="100000"/>
-              </a:lnSpc>
-              <a:spcBef>
-                <a:spcPts val="0"/>
-              </a:spcBef>
-              <a:spcAft>
-                <a:spcPts val="0"/>
-              </a:spcAft>
-              <a:buClrTx/>
-              <a:buSzTx/>
-              <a:buFontTx/>
-              <a:buNone/>
-              <a:tabLst/>
+            <a:pPr defTabSz="931774">
               <a:defRPr/>
             </a:pPr>
             <a:r>
@@ -658,11 +630,7 @@
             </a:r>
             <a:r>
               <a:rPr lang="en-US" dirty="0" smtClean="0"/>
-              <a:t>Center in </a:t>
-            </a:r>
-            <a:r>
-              <a:rPr lang="en-US" dirty="0" smtClean="0"/>
-              <a:t>Cape</a:t>
+              <a:t>Center in Cape</a:t>
             </a:r>
             <a:r>
               <a:rPr lang="en-US" baseline="0" dirty="0" smtClean="0"/>
@@ -670,11 +638,7 @@
             </a:r>
             <a:r>
               <a:rPr lang="en-US" dirty="0" smtClean="0"/>
-              <a:t>Africa </a:t>
-            </a:r>
-            <a:r>
-              <a:rPr lang="en-US" dirty="0" smtClean="0"/>
-              <a:t>that treats patients for HIV/AIDS. All</a:t>
+              <a:t>Africa that treats patients for HIV/AIDS. All</a:t>
             </a:r>
             <a:r>
               <a:rPr lang="en-US" baseline="0" dirty="0" smtClean="0"/>
@@ -695,11 +659,7 @@
           <a:p>
             <a:r>
               <a:rPr lang="en-US" b="1" dirty="0" smtClean="0"/>
-              <a:t>What </a:t>
-            </a:r>
-            <a:r>
-              <a:rPr lang="en-US" b="1" dirty="0" smtClean="0"/>
-              <a:t>- </a:t>
+              <a:t>What - </a:t>
             </a:r>
           </a:p>
           <a:p>
@@ -731,11 +691,7 @@
           <a:p>
             <a:r>
               <a:rPr lang="en-US" b="1" dirty="0" smtClean="0"/>
-              <a:t>How </a:t>
-            </a:r>
-            <a:r>
-              <a:rPr lang="en-US" b="1" dirty="0" smtClean="0"/>
-              <a:t>-</a:t>
+              <a:t>How -</a:t>
             </a:r>
             <a:r>
               <a:rPr lang="en-US" dirty="0" smtClean="0"/>
@@ -759,11 +715,7 @@
             </a:r>
             <a:r>
               <a:rPr lang="en-US" baseline="0" dirty="0" smtClean="0"/>
-              <a:t> </a:t>
-            </a:r>
-            <a:r>
-              <a:rPr lang="en-US" baseline="0" dirty="0" smtClean="0"/>
-              <a:t>theft eliminated by integrating a photo into the system for each patient so that they can be identified through facial recognition and name, eliminating the need for a patient ID card, making the overall process smoother and easier for patients’</a:t>
+              <a:t> theft eliminated by integrating a photo into the system for each patient so that they can be identified through facial recognition and name, eliminating the need for a patient ID card, making the overall process smoother and easier for patients’</a:t>
             </a:r>
             <a:endParaRPr lang="en-US" dirty="0"/>
           </a:p>
@@ -850,128 +802,51 @@
           <a:lstStyle/>
           <a:p>
             <a:r>
-              <a:rPr lang="en-US" sz="1200" b="0" i="0" u="none" strike="noStrike" kern="1200" baseline="0" dirty="0" smtClean="0">
-                <a:solidFill>
-                  <a:schemeClr val="tx1"/>
-                </a:solidFill>
-                <a:latin typeface="+mn-lt"/>
-                <a:ea typeface="+mn-ea"/>
-                <a:cs typeface="+mn-cs"/>
-              </a:rPr>
+              <a:rPr lang="en-US" dirty="0"/>
               <a:t>It is important to weigh patient confidentiality against a public responsibility to support national priorities.</a:t>
             </a:r>
           </a:p>
           <a:p>
-            <a:endParaRPr lang="en-US" sz="1200" b="0" i="0" u="none" strike="noStrike" kern="1200" baseline="0" dirty="0" smtClean="0">
-              <a:solidFill>
-                <a:schemeClr val="tx1"/>
-              </a:solidFill>
-              <a:latin typeface="+mn-lt"/>
-              <a:ea typeface="+mn-ea"/>
-              <a:cs typeface="+mn-cs"/>
-            </a:endParaRPr>
-          </a:p>
-          <a:p>
-            <a:r>
-              <a:rPr lang="en-US" sz="1200" b="0" i="0" u="none" strike="noStrike" kern="1200" baseline="0" dirty="0" smtClean="0">
-                <a:solidFill>
-                  <a:schemeClr val="tx1"/>
-                </a:solidFill>
-                <a:latin typeface="+mn-lt"/>
-                <a:ea typeface="+mn-ea"/>
-                <a:cs typeface="+mn-cs"/>
-              </a:rPr>
+            <a:endParaRPr lang="en-US" dirty="0"/>
+          </a:p>
+          <a:p>
+            <a:r>
+              <a:rPr lang="en-US" dirty="0"/>
               <a:t>Pros:</a:t>
             </a:r>
           </a:p>
           <a:p>
             <a:r>
-              <a:rPr lang="en-US" sz="1200" b="0" i="0" u="none" strike="noStrike" kern="1200" baseline="0" dirty="0" smtClean="0">
-                <a:solidFill>
-                  <a:schemeClr val="tx1"/>
-                </a:solidFill>
-                <a:latin typeface="+mn-lt"/>
-                <a:ea typeface="+mn-ea"/>
-                <a:cs typeface="+mn-cs"/>
-              </a:rPr>
+              <a:rPr lang="en-US" dirty="0"/>
               <a:t> - Hospitals/Clinics more efficient</a:t>
             </a:r>
           </a:p>
           <a:p>
             <a:r>
-              <a:rPr lang="en-US" sz="1200" b="0" i="0" u="none" strike="noStrike" kern="1200" baseline="0" dirty="0" smtClean="0">
-                <a:solidFill>
-                  <a:schemeClr val="tx1"/>
-                </a:solidFill>
-                <a:latin typeface="+mn-lt"/>
-                <a:ea typeface="+mn-ea"/>
-                <a:cs typeface="+mn-cs"/>
-              </a:rPr>
+              <a:rPr lang="en-US" dirty="0"/>
               <a:t> - Reduce medical errors</a:t>
             </a:r>
           </a:p>
           <a:p>
             <a:r>
-              <a:rPr lang="en-US" sz="1200" b="0" i="0" u="none" strike="noStrike" kern="1200" baseline="0" dirty="0" smtClean="0">
-                <a:solidFill>
-                  <a:schemeClr val="tx1"/>
-                </a:solidFill>
-                <a:latin typeface="+mn-lt"/>
-                <a:ea typeface="+mn-ea"/>
-                <a:cs typeface="+mn-cs"/>
-              </a:rPr>
+              <a:rPr lang="en-US" dirty="0"/>
               <a:t> - Lower healthcare costs</a:t>
             </a:r>
           </a:p>
           <a:p>
-            <a:endParaRPr lang="en-US" sz="1200" b="0" i="0" u="none" strike="noStrike" kern="1200" baseline="0" dirty="0" smtClean="0">
-              <a:solidFill>
-                <a:schemeClr val="tx1"/>
-              </a:solidFill>
-              <a:latin typeface="+mn-lt"/>
-              <a:ea typeface="+mn-ea"/>
-              <a:cs typeface="+mn-cs"/>
-            </a:endParaRPr>
-          </a:p>
-          <a:p>
-            <a:endParaRPr lang="en-US" sz="1200" b="0" i="0" u="none" strike="noStrike" kern="1200" baseline="0" dirty="0" smtClean="0">
-              <a:solidFill>
-                <a:schemeClr val="tx1"/>
-              </a:solidFill>
-              <a:latin typeface="+mn-lt"/>
-              <a:ea typeface="+mn-ea"/>
-              <a:cs typeface="+mn-cs"/>
-            </a:endParaRPr>
-          </a:p>
-          <a:p>
-            <a:endParaRPr lang="en-US" sz="1200" b="0" i="0" u="none" strike="noStrike" kern="1200" baseline="0" dirty="0" smtClean="0">
-              <a:solidFill>
-                <a:schemeClr val="tx1"/>
-              </a:solidFill>
-              <a:latin typeface="+mn-lt"/>
-              <a:ea typeface="+mn-ea"/>
-              <a:cs typeface="+mn-cs"/>
-            </a:endParaRPr>
-          </a:p>
-          <a:p>
-            <a:endParaRPr lang="en-US" sz="1200" b="0" i="0" u="none" strike="noStrike" kern="1200" baseline="0" dirty="0" smtClean="0">
-              <a:solidFill>
-                <a:schemeClr val="tx1"/>
-              </a:solidFill>
-              <a:latin typeface="+mn-lt"/>
-              <a:ea typeface="+mn-ea"/>
-              <a:cs typeface="+mn-cs"/>
-            </a:endParaRPr>
-          </a:p>
-          <a:p>
-            <a:endParaRPr lang="en-US" sz="1200" b="0" i="0" u="none" strike="noStrike" kern="1200" baseline="0" dirty="0" smtClean="0">
-              <a:solidFill>
-                <a:schemeClr val="tx1"/>
-              </a:solidFill>
-              <a:latin typeface="+mn-lt"/>
-              <a:ea typeface="+mn-ea"/>
-              <a:cs typeface="+mn-cs"/>
-            </a:endParaRPr>
+            <a:endParaRPr lang="en-US" dirty="0"/>
+          </a:p>
+          <a:p>
+            <a:endParaRPr lang="en-US" dirty="0"/>
+          </a:p>
+          <a:p>
+            <a:endParaRPr lang="en-US" dirty="0"/>
+          </a:p>
+          <a:p>
+            <a:endParaRPr lang="en-US" dirty="0"/>
+          </a:p>
+          <a:p>
+            <a:endParaRPr lang="en-US" dirty="0"/>
           </a:p>
           <a:p>
             <a:endParaRPr lang="en-US" dirty="0"/>
@@ -1165,233 +1040,77 @@
               <a:t>THIRRA-  </a:t>
             </a:r>
             <a:r>
-              <a:rPr lang="en-US" sz="1200" b="0" i="0" kern="1200" dirty="0" smtClean="0">
-                <a:solidFill>
-                  <a:schemeClr val="tx1"/>
-                </a:solidFill>
-                <a:effectLst/>
-                <a:latin typeface="+mn-lt"/>
-                <a:ea typeface="+mn-ea"/>
-                <a:cs typeface="+mn-cs"/>
-              </a:rPr>
+              <a:rPr lang="en-US" dirty="0"/>
               <a:t> project title Portable System </a:t>
             </a:r>
             <a:r>
-              <a:rPr lang="en-US" sz="1200" b="0" i="0" kern="1200" dirty="0" err="1" smtClean="0">
-                <a:solidFill>
-                  <a:schemeClr val="tx1"/>
-                </a:solidFill>
-                <a:effectLst/>
-                <a:latin typeface="+mn-lt"/>
-                <a:ea typeface="+mn-ea"/>
-                <a:cs typeface="+mn-cs"/>
-              </a:rPr>
+              <a:rPr lang="en-US" dirty="0" err="1"/>
               <a:t>for</a:t>
             </a:r>
             <a:r>
-              <a:rPr lang="en-US" sz="1200" b="1" i="0" kern="1200" dirty="0" err="1" smtClean="0">
-                <a:solidFill>
-                  <a:schemeClr val="tx1"/>
-                </a:solidFill>
-                <a:effectLst/>
-                <a:latin typeface="+mn-lt"/>
-                <a:ea typeface="+mn-ea"/>
-                <a:cs typeface="+mn-cs"/>
-              </a:rPr>
+              <a:rPr lang="en-US" b="1" dirty="0" err="1"/>
               <a:t>T</a:t>
             </a:r>
             <a:r>
-              <a:rPr lang="en-US" sz="1200" b="0" i="0" kern="1200" dirty="0" err="1" smtClean="0">
-                <a:solidFill>
-                  <a:schemeClr val="tx1"/>
-                </a:solidFill>
-                <a:effectLst/>
-                <a:latin typeface="+mn-lt"/>
-                <a:ea typeface="+mn-ea"/>
-                <a:cs typeface="+mn-cs"/>
-              </a:rPr>
+              <a:rPr lang="en-US" dirty="0" err="1"/>
               <a:t>eleHealth</a:t>
             </a:r>
             <a:r>
-              <a:rPr lang="en-US" sz="1200" b="0" i="0" kern="1200" dirty="0" smtClean="0">
-                <a:solidFill>
-                  <a:schemeClr val="tx1"/>
-                </a:solidFill>
-                <a:effectLst/>
-                <a:latin typeface="+mn-lt"/>
-                <a:ea typeface="+mn-ea"/>
-                <a:cs typeface="+mn-cs"/>
-              </a:rPr>
+              <a:rPr lang="en-US" dirty="0"/>
               <a:t> and </a:t>
             </a:r>
             <a:r>
-              <a:rPr lang="en-US" sz="1200" b="1" i="0" kern="1200" dirty="0" smtClean="0">
-                <a:solidFill>
-                  <a:schemeClr val="tx1"/>
-                </a:solidFill>
-                <a:effectLst/>
-                <a:latin typeface="+mn-lt"/>
-                <a:ea typeface="+mn-ea"/>
-                <a:cs typeface="+mn-cs"/>
-              </a:rPr>
+              <a:rPr lang="en-US" b="1" dirty="0"/>
               <a:t>H</a:t>
             </a:r>
             <a:r>
-              <a:rPr lang="en-US" sz="1200" b="0" i="0" kern="1200" dirty="0" smtClean="0">
-                <a:solidFill>
-                  <a:schemeClr val="tx1"/>
-                </a:solidFill>
-                <a:effectLst/>
-                <a:latin typeface="+mn-lt"/>
-                <a:ea typeface="+mn-ea"/>
-                <a:cs typeface="+mn-cs"/>
-              </a:rPr>
+              <a:rPr lang="en-US" dirty="0"/>
               <a:t>ealth </a:t>
             </a:r>
             <a:r>
-              <a:rPr lang="en-US" sz="1200" b="1" i="0" kern="1200" dirty="0" smtClean="0">
-                <a:solidFill>
-                  <a:schemeClr val="tx1"/>
-                </a:solidFill>
-                <a:effectLst/>
-                <a:latin typeface="+mn-lt"/>
-                <a:ea typeface="+mn-ea"/>
-                <a:cs typeface="+mn-cs"/>
-              </a:rPr>
+              <a:rPr lang="en-US" b="1" dirty="0"/>
               <a:t>I</a:t>
             </a:r>
             <a:r>
-              <a:rPr lang="en-US" sz="1200" b="0" i="0" kern="1200" dirty="0" smtClean="0">
-                <a:solidFill>
-                  <a:schemeClr val="tx1"/>
-                </a:solidFill>
-                <a:effectLst/>
-                <a:latin typeface="+mn-lt"/>
-                <a:ea typeface="+mn-ea"/>
-                <a:cs typeface="+mn-cs"/>
-              </a:rPr>
+              <a:rPr lang="en-US" dirty="0"/>
               <a:t>nformatics for </a:t>
             </a:r>
             <a:r>
-              <a:rPr lang="en-US" sz="1200" b="1" i="0" kern="1200" dirty="0" smtClean="0">
-                <a:solidFill>
-                  <a:schemeClr val="tx1"/>
-                </a:solidFill>
-                <a:effectLst/>
-                <a:latin typeface="+mn-lt"/>
-                <a:ea typeface="+mn-ea"/>
-                <a:cs typeface="+mn-cs"/>
-              </a:rPr>
+              <a:rPr lang="en-US" b="1" dirty="0"/>
               <a:t>R</a:t>
             </a:r>
             <a:r>
-              <a:rPr lang="en-US" sz="1200" b="0" i="0" kern="1200" dirty="0" smtClean="0">
-                <a:solidFill>
-                  <a:schemeClr val="tx1"/>
-                </a:solidFill>
-                <a:effectLst/>
-                <a:latin typeface="+mn-lt"/>
-                <a:ea typeface="+mn-ea"/>
-                <a:cs typeface="+mn-cs"/>
-              </a:rPr>
+              <a:rPr lang="en-US" dirty="0"/>
               <a:t>ural and </a:t>
             </a:r>
             <a:r>
-              <a:rPr lang="en-US" sz="1200" b="1" i="0" kern="1200" dirty="0" smtClean="0">
-                <a:solidFill>
-                  <a:schemeClr val="tx1"/>
-                </a:solidFill>
-                <a:effectLst/>
-                <a:latin typeface="+mn-lt"/>
-                <a:ea typeface="+mn-ea"/>
-                <a:cs typeface="+mn-cs"/>
-              </a:rPr>
+              <a:rPr lang="en-US" b="1" dirty="0"/>
               <a:t>R</a:t>
             </a:r>
             <a:r>
-              <a:rPr lang="en-US" sz="1200" b="0" i="0" kern="1200" dirty="0" smtClean="0">
-                <a:solidFill>
-                  <a:schemeClr val="tx1"/>
-                </a:solidFill>
-                <a:effectLst/>
-                <a:latin typeface="+mn-lt"/>
-                <a:ea typeface="+mn-ea"/>
-                <a:cs typeface="+mn-cs"/>
-              </a:rPr>
+              <a:rPr lang="en-US" dirty="0"/>
               <a:t>emote </a:t>
             </a:r>
             <a:r>
-              <a:rPr lang="en-US" sz="1200" b="1" i="0" kern="1200" dirty="0" smtClean="0">
-                <a:solidFill>
-                  <a:schemeClr val="tx1"/>
-                </a:solidFill>
-                <a:effectLst/>
-                <a:latin typeface="+mn-lt"/>
-                <a:ea typeface="+mn-ea"/>
-                <a:cs typeface="+mn-cs"/>
-              </a:rPr>
+              <a:rPr lang="en-US" b="1" dirty="0"/>
               <a:t>A</a:t>
             </a:r>
             <a:r>
-              <a:rPr lang="en-US" sz="1200" b="0" i="0" kern="1200" dirty="0" smtClean="0">
-                <a:solidFill>
-                  <a:schemeClr val="tx1"/>
-                </a:solidFill>
-                <a:effectLst/>
-                <a:latin typeface="+mn-lt"/>
-                <a:ea typeface="+mn-ea"/>
-                <a:cs typeface="+mn-cs"/>
-              </a:rPr>
+              <a:rPr lang="en-US" dirty="0"/>
               <a:t>reas. </a:t>
             </a:r>
           </a:p>
           <a:p>
             <a:r>
-              <a:rPr lang="en-US" sz="1200" b="0" i="0" kern="1200" dirty="0" smtClean="0">
-                <a:solidFill>
-                  <a:schemeClr val="tx1"/>
-                </a:solidFill>
-                <a:effectLst/>
-                <a:latin typeface="+mn-lt"/>
-                <a:ea typeface="+mn-ea"/>
-                <a:cs typeface="+mn-cs"/>
-              </a:rPr>
-              <a:t>Started in 2007,</a:t>
-            </a:r>
-            <a:r>
-              <a:rPr lang="en-US" sz="1200" b="0" i="0" kern="1200" baseline="0" dirty="0" smtClean="0">
-                <a:solidFill>
-                  <a:schemeClr val="tx1"/>
-                </a:solidFill>
-                <a:effectLst/>
-                <a:latin typeface="+mn-lt"/>
-                <a:ea typeface="+mn-ea"/>
-                <a:cs typeface="+mn-cs"/>
-              </a:rPr>
-              <a:t> Written in PHP, with a </a:t>
-            </a:r>
-            <a:r>
-              <a:rPr lang="en-US" sz="1200" b="0" i="0" kern="1200" baseline="0" dirty="0" err="1" smtClean="0">
-                <a:solidFill>
-                  <a:schemeClr val="tx1"/>
-                </a:solidFill>
-                <a:effectLst/>
-                <a:latin typeface="+mn-lt"/>
-                <a:ea typeface="+mn-ea"/>
-                <a:cs typeface="+mn-cs"/>
-              </a:rPr>
+              <a:rPr lang="en-US" dirty="0"/>
+              <a:t>Started in 2007, Written in PHP, with a </a:t>
+            </a:r>
+            <a:r>
+              <a:rPr lang="en-US" dirty="0" err="1"/>
               <a:t>PostgreSQL</a:t>
             </a:r>
             <a:r>
-              <a:rPr lang="en-US" sz="1200" b="0" i="0" kern="1200" baseline="0" dirty="0" smtClean="0">
-                <a:solidFill>
-                  <a:schemeClr val="tx1"/>
-                </a:solidFill>
-                <a:effectLst/>
-                <a:latin typeface="+mn-lt"/>
-                <a:ea typeface="+mn-ea"/>
-                <a:cs typeface="+mn-cs"/>
-              </a:rPr>
+              <a:rPr lang="en-US" dirty="0"/>
               <a:t> database backend. </a:t>
             </a:r>
           </a:p>
@@ -1404,102 +1123,39 @@
               <a:t>ZEPRS- </a:t>
             </a:r>
             <a:r>
-              <a:rPr lang="en-US" sz="1200" b="0" i="0" kern="1200" dirty="0" smtClean="0">
-                <a:solidFill>
-                  <a:schemeClr val="tx1"/>
-                </a:solidFill>
-                <a:effectLst/>
-                <a:latin typeface="+mn-lt"/>
-                <a:ea typeface="+mn-ea"/>
-                <a:cs typeface="+mn-cs"/>
-              </a:rPr>
+              <a:rPr lang="en-US" dirty="0"/>
               <a:t>The </a:t>
             </a:r>
             <a:r>
-              <a:rPr lang="en-US" sz="1200" b="1" i="0" kern="1200" dirty="0" smtClean="0">
-                <a:solidFill>
-                  <a:schemeClr val="tx1"/>
-                </a:solidFill>
-                <a:effectLst/>
-                <a:latin typeface="+mn-lt"/>
-                <a:ea typeface="+mn-ea"/>
-                <a:cs typeface="+mn-cs"/>
-              </a:rPr>
+              <a:rPr lang="en-US" b="1" dirty="0"/>
               <a:t>Zambia Electronic </a:t>
             </a:r>
             <a:r>
-              <a:rPr lang="en-US" sz="1200" b="1" i="0" u="none" strike="noStrike" kern="1200" dirty="0" smtClean="0">
-                <a:solidFill>
-                  <a:schemeClr val="tx1"/>
-                </a:solidFill>
-                <a:effectLst/>
-                <a:latin typeface="+mn-lt"/>
-                <a:ea typeface="+mn-ea"/>
-                <a:cs typeface="+mn-cs"/>
+              <a:rPr lang="en-US" b="1" dirty="0">
                 <a:hlinkClick r:id="rId3" tooltip="Perinatal"/>
               </a:rPr>
               <a:t>Perinatal</a:t>
             </a:r>
             <a:r>
-              <a:rPr lang="en-US" sz="1200" b="1" i="0" kern="1200" dirty="0" smtClean="0">
-                <a:solidFill>
-                  <a:schemeClr val="tx1"/>
-                </a:solidFill>
-                <a:effectLst/>
-                <a:latin typeface="+mn-lt"/>
-                <a:ea typeface="+mn-ea"/>
-                <a:cs typeface="+mn-cs"/>
-              </a:rPr>
+              <a:rPr lang="en-US" b="1" dirty="0"/>
               <a:t> Record System</a:t>
             </a:r>
             <a:r>
-              <a:rPr lang="en-US" sz="1200" b="0" i="0" kern="1200" dirty="0" smtClean="0">
-                <a:solidFill>
-                  <a:schemeClr val="tx1"/>
-                </a:solidFill>
-                <a:effectLst/>
-                <a:latin typeface="+mn-lt"/>
-                <a:ea typeface="+mn-ea"/>
-                <a:cs typeface="+mn-cs"/>
-              </a:rPr>
+              <a:rPr lang="en-US" dirty="0"/>
               <a:t> (</a:t>
             </a:r>
             <a:r>
-              <a:rPr lang="en-US" sz="1200" b="1" i="0" kern="1200" dirty="0" smtClean="0">
-                <a:solidFill>
-                  <a:schemeClr val="tx1"/>
-                </a:solidFill>
-                <a:effectLst/>
-                <a:latin typeface="+mn-lt"/>
-                <a:ea typeface="+mn-ea"/>
-                <a:cs typeface="+mn-cs"/>
-              </a:rPr>
+              <a:rPr lang="en-US" b="1" dirty="0"/>
               <a:t>ZEPRS</a:t>
             </a:r>
             <a:r>
-              <a:rPr lang="en-US" sz="1200" b="0" i="0" kern="1200" dirty="0" smtClean="0">
-                <a:solidFill>
-                  <a:schemeClr val="tx1"/>
-                </a:solidFill>
-                <a:effectLst/>
-                <a:latin typeface="+mn-lt"/>
-                <a:ea typeface="+mn-ea"/>
-                <a:cs typeface="+mn-cs"/>
-              </a:rPr>
+              <a:rPr lang="en-US" dirty="0"/>
               <a:t>) </a:t>
             </a:r>
           </a:p>
           <a:p>
             <a:r>
-              <a:rPr lang="en-US" sz="1200" b="0" i="0" kern="1200" dirty="0" smtClean="0">
-                <a:solidFill>
-                  <a:schemeClr val="tx1"/>
-                </a:solidFill>
-                <a:effectLst/>
-                <a:latin typeface="+mn-lt"/>
-                <a:ea typeface="+mn-ea"/>
-                <a:cs typeface="+mn-cs"/>
-              </a:rPr>
+              <a:rPr lang="en-US" dirty="0"/>
               <a:t>- For an obesity clinic</a:t>
             </a:r>
             <a:endParaRPr lang="en-US" dirty="0" smtClean="0"/>
@@ -1619,11 +1275,7 @@
           <a:p>
             <a:r>
               <a:rPr lang="en-US" dirty="0" smtClean="0"/>
-              <a:t>- Taken </a:t>
-            </a:r>
-            <a:r>
-              <a:rPr lang="en-US" dirty="0" smtClean="0"/>
-              <a:t>out financial data</a:t>
+              <a:t>- Taken out financial data</a:t>
             </a:r>
             <a:r>
               <a:rPr lang="en-US" baseline="0" dirty="0" smtClean="0"/>
@@ -1633,11 +1285,7 @@
           <a:p>
             <a:r>
               <a:rPr lang="en-US" baseline="0" dirty="0" smtClean="0"/>
-              <a:t>- Safeguard</a:t>
-            </a:r>
-            <a:r>
-              <a:rPr lang="en-US" baseline="0" dirty="0" smtClean="0"/>
-              <a:t>, (electronic paper trail) </a:t>
+              <a:t>- Safeguard, (electronic paper trail) </a:t>
             </a:r>
             <a:endParaRPr lang="en-US" dirty="0"/>
           </a:p>
@@ -1815,15 +1463,7 @@
           <a:bodyPr/>
           <a:lstStyle/>
           <a:p>
-            <a:r>
-              <a:rPr lang="en-US" dirty="0" smtClean="0"/>
-              <a:t>i.e.</a:t>
-            </a:r>
-            <a:r>
-              <a:rPr lang="en-US" baseline="0" dirty="0" smtClean="0"/>
-              <a:t> physicians, pharmacist, receptionist </a:t>
-            </a:r>
-            <a:endParaRPr lang="en-US" dirty="0"/>
+            <a:endParaRPr lang="en-US"/>
           </a:p>
         </p:txBody>
       </p:sp>
@@ -1844,7 +1484,7 @@
           <a:p>
             <a:fld id="{6538AC3F-63CE-4DD6-92CD-9B13526C2825}" type="slidenum">
               <a:rPr lang="en-US" smtClean="0"/>
-              <a:t>8</a:t>
+              <a:t>7</a:t>
             </a:fld>
             <a:endParaRPr lang="en-US"/>
           </a:p>
@@ -1853,7 +1493,7 @@
     </p:spTree>
     <p:extLst>
       <p:ext uri="{BB962C8B-B14F-4D97-AF65-F5344CB8AC3E}">
-        <p14:creationId xmlns:p14="http://schemas.microsoft.com/office/powerpoint/2010/main" val="2185386872"/>
+        <p14:creationId xmlns:p14="http://schemas.microsoft.com/office/powerpoint/2010/main" val="920279097"/>
       </p:ext>
     </p:extLst>
   </p:cSld>
@@ -1907,56 +1547,120 @@
           <a:bodyPr/>
           <a:lstStyle/>
           <a:p>
-            <a:pPr marL="0" marR="0" indent="0" algn="l" defTabSz="914400" rtl="0" eaLnBrk="1" fontAlgn="auto" latinLnBrk="0" hangingPunct="1">
-              <a:lnSpc>
-                <a:spcPct val="100000"/>
-              </a:lnSpc>
-              <a:spcBef>
-                <a:spcPts val="0"/>
-              </a:spcBef>
-              <a:spcAft>
-                <a:spcPts val="0"/>
-              </a:spcAft>
-              <a:buClrTx/>
-              <a:buSzTx/>
-              <a:buFontTx/>
-              <a:buNone/>
-              <a:tabLst/>
+            <a:r>
+              <a:rPr lang="en-US" dirty="0" smtClean="0"/>
+              <a:t>i.e.</a:t>
+            </a:r>
+            <a:r>
+              <a:rPr lang="en-US" baseline="0" dirty="0" smtClean="0"/>
+              <a:t> physicians, pharmacist, receptionist </a:t>
+            </a:r>
+            <a:endParaRPr lang="en-US" dirty="0"/>
+          </a:p>
+        </p:txBody>
+      </p:sp>
+      <p:sp>
+        <p:nvSpPr>
+          <p:cNvPr id="4" name="Slide Number Placeholder 3"/>
+          <p:cNvSpPr>
+            <a:spLocks noGrp="1"/>
+          </p:cNvSpPr>
+          <p:nvPr>
+            <p:ph type="sldNum" sz="quarter" idx="10"/>
+          </p:nvPr>
+        </p:nvSpPr>
+        <p:spPr/>
+        <p:txBody>
+          <a:bodyPr/>
+          <a:lstStyle/>
+          <a:p>
+            <a:fld id="{6538AC3F-63CE-4DD6-92CD-9B13526C2825}" type="slidenum">
+              <a:rPr lang="en-US" smtClean="0"/>
+              <a:t>8</a:t>
+            </a:fld>
+            <a:endParaRPr lang="en-US"/>
+          </a:p>
+        </p:txBody>
+      </p:sp>
+    </p:spTree>
+    <p:extLst>
+      <p:ext uri="{BB962C8B-B14F-4D97-AF65-F5344CB8AC3E}">
+        <p14:creationId xmlns:p14="http://schemas.microsoft.com/office/powerpoint/2010/main" val="2185386872"/>
+      </p:ext>
+    </p:extLst>
+  </p:cSld>
+  <p:clrMapOvr>
+    <a:masterClrMapping/>
+  </p:clrMapOvr>
+</p:notes>
+</file>
+
+<file path=ppt/notesSlides/notesSlide9.xml><?xml version="1.0" encoding="utf-8"?>
+<p:notes xmlns:a="http://schemas.openxmlformats.org/drawingml/2006/main" xmlns:r="http://schemas.openxmlformats.org/officeDocument/2006/relationships" xmlns:p="http://schemas.openxmlformats.org/presentationml/2006/main">
+  <p:cSld>
+    <p:spTree>
+      <p:nvGrpSpPr>
+        <p:cNvPr id="1" name=""/>
+        <p:cNvGrpSpPr/>
+        <p:nvPr/>
+      </p:nvGrpSpPr>
+      <p:grpSpPr>
+        <a:xfrm>
+          <a:off x="0" y="0"/>
+          <a:ext cx="0" cy="0"/>
+          <a:chOff x="0" y="0"/>
+          <a:chExt cx="0" cy="0"/>
+        </a:xfrm>
+      </p:grpSpPr>
+      <p:sp>
+        <p:nvSpPr>
+          <p:cNvPr id="2" name="Slide Image Placeholder 1"/>
+          <p:cNvSpPr>
+            <a:spLocks noGrp="1" noRot="1" noChangeAspect="1"/>
+          </p:cNvSpPr>
+          <p:nvPr>
+            <p:ph type="sldImg"/>
+          </p:nvPr>
+        </p:nvSpPr>
+        <p:spPr/>
+      </p:sp>
+      <p:sp>
+        <p:nvSpPr>
+          <p:cNvPr id="3" name="Notes Placeholder 2"/>
+          <p:cNvSpPr>
+            <a:spLocks noGrp="1"/>
+          </p:cNvSpPr>
+          <p:nvPr>
+            <p:ph type="body" idx="1"/>
+          </p:nvPr>
+        </p:nvSpPr>
+        <p:spPr/>
+        <p:txBody>
+          <a:bodyPr/>
+          <a:lstStyle/>
+          <a:p>
+            <a:pPr defTabSz="931774">
               <a:defRPr/>
             </a:pPr>
             <a:r>
               <a:rPr lang="en-US" dirty="0" smtClean="0"/>
               <a:t>References:</a:t>
             </a:r>
-            <a:endParaRPr lang="en-US" sz="1200" dirty="0" smtClean="0">
+            <a:endParaRPr lang="en-US" dirty="0">
               <a:hlinkClick r:id="rId3"/>
             </a:endParaRPr>
           </a:p>
           <a:p>
-            <a:pPr marL="0" marR="0" indent="0" algn="l" defTabSz="914400" rtl="0" eaLnBrk="1" fontAlgn="auto" latinLnBrk="0" hangingPunct="1">
-              <a:lnSpc>
-                <a:spcPct val="100000"/>
-              </a:lnSpc>
-              <a:spcBef>
-                <a:spcPts val="0"/>
-              </a:spcBef>
-              <a:spcAft>
-                <a:spcPts val="0"/>
-              </a:spcAft>
-              <a:buClrTx/>
-              <a:buSzTx/>
-              <a:buFontTx/>
-              <a:buNone/>
-              <a:tabLst/>
+            <a:pPr defTabSz="931774">
               <a:defRPr/>
             </a:pPr>
             <a:r>
-              <a:rPr lang="en-US" sz="1200" dirty="0" smtClean="0">
+              <a:rPr lang="en-US" dirty="0">
                 <a:hlinkClick r:id="rId3"/>
               </a:rPr>
               <a:t>http://en.wikipedia.org/wiki/List_of_open-source_healthcare_software#Electronic_health_or_medical_record</a:t>
             </a:r>
-            <a:endParaRPr lang="en-US" sz="1200" dirty="0" smtClean="0"/>
+            <a:endParaRPr lang="en-US" dirty="0"/>
           </a:p>
           <a:p>
             <a:endParaRPr lang="en-US" dirty="0"/>
@@ -2184,7 +1888,7 @@
           <a:bodyPr/>
           <a:lstStyle/>
           <a:p>
-            <a:fld id="{DF54349C-A996-4252-BAF6-D47DEF27549E}" type="datetimeFigureOut">
+            <a:fld id="{F860A560-75BB-4DDF-8B63-A975FA1C797F}" type="datetime1">
               <a:rPr lang="en-US" smtClean="0"/>
               <a:t>3/29/2012</a:t>
             </a:fld>
@@ -2239,6 +1943,13 @@
   <p:clrMapOvr>
     <a:masterClrMapping/>
   </p:clrMapOvr>
+  <p:timing>
+    <p:tnLst>
+      <p:par>
+        <p:cTn id="1" dur="indefinite" restart="never" nodeType="tmRoot"/>
+      </p:par>
+    </p:tnLst>
+  </p:timing>
 </p:sldLayout>
 </file>
 
@@ -2349,7 +2060,7 @@
           <a:bodyPr/>
           <a:lstStyle/>
           <a:p>
-            <a:fld id="{DF54349C-A996-4252-BAF6-D47DEF27549E}" type="datetimeFigureOut">
+            <a:fld id="{819A4B5B-3CC6-4E48-8F80-7D599914EF89}" type="datetime1">
               <a:rPr lang="en-US" smtClean="0"/>
               <a:t>3/29/2012</a:t>
             </a:fld>
@@ -2524,7 +2235,7 @@
           <a:bodyPr/>
           <a:lstStyle/>
           <a:p>
-            <a:fld id="{DF54349C-A996-4252-BAF6-D47DEF27549E}" type="datetimeFigureOut">
+            <a:fld id="{AB5F6EC1-A62E-41C8-88AD-A2D7337832AA}" type="datetime1">
               <a:rPr lang="en-US" smtClean="0"/>
               <a:t>3/29/2012</a:t>
             </a:fld>
@@ -2689,7 +2400,7 @@
           <a:bodyPr/>
           <a:lstStyle/>
           <a:p>
-            <a:fld id="{DF54349C-A996-4252-BAF6-D47DEF27549E}" type="datetimeFigureOut">
+            <a:fld id="{555C1C78-3ACF-46D8-8BB2-57E2D7F6FC19}" type="datetime1">
               <a:rPr lang="en-US" smtClean="0"/>
               <a:t>3/29/2012</a:t>
             </a:fld>
@@ -2735,7 +2446,7 @@
               <a:rPr lang="en-US" smtClean="0"/>
               <a:t>‹#›</a:t>
             </a:fld>
-            <a:endParaRPr lang="en-US"/>
+            <a:endParaRPr lang="en-US" dirty="0"/>
           </a:p>
         </p:txBody>
       </p:sp>
@@ -2744,6 +2455,13 @@
   <p:clrMapOvr>
     <a:masterClrMapping/>
   </p:clrMapOvr>
+  <p:timing>
+    <p:tnLst>
+      <p:par>
+        <p:cTn id="1" dur="indefinite" restart="never" nodeType="tmRoot"/>
+      </p:par>
+    </p:tnLst>
+  </p:timing>
 </p:sldLayout>
 </file>
 
@@ -2928,7 +2646,7 @@
           <a:bodyPr/>
           <a:lstStyle/>
           <a:p>
-            <a:fld id="{DF54349C-A996-4252-BAF6-D47DEF27549E}" type="datetimeFigureOut">
+            <a:fld id="{F55A0451-9590-4A1C-9976-5B991B64B9EA}" type="datetime1">
               <a:rPr lang="en-US" smtClean="0"/>
               <a:t>3/29/2012</a:t>
             </a:fld>
@@ -2983,6 +2701,13 @@
   <p:clrMapOvr>
     <a:masterClrMapping/>
   </p:clrMapOvr>
+  <p:timing>
+    <p:tnLst>
+      <p:par>
+        <p:cTn id="1" dur="indefinite" restart="never" nodeType="tmRoot"/>
+      </p:par>
+    </p:tnLst>
+  </p:timing>
 </p:sldLayout>
 </file>
 
@@ -3018,7 +2743,7 @@
           <a:bodyPr/>
           <a:lstStyle/>
           <a:p>
-            <a:fld id="{DF54349C-A996-4252-BAF6-D47DEF27549E}" type="datetimeFigureOut">
+            <a:fld id="{EA026219-B328-42D7-AAAF-98D7A5F4B509}" type="datetime1">
               <a:rPr lang="en-US" smtClean="0"/>
               <a:t>3/29/2012</a:t>
             </a:fld>
@@ -3392,7 +3117,7 @@
           <a:bodyPr/>
           <a:lstStyle/>
           <a:p>
-            <a:fld id="{DF54349C-A996-4252-BAF6-D47DEF27549E}" type="datetimeFigureOut">
+            <a:fld id="{C3C85DBB-887A-43C7-AF91-EDD9C8BD0F87}" type="datetime1">
               <a:rPr lang="en-US" smtClean="0"/>
               <a:t>3/29/2012</a:t>
             </a:fld>
@@ -3647,7 +3372,7 @@
           <a:bodyPr/>
           <a:lstStyle/>
           <a:p>
-            <a:fld id="{DF54349C-A996-4252-BAF6-D47DEF27549E}" type="datetimeFigureOut">
+            <a:fld id="{6BB3112F-08FD-4A00-8761-87402F2FB62E}" type="datetime1">
               <a:rPr lang="en-US" smtClean="0"/>
               <a:t>3/29/2012</a:t>
             </a:fld>
@@ -3737,7 +3462,7 @@
           <a:bodyPr/>
           <a:lstStyle/>
           <a:p>
-            <a:fld id="{DF54349C-A996-4252-BAF6-D47DEF27549E}" type="datetimeFigureOut">
+            <a:fld id="{774FBF8C-E852-4416-8043-D9509D71997B}" type="datetime1">
               <a:rPr lang="en-US" smtClean="0"/>
               <a:t>3/29/2012</a:t>
             </a:fld>
@@ -4011,7 +3736,7 @@
           <a:bodyPr/>
           <a:lstStyle/>
           <a:p>
-            <a:fld id="{DF54349C-A996-4252-BAF6-D47DEF27549E}" type="datetimeFigureOut">
+            <a:fld id="{370F731C-0A04-47AB-95E7-C4B7280CE3EF}" type="datetime1">
               <a:rPr lang="en-US" smtClean="0"/>
               <a:t>3/29/2012</a:t>
             </a:fld>
@@ -4283,7 +4008,7 @@
           <a:bodyPr/>
           <a:lstStyle/>
           <a:p>
-            <a:fld id="{DF54349C-A996-4252-BAF6-D47DEF27549E}" type="datetimeFigureOut">
+            <a:fld id="{6E71A764-0912-4B71-AEAC-C5429135FCA3}" type="datetime1">
               <a:rPr lang="en-US" smtClean="0"/>
               <a:t>3/29/2012</a:t>
             </a:fld>
@@ -4583,7 +4308,7 @@
             </a:lvl1pPr>
           </a:lstStyle>
           <a:p>
-            <a:fld id="{DF54349C-A996-4252-BAF6-D47DEF27549E}" type="datetimeFigureOut">
+            <a:fld id="{3F326007-896C-49C9-B074-1A1918D84138}" type="datetime1">
               <a:rPr lang="en-US" smtClean="0"/>
               <a:t>3/29/2012</a:t>
             </a:fld>
@@ -4603,8 +4328,8 @@
         </p:nvSpPr>
         <p:spPr>
           <a:xfrm>
-            <a:off x="7314415" y="548797"/>
-            <a:ext cx="941203" cy="301752"/>
+            <a:off x="8569419" y="573807"/>
+            <a:ext cx="574581" cy="572316"/>
           </a:xfrm>
           <a:prstGeom prst="rect">
             <a:avLst/>
@@ -4613,8 +4338,8 @@
         <p:txBody>
           <a:bodyPr vert="horz" lIns="91440" tIns="45720" rIns="91440" bIns="45720" rtlCol="0" anchor="ctr"/>
           <a:lstStyle>
-            <a:lvl1pPr algn="r">
-              <a:defRPr sz="1200">
+            <a:lvl1pPr algn="ctr">
+              <a:defRPr sz="2000" b="1">
                 <a:solidFill>
                   <a:schemeClr val="tx1"/>
                 </a:solidFill>
@@ -4624,9 +4349,10 @@
           <a:p>
             <a:fld id="{85816456-AF90-4826-9770-6E0598D9C364}" type="slidenum">
               <a:rPr lang="en-US" smtClean="0"/>
+              <a:pPr/>
               <a:t>‹#›</a:t>
             </a:fld>
-            <a:endParaRPr lang="en-US"/>
+            <a:endParaRPr lang="en-US" dirty="0"/>
           </a:p>
         </p:txBody>
       </p:sp>
@@ -4681,6 +4407,14 @@
     <p:sldLayoutId id="2147483682" r:id="rId10"/>
     <p:sldLayoutId id="2147483683" r:id="rId11"/>
   </p:sldLayoutIdLst>
+  <p:timing>
+    <p:tnLst>
+      <p:par>
+        <p:cTn id="1" dur="indefinite" restart="never" nodeType="tmRoot"/>
+      </p:par>
+    </p:tnLst>
+  </p:timing>
+  <p:hf hdr="0" ftr="0" dt="0"/>
   <p:txStyles>
     <p:titleStyle>
       <a:lvl1pPr algn="l" defTabSz="914400" rtl="0" eaLnBrk="1" latinLnBrk="0" hangingPunct="1">
@@ -5127,6 +4861,29 @@
           </a:p>
         </p:txBody>
       </p:sp>
+      <p:sp>
+        <p:nvSpPr>
+          <p:cNvPr id="7" name="Slide Number Placeholder 6"/>
+          <p:cNvSpPr>
+            <a:spLocks noGrp="1"/>
+          </p:cNvSpPr>
+          <p:nvPr>
+            <p:ph type="sldNum" sz="quarter" idx="11"/>
+          </p:nvPr>
+        </p:nvSpPr>
+        <p:spPr/>
+        <p:txBody>
+          <a:bodyPr/>
+          <a:lstStyle/>
+          <a:p>
+            <a:fld id="{85816456-AF90-4826-9770-6E0598D9C364}" type="slidenum">
+              <a:rPr lang="en-US" smtClean="0"/>
+              <a:t>1</a:t>
+            </a:fld>
+            <a:endParaRPr lang="en-US"/>
+          </a:p>
+        </p:txBody>
+      </p:sp>
     </p:spTree>
     <p:extLst>
       <p:ext uri="{BB962C8B-B14F-4D97-AF65-F5344CB8AC3E}">
@@ -5213,42 +4970,115 @@
         </p:spPr>
         <p:txBody>
           <a:bodyPr>
-            <a:normAutofit/>
+            <a:normAutofit lnSpcReduction="10000"/>
           </a:bodyPr>
           <a:lstStyle/>
           <a:p>
             <a:pPr>
               <a:lnSpc>
-                <a:spcPct val="200000"/>
+                <a:spcPct val="150000"/>
               </a:lnSpc>
             </a:pPr>
             <a:r>
               <a:rPr lang="en-US" sz="3200" dirty="0" smtClean="0"/>
-              <a:t>Motivation - Why we chose this project? </a:t>
-            </a:r>
+              <a:t>Motivation - Why we chose this project</a:t>
+            </a:r>
+            <a:r>
+              <a:rPr lang="en-US" sz="3200" dirty="0" smtClean="0"/>
+              <a:t>?</a:t>
+            </a:r>
+          </a:p>
+          <a:p>
+            <a:pPr lvl="1">
+              <a:lnSpc>
+                <a:spcPct val="150000"/>
+              </a:lnSpc>
+            </a:pPr>
+            <a:r>
+              <a:rPr lang="en-US" sz="3000" dirty="0" smtClean="0"/>
+              <a:t>Record backup</a:t>
+            </a:r>
+            <a:r>
+              <a:rPr lang="en-US" sz="3000" dirty="0" smtClean="0"/>
+              <a:t> </a:t>
+            </a:r>
+            <a:endParaRPr lang="en-US" sz="3000" dirty="0" smtClean="0"/>
           </a:p>
           <a:p>
             <a:pPr>
               <a:lnSpc>
-                <a:spcPct val="200000"/>
+                <a:spcPct val="150000"/>
               </a:lnSpc>
             </a:pPr>
             <a:r>
               <a:rPr lang="en-US" sz="3200" dirty="0" smtClean="0"/>
-              <a:t>Problem - What we are solving?</a:t>
-            </a:r>
+              <a:t>Problem - What we are solving</a:t>
+            </a:r>
+            <a:r>
+              <a:rPr lang="en-US" sz="3200" dirty="0" smtClean="0"/>
+              <a:t>?</a:t>
+            </a:r>
+          </a:p>
+          <a:p>
+            <a:pPr lvl="1">
+              <a:lnSpc>
+                <a:spcPct val="150000"/>
+              </a:lnSpc>
+            </a:pPr>
+            <a:r>
+              <a:rPr lang="en-US" sz="3000" dirty="0" smtClean="0"/>
+              <a:t>Identity theft</a:t>
+            </a:r>
+          </a:p>
+          <a:p>
+            <a:pPr lvl="1">
+              <a:lnSpc>
+                <a:spcPct val="150000"/>
+              </a:lnSpc>
+            </a:pPr>
+            <a:r>
+              <a:rPr lang="en-US" sz="3000" dirty="0" smtClean="0"/>
+              <a:t>Delay or hinder treatment progress</a:t>
+            </a:r>
+            <a:endParaRPr lang="en-US" sz="3000" dirty="0" smtClean="0"/>
           </a:p>
           <a:p>
             <a:pPr>
               <a:lnSpc>
-                <a:spcPct val="200000"/>
+                <a:spcPct val="150000"/>
               </a:lnSpc>
             </a:pPr>
             <a:r>
               <a:rPr lang="en-US" sz="3200" dirty="0" smtClean="0"/>
-              <a:t>Solution - How we are fixing it?</a:t>
-            </a:r>
-            <a:endParaRPr lang="en-US" sz="3200" dirty="0"/>
+              <a:t>Solution - How we are fixing it</a:t>
+            </a:r>
+            <a:r>
+              <a:rPr lang="en-US" sz="3200" dirty="0" smtClean="0"/>
+              <a:t>?</a:t>
+            </a:r>
+          </a:p>
+        </p:txBody>
+      </p:sp>
+      <p:sp>
+        <p:nvSpPr>
+          <p:cNvPr id="7" name="Slide Number Placeholder 6"/>
+          <p:cNvSpPr>
+            <a:spLocks noGrp="1"/>
+          </p:cNvSpPr>
+          <p:nvPr>
+            <p:ph type="sldNum" sz="quarter" idx="12"/>
+          </p:nvPr>
+        </p:nvSpPr>
+        <p:spPr/>
+        <p:txBody>
+          <a:bodyPr/>
+          <a:lstStyle/>
+          <a:p>
+            <a:fld id="{85816456-AF90-4826-9770-6E0598D9C364}" type="slidenum">
+              <a:rPr lang="en-US" smtClean="0"/>
+              <a:t>2</a:t>
+            </a:fld>
+            <a:endParaRPr lang="en-US" dirty="0"/>
           </a:p>
         </p:txBody>
       </p:sp>
@@ -5332,8 +5162,8 @@
         </p:nvSpPr>
         <p:spPr>
           <a:xfrm>
-            <a:off x="876300" y="1676400"/>
-            <a:ext cx="7315200" cy="4444305"/>
+            <a:off x="876300" y="1676401"/>
+            <a:ext cx="7315200" cy="3505200"/>
           </a:xfrm>
         </p:spPr>
         <p:txBody>
@@ -5360,7 +5190,7 @@
             </a:pPr>
             <a:r>
               <a:rPr lang="en-US" sz="2800" dirty="0" smtClean="0"/>
-              <a:t>Medical data is now computerized.</a:t>
+              <a:t>Patient confidentiality &gt; National priorities</a:t>
             </a:r>
           </a:p>
           <a:p>
@@ -5371,20 +5201,24 @@
             </a:pPr>
             <a:r>
               <a:rPr lang="en-US" sz="2800" dirty="0" smtClean="0"/>
-              <a:t>How private are these records? </a:t>
-            </a:r>
-          </a:p>
-          <a:p>
-            <a:pPr>
-              <a:lnSpc>
-                <a:spcPct val="150000"/>
-              </a:lnSpc>
-            </a:pPr>
+              <a:t>How </a:t>
+            </a:r>
             <a:r>
               <a:rPr lang="en-US" sz="2800" dirty="0" smtClean="0"/>
-              <a:t>Who has access to these records? </a:t>
-            </a:r>
-            <a:endParaRPr lang="en-US" sz="2800" dirty="0"/>
+              <a:t>private are these </a:t>
+            </a:r>
+            <a:r>
+              <a:rPr lang="en-US" sz="2800" dirty="0" smtClean="0"/>
+              <a:t>records and who </a:t>
+            </a:r>
+            <a:r>
+              <a:rPr lang="en-US" sz="2800" dirty="0" smtClean="0"/>
+              <a:t>has access </a:t>
+            </a:r>
+            <a:r>
+              <a:rPr lang="en-US" sz="2800" dirty="0" smtClean="0"/>
+              <a:t>? </a:t>
+            </a:r>
           </a:p>
         </p:txBody>
       </p:sp>
@@ -5429,6 +5263,29 @@
           </a:extLst>
         </p:spPr>
       </p:pic>
+      <p:sp>
+        <p:nvSpPr>
+          <p:cNvPr id="7" name="Slide Number Placeholder 6"/>
+          <p:cNvSpPr>
+            <a:spLocks noGrp="1"/>
+          </p:cNvSpPr>
+          <p:nvPr>
+            <p:ph type="sldNum" sz="quarter" idx="12"/>
+          </p:nvPr>
+        </p:nvSpPr>
+        <p:spPr/>
+        <p:txBody>
+          <a:bodyPr/>
+          <a:lstStyle/>
+          <a:p>
+            <a:fld id="{85816456-AF90-4826-9770-6E0598D9C364}" type="slidenum">
+              <a:rPr lang="en-US" smtClean="0"/>
+              <a:t>3</a:t>
+            </a:fld>
+            <a:endParaRPr lang="en-US" dirty="0"/>
+          </a:p>
+        </p:txBody>
+      </p:sp>
     </p:spTree>
     <p:extLst>
       <p:ext uri="{BB962C8B-B14F-4D97-AF65-F5344CB8AC3E}">
@@ -5553,8 +5410,9 @@
             </a:pPr>
             <a:r>
               <a:rPr lang="en-US" sz="2800" dirty="0" smtClean="0"/>
-              <a:t>THIRRA</a:t>
-            </a:r>
+              <a:t>THIRRA - 1997</a:t>
+            </a:r>
+            <a:endParaRPr lang="en-US" sz="2800" dirty="0" smtClean="0"/>
           </a:p>
           <a:p>
             <a:pPr lvl="1">
@@ -5564,8 +5422,9 @@
             </a:pPr>
             <a:r>
               <a:rPr lang="en-US" sz="2800" dirty="0" smtClean="0"/>
-              <a:t>ZEPRS</a:t>
-            </a:r>
+              <a:t>ZEPRS - 2001</a:t>
+            </a:r>
+            <a:endParaRPr lang="en-US" sz="2800" dirty="0" smtClean="0"/>
           </a:p>
           <a:p>
             <a:pPr lvl="1">
@@ -5579,8 +5438,32 @@
             </a:r>
             <a:r>
               <a:rPr lang="en-US" sz="2600" dirty="0" smtClean="0"/>
-              <a:t>- one of the most widely used</a:t>
-            </a:r>
+              <a:t> - 2001</a:t>
+            </a:r>
+            <a:endParaRPr lang="en-US" sz="2600" dirty="0" smtClean="0"/>
+          </a:p>
+        </p:txBody>
+      </p:sp>
+      <p:sp>
+        <p:nvSpPr>
+          <p:cNvPr id="7" name="Slide Number Placeholder 6"/>
+          <p:cNvSpPr>
+            <a:spLocks noGrp="1"/>
+          </p:cNvSpPr>
+          <p:nvPr>
+            <p:ph type="sldNum" sz="quarter" idx="12"/>
+          </p:nvPr>
+        </p:nvSpPr>
+        <p:spPr/>
+        <p:txBody>
+          <a:bodyPr/>
+          <a:lstStyle/>
+          <a:p>
+            <a:fld id="{85816456-AF90-4826-9770-6E0598D9C364}" type="slidenum">
+              <a:rPr lang="en-US" smtClean="0"/>
+              <a:t>4</a:t>
+            </a:fld>
+            <a:endParaRPr lang="en-US" dirty="0"/>
           </a:p>
         </p:txBody>
       </p:sp>
@@ -5702,7 +5585,6 @@
               <a:rPr lang="en-US" sz="2800" dirty="0" smtClean="0"/>
               <a:t>, took out many unneeded features. </a:t>
             </a:r>
-            <a:endParaRPr lang="en-US" sz="2800" dirty="0" smtClean="0"/>
           </a:p>
           <a:p>
             <a:pPr>
@@ -5715,6 +5597,29 @@
               <a:t>Onsite Access through intranet (LAN).</a:t>
             </a:r>
             <a:endParaRPr lang="en-US" sz="2800" dirty="0"/>
+          </a:p>
+        </p:txBody>
+      </p:sp>
+      <p:sp>
+        <p:nvSpPr>
+          <p:cNvPr id="7" name="Slide Number Placeholder 6"/>
+          <p:cNvSpPr>
+            <a:spLocks noGrp="1"/>
+          </p:cNvSpPr>
+          <p:nvPr>
+            <p:ph type="sldNum" sz="quarter" idx="12"/>
+          </p:nvPr>
+        </p:nvSpPr>
+        <p:spPr/>
+        <p:txBody>
+          <a:bodyPr/>
+          <a:lstStyle/>
+          <a:p>
+            <a:fld id="{85816456-AF90-4826-9770-6E0598D9C364}" type="slidenum">
+              <a:rPr lang="en-US" smtClean="0"/>
+              <a:t>5</a:t>
+            </a:fld>
+            <a:endParaRPr lang="en-US" dirty="0"/>
           </a:p>
         </p:txBody>
       </p:sp>
@@ -5850,6 +5755,29 @@
           </a:p>
         </p:txBody>
       </p:sp>
+      <p:sp>
+        <p:nvSpPr>
+          <p:cNvPr id="7" name="Slide Number Placeholder 6"/>
+          <p:cNvSpPr>
+            <a:spLocks noGrp="1"/>
+          </p:cNvSpPr>
+          <p:nvPr>
+            <p:ph type="sldNum" sz="quarter" idx="12"/>
+          </p:nvPr>
+        </p:nvSpPr>
+        <p:spPr/>
+        <p:txBody>
+          <a:bodyPr/>
+          <a:lstStyle/>
+          <a:p>
+            <a:fld id="{85816456-AF90-4826-9770-6E0598D9C364}" type="slidenum">
+              <a:rPr lang="en-US" smtClean="0"/>
+              <a:t>6</a:t>
+            </a:fld>
+            <a:endParaRPr lang="en-US" dirty="0"/>
+          </a:p>
+        </p:txBody>
+      </p:sp>
     </p:spTree>
     <p:extLst>
       <p:ext uri="{BB962C8B-B14F-4D97-AF65-F5344CB8AC3E}">
@@ -5936,7 +5864,7 @@
         </p:spPr>
         <p:txBody>
           <a:bodyPr>
-            <a:normAutofit/>
+            <a:normAutofit fontScale="92500" lnSpcReduction="10000"/>
           </a:bodyPr>
           <a:lstStyle/>
           <a:p>
@@ -5947,8 +5875,63 @@
             </a:pPr>
             <a:r>
               <a:rPr lang="en-US" sz="2800" dirty="0" smtClean="0"/>
-              <a:t>Successfully Login as Admin or Physician.</a:t>
-            </a:r>
+              <a:t>Successfully </a:t>
+            </a:r>
+            <a:r>
+              <a:rPr lang="en-US" sz="2800" dirty="0"/>
+              <a:t>l</a:t>
+            </a:r>
+            <a:r>
+              <a:rPr lang="en-US" sz="2800" dirty="0" smtClean="0"/>
+              <a:t>ogin as:</a:t>
+            </a:r>
+          </a:p>
+          <a:p>
+            <a:pPr lvl="1">
+              <a:lnSpc>
+                <a:spcPct val="200000"/>
+              </a:lnSpc>
+            </a:pPr>
+            <a:r>
+              <a:rPr lang="en-US" sz="2600" dirty="0" smtClean="0"/>
+              <a:t>Administrator</a:t>
+            </a:r>
+          </a:p>
+          <a:p>
+            <a:pPr lvl="2">
+              <a:lnSpc>
+                <a:spcPct val="200000"/>
+              </a:lnSpc>
+            </a:pPr>
+            <a:r>
+              <a:rPr lang="en-US" sz="2400" dirty="0" smtClean="0"/>
+              <a:t>Add users</a:t>
+            </a:r>
+            <a:endParaRPr lang="en-US" sz="2400" dirty="0" smtClean="0"/>
+          </a:p>
+          <a:p>
+            <a:pPr lvl="1">
+              <a:lnSpc>
+                <a:spcPct val="200000"/>
+              </a:lnSpc>
+            </a:pPr>
+            <a:r>
+              <a:rPr lang="en-US" sz="2600" dirty="0" smtClean="0"/>
+              <a:t>Physician</a:t>
+            </a:r>
+            <a:endParaRPr lang="en-US" sz="2600" dirty="0"/>
+          </a:p>
+          <a:p>
+            <a:pPr lvl="2">
+              <a:lnSpc>
+                <a:spcPct val="200000"/>
+              </a:lnSpc>
+            </a:pPr>
+            <a:r>
+              <a:rPr lang="en-US" sz="2400" dirty="0" smtClean="0"/>
+              <a:t>Add patients</a:t>
+            </a:r>
+            <a:endParaRPr lang="en-US" sz="2400" dirty="0" smtClean="0"/>
           </a:p>
           <a:p>
             <a:pPr>
@@ -5958,50 +5941,43 @@
             </a:pPr>
             <a:r>
               <a:rPr lang="en-US" sz="2800" dirty="0" smtClean="0"/>
-              <a:t>Logout and return to login screen. </a:t>
-            </a:r>
-          </a:p>
-          <a:p>
-            <a:pPr>
-              <a:lnSpc>
-                <a:spcPct val="200000"/>
-              </a:lnSpc>
-            </a:pPr>
+              <a:t>Search </a:t>
+            </a:r>
+            <a:r>
+              <a:rPr lang="en-US" sz="2800" dirty="0"/>
+              <a:t>p</a:t>
+            </a:r>
             <a:r>
               <a:rPr lang="en-US" sz="2800" dirty="0" smtClean="0"/>
-              <a:t>Add/Remove users. </a:t>
-            </a:r>
-          </a:p>
-          <a:p>
-            <a:pPr>
-              <a:lnSpc>
-                <a:spcPct val="200000"/>
-              </a:lnSpc>
-            </a:pPr>
-            <a:r>
-              <a:rPr lang="en-US" sz="2800" dirty="0" smtClean="0"/>
-              <a:t>Add </a:t>
-            </a:r>
-            <a:r>
-              <a:rPr lang="en-US" sz="2800" dirty="0" smtClean="0"/>
-              <a:t>Patients</a:t>
+              <a:t>atients</a:t>
             </a:r>
             <a:r>
               <a:rPr lang="en-US" sz="2800" dirty="0" smtClean="0"/>
               <a:t>.</a:t>
             </a:r>
           </a:p>
-          <a:p>
-            <a:pPr>
-              <a:lnSpc>
-                <a:spcPct val="200000"/>
-              </a:lnSpc>
-            </a:pPr>
-            <a:r>
-              <a:rPr lang="en-US" sz="2800" dirty="0" smtClean="0"/>
-              <a:t>Search Patients.</a:t>
-            </a:r>
-            <a:endParaRPr lang="en-US" sz="2800" dirty="0" smtClean="0"/>
+        </p:txBody>
+      </p:sp>
+      <p:sp>
+        <p:nvSpPr>
+          <p:cNvPr id="7" name="Slide Number Placeholder 6"/>
+          <p:cNvSpPr>
+            <a:spLocks noGrp="1"/>
+          </p:cNvSpPr>
+          <p:nvPr>
+            <p:ph type="sldNum" sz="quarter" idx="12"/>
+          </p:nvPr>
+        </p:nvSpPr>
+        <p:spPr/>
+        <p:txBody>
+          <a:bodyPr/>
+          <a:lstStyle/>
+          <a:p>
+            <a:fld id="{85816456-AF90-4826-9770-6E0598D9C364}" type="slidenum">
+              <a:rPr lang="en-US" smtClean="0"/>
+              <a:t>7</a:t>
+            </a:fld>
+            <a:endParaRPr lang="en-US" dirty="0"/>
           </a:p>
         </p:txBody>
       </p:sp>
@@ -6102,7 +6078,15 @@
             </a:pPr>
             <a:r>
               <a:rPr lang="en-US" sz="2800" dirty="0" smtClean="0"/>
-              <a:t>Successful Login for all User Account types.</a:t>
+              <a:t>Successful </a:t>
+            </a:r>
+            <a:r>
+              <a:rPr lang="en-US" sz="2800" dirty="0" smtClean="0"/>
+              <a:t>Login </a:t>
+            </a:r>
+            <a:r>
+              <a:rPr lang="en-US" sz="2800" dirty="0" smtClean="0"/>
+              <a:t>for all User Account types.</a:t>
             </a:r>
           </a:p>
           <a:p>
@@ -6146,7 +6130,6 @@
               <a:rPr lang="en-US" sz="2800" dirty="0" smtClean="0"/>
               <a:t>.</a:t>
             </a:r>
-            <a:endParaRPr lang="en-US" sz="2800" dirty="0" smtClean="0"/>
           </a:p>
           <a:p>
             <a:pPr>
@@ -6156,11 +6139,7 @@
             </a:pPr>
             <a:r>
               <a:rPr lang="en-US" sz="2800" dirty="0" smtClean="0"/>
-              <a:t>Audit </a:t>
-            </a:r>
-            <a:r>
-              <a:rPr lang="en-US" sz="2800" dirty="0" smtClean="0"/>
-              <a:t>(Log) Table.</a:t>
+              <a:t>Audit (Log) Table.</a:t>
             </a:r>
           </a:p>
           <a:p>
@@ -6203,6 +6182,29 @@
           </a:prstGeom>
         </p:spPr>
       </p:pic>
+      <p:sp>
+        <p:nvSpPr>
+          <p:cNvPr id="7" name="Slide Number Placeholder 6"/>
+          <p:cNvSpPr>
+            <a:spLocks noGrp="1"/>
+          </p:cNvSpPr>
+          <p:nvPr>
+            <p:ph type="sldNum" sz="quarter" idx="12"/>
+          </p:nvPr>
+        </p:nvSpPr>
+        <p:spPr/>
+        <p:txBody>
+          <a:bodyPr/>
+          <a:lstStyle/>
+          <a:p>
+            <a:fld id="{85816456-AF90-4826-9770-6E0598D9C364}" type="slidenum">
+              <a:rPr lang="en-US" smtClean="0"/>
+              <a:t>8</a:t>
+            </a:fld>
+            <a:endParaRPr lang="en-US" dirty="0"/>
+          </a:p>
+        </p:txBody>
+      </p:sp>
     </p:spTree>
     <p:extLst>
       <p:ext uri="{BB962C8B-B14F-4D97-AF65-F5344CB8AC3E}">
@@ -6274,6 +6276,29 @@
             <a:br>
               <a:rPr lang="en-US" dirty="0"/>
             </a:br>
+            <a:endParaRPr lang="en-US" dirty="0"/>
+          </a:p>
+        </p:txBody>
+      </p:sp>
+      <p:sp>
+        <p:nvSpPr>
+          <p:cNvPr id="6" name="Slide Number Placeholder 5"/>
+          <p:cNvSpPr>
+            <a:spLocks noGrp="1"/>
+          </p:cNvSpPr>
+          <p:nvPr>
+            <p:ph type="sldNum" sz="quarter" idx="12"/>
+          </p:nvPr>
+        </p:nvSpPr>
+        <p:spPr/>
+        <p:txBody>
+          <a:bodyPr/>
+          <a:lstStyle/>
+          <a:p>
+            <a:fld id="{85816456-AF90-4826-9770-6E0598D9C364}" type="slidenum">
+              <a:rPr lang="en-US" smtClean="0"/>
+              <a:t>9</a:t>
+            </a:fld>
             <a:endParaRPr lang="en-US" dirty="0"/>
           </a:p>
         </p:txBody>

--- a/MidTerm/Midterm_presentation_SEMRS.pptx
+++ b/MidTerm/Midterm_presentation_SEMRS.pptx
@@ -4981,11 +4981,7 @@
             </a:pPr>
             <a:r>
               <a:rPr lang="en-US" sz="3200" dirty="0" smtClean="0"/>
-              <a:t>Motivation - Why we chose this project</a:t>
-            </a:r>
-            <a:r>
-              <a:rPr lang="en-US" sz="3200" dirty="0" smtClean="0"/>
-              <a:t>?</a:t>
+              <a:t>Motivation - Why we chose this project?</a:t>
             </a:r>
           </a:p>
           <a:p>
@@ -4996,13 +4992,8 @@
             </a:pPr>
             <a:r>
               <a:rPr lang="en-US" sz="3000" dirty="0" smtClean="0"/>
-              <a:t>Record backup</a:t>
-            </a:r>
-            <a:r>
-              <a:rPr lang="en-US" sz="3000" dirty="0" smtClean="0"/>
-              <a:t> </a:t>
-            </a:r>
-            <a:endParaRPr lang="en-US" sz="3000" dirty="0" smtClean="0"/>
+              <a:t>Record backup </a:t>
+            </a:r>
           </a:p>
           <a:p>
             <a:pPr>
@@ -5012,11 +5003,7 @@
             </a:pPr>
             <a:r>
               <a:rPr lang="en-US" sz="3200" dirty="0" smtClean="0"/>
-              <a:t>Problem - What we are solving</a:t>
-            </a:r>
-            <a:r>
-              <a:rPr lang="en-US" sz="3200" dirty="0" smtClean="0"/>
-              <a:t>?</a:t>
+              <a:t>Problem - What we are solving?</a:t>
             </a:r>
           </a:p>
           <a:p>
@@ -5040,7 +5027,6 @@
               <a:rPr lang="en-US" sz="3000" dirty="0" smtClean="0"/>
               <a:t>Delay or hinder treatment progress</a:t>
             </a:r>
-            <a:endParaRPr lang="en-US" sz="3000" dirty="0" smtClean="0"/>
           </a:p>
           <a:p>
             <a:pPr>
@@ -5050,11 +5036,7 @@
             </a:pPr>
             <a:r>
               <a:rPr lang="en-US" sz="3200" dirty="0" smtClean="0"/>
-              <a:t>Solution - How we are fixing it</a:t>
-            </a:r>
-            <a:r>
-              <a:rPr lang="en-US" sz="3200" dirty="0" smtClean="0"/>
-              <a:t>?</a:t>
+              <a:t>Solution - How we are fixing it?</a:t>
             </a:r>
           </a:p>
         </p:txBody>
@@ -5201,23 +5183,7 @@
             </a:pPr>
             <a:r>
               <a:rPr lang="en-US" sz="2800" dirty="0" smtClean="0"/>
-              <a:t>How </a:t>
-            </a:r>
-            <a:r>
-              <a:rPr lang="en-US" sz="2800" dirty="0" smtClean="0"/>
-              <a:t>private are these </a:t>
-            </a:r>
-            <a:r>
-              <a:rPr lang="en-US" sz="2800" dirty="0" smtClean="0"/>
-              <a:t>records and who </a:t>
-            </a:r>
-            <a:r>
-              <a:rPr lang="en-US" sz="2800" dirty="0" smtClean="0"/>
-              <a:t>has access </a:t>
-            </a:r>
-            <a:r>
-              <a:rPr lang="en-US" sz="2800" dirty="0" smtClean="0"/>
-              <a:t>? </a:t>
+              <a:t>How private are these records and who has access ? </a:t>
             </a:r>
           </a:p>
         </p:txBody>
@@ -5410,9 +5376,12 @@
             </a:pPr>
             <a:r>
               <a:rPr lang="en-US" sz="2800" dirty="0" smtClean="0"/>
-              <a:t>THIRRA - 1997</a:t>
-            </a:r>
-            <a:endParaRPr lang="en-US" sz="2800" dirty="0" smtClean="0"/>
+              <a:t>ZEPRS </a:t>
+            </a:r>
+            <a:r>
+              <a:rPr lang="en-US" sz="2800" dirty="0" smtClean="0"/>
+              <a:t>- 2001</a:t>
+            </a:r>
           </a:p>
           <a:p>
             <a:pPr lvl="1">
@@ -5421,10 +5390,17 @@
               </a:lnSpc>
             </a:pPr>
             <a:r>
-              <a:rPr lang="en-US" sz="2800" dirty="0" smtClean="0"/>
-              <a:t>ZEPRS - 2001</a:t>
-            </a:r>
-            <a:endParaRPr lang="en-US" sz="2800" dirty="0" smtClean="0"/>
+              <a:rPr lang="en-US" sz="2600" dirty="0" err="1" smtClean="0"/>
+              <a:t>OpenEMR</a:t>
+            </a:r>
+            <a:r>
+              <a:rPr lang="en-US" sz="2600" dirty="0" smtClean="0"/>
+              <a:t> </a:t>
+            </a:r>
+            <a:r>
+              <a:rPr lang="en-US" sz="2600" dirty="0" smtClean="0"/>
+              <a:t>– 2001</a:t>
+            </a:r>
           </a:p>
           <a:p>
             <a:pPr lvl="1">
@@ -5433,14 +5409,14 @@
               </a:lnSpc>
             </a:pPr>
             <a:r>
-              <a:rPr lang="en-US" sz="2600" dirty="0" err="1" smtClean="0"/>
-              <a:t>OpenEMR</a:t>
-            </a:r>
-            <a:r>
-              <a:rPr lang="en-US" sz="2600" dirty="0" smtClean="0"/>
-              <a:t> - 2001</a:t>
-            </a:r>
-            <a:endParaRPr lang="en-US" sz="2600" dirty="0" smtClean="0"/>
+              <a:rPr lang="en-US" sz="2400" dirty="0"/>
+              <a:t>THIRRA - </a:t>
+            </a:r>
+            <a:r>
+              <a:rPr lang="en-US" sz="2400" dirty="0" smtClean="0"/>
+              <a:t>2007</a:t>
+            </a:r>
+            <a:endParaRPr lang="en-US" sz="2400" dirty="0"/>
           </a:p>
         </p:txBody>
       </p:sp>
@@ -5907,7 +5883,6 @@
               <a:rPr lang="en-US" sz="2400" dirty="0" smtClean="0"/>
               <a:t>Add users</a:t>
             </a:r>
-            <a:endParaRPr lang="en-US" sz="2400" dirty="0" smtClean="0"/>
           </a:p>
           <a:p>
             <a:pPr lvl="1">
@@ -5931,7 +5906,6 @@
               <a:rPr lang="en-US" sz="2400" dirty="0" smtClean="0"/>
               <a:t>Add patients</a:t>
             </a:r>
-            <a:endParaRPr lang="en-US" sz="2400" dirty="0" smtClean="0"/>
           </a:p>
           <a:p>
             <a:pPr>
@@ -5949,11 +5923,7 @@
             </a:r>
             <a:r>
               <a:rPr lang="en-US" sz="2800" dirty="0" smtClean="0"/>
-              <a:t>atients</a:t>
-            </a:r>
-            <a:r>
-              <a:rPr lang="en-US" sz="2800" dirty="0" smtClean="0"/>
-              <a:t>.</a:t>
+              <a:t>atients.</a:t>
             </a:r>
           </a:p>
         </p:txBody>
@@ -6078,15 +6048,7 @@
             </a:pPr>
             <a:r>
               <a:rPr lang="en-US" sz="2800" dirty="0" smtClean="0"/>
-              <a:t>Successful </a:t>
-            </a:r>
-            <a:r>
-              <a:rPr lang="en-US" sz="2800" dirty="0" smtClean="0"/>
-              <a:t>Login </a:t>
-            </a:r>
-            <a:r>
-              <a:rPr lang="en-US" sz="2800" dirty="0" smtClean="0"/>
-              <a:t>for all User Account types.</a:t>
+              <a:t>Successful Login for all User Account types.</a:t>
             </a:r>
           </a:p>
           <a:p>
